--- a/image2.pptx
+++ b/image2.pptx
@@ -19,6 +19,9 @@
     <p:sldId id="266" r:id="rId13"/>
     <p:sldId id="267" r:id="rId14"/>
     <p:sldId id="268" r:id="rId15"/>
+    <p:sldId id="270" r:id="rId16"/>
+    <p:sldId id="271" r:id="rId17"/>
+    <p:sldId id="272" r:id="rId18"/>
   </p:sldIdLst>
   <p:sldSz cx="12192000" cy="6858000"/>
   <p:notesSz cx="6858000" cy="9144000"/>
@@ -3983,11 +3986,6 @@
               </a:rPr>
               <a:t>①②②③④⑤⑥⑦⑧⑨⑩</a:t>
             </a:r>
-            <a:endParaRPr lang="ko-KR" altLang="en-US" sz="1600" dirty="0">
-              <a:solidFill>
-                <a:srgbClr val="C00000"/>
-              </a:solidFill>
-            </a:endParaRPr>
           </a:p>
         </p:txBody>
       </p:sp>
@@ -4219,10 +4217,508 @@
           <a:chExt cx="0" cy="0"/>
         </a:xfrm>
       </p:grpSpPr>
+      <p:pic>
+        <p:nvPicPr>
+          <p:cNvPr id="2" name="그림 1"/>
+          <p:cNvPicPr>
+            <a:picLocks noChangeAspect="1"/>
+          </p:cNvPicPr>
+          <p:nvPr/>
+        </p:nvPicPr>
+        <p:blipFill>
+          <a:blip r:embed="rId2"/>
+          <a:stretch>
+            <a:fillRect/>
+          </a:stretch>
+        </p:blipFill>
+        <p:spPr>
+          <a:xfrm>
+            <a:off x="703385" y="326704"/>
+            <a:ext cx="7607304" cy="1811584"/>
+          </a:xfrm>
+          <a:prstGeom prst="rect">
+            <a:avLst/>
+          </a:prstGeom>
+          <a:ln>
+            <a:solidFill>
+              <a:schemeClr val="tx1">
+                <a:lumMod val="50000"/>
+                <a:lumOff val="50000"/>
+              </a:schemeClr>
+            </a:solidFill>
+          </a:ln>
+        </p:spPr>
+      </p:pic>
+      <p:pic>
+        <p:nvPicPr>
+          <p:cNvPr id="3" name="그림 2"/>
+          <p:cNvPicPr>
+            <a:picLocks noChangeAspect="1"/>
+          </p:cNvPicPr>
+          <p:nvPr/>
+        </p:nvPicPr>
+        <p:blipFill>
+          <a:blip r:embed="rId3"/>
+          <a:stretch>
+            <a:fillRect/>
+          </a:stretch>
+        </p:blipFill>
+        <p:spPr>
+          <a:xfrm>
+            <a:off x="644402" y="2532946"/>
+            <a:ext cx="4091720" cy="598697"/>
+          </a:xfrm>
+          <a:prstGeom prst="rect">
+            <a:avLst/>
+          </a:prstGeom>
+          <a:ln>
+            <a:solidFill>
+              <a:schemeClr val="tx1">
+                <a:lumMod val="50000"/>
+                <a:lumOff val="50000"/>
+              </a:schemeClr>
+            </a:solidFill>
+          </a:ln>
+        </p:spPr>
+      </p:pic>
+      <p:sp>
+        <p:nvSpPr>
+          <p:cNvPr id="4" name="직사각형 3"/>
+          <p:cNvSpPr/>
+          <p:nvPr/>
+        </p:nvSpPr>
+        <p:spPr>
+          <a:xfrm>
+            <a:off x="4135901" y="2480603"/>
+            <a:ext cx="600221" cy="703385"/>
+          </a:xfrm>
+          <a:prstGeom prst="rect">
+            <a:avLst/>
+          </a:prstGeom>
+          <a:noFill/>
+          <a:ln>
+            <a:solidFill>
+              <a:srgbClr val="C00000"/>
+            </a:solidFill>
+          </a:ln>
+        </p:spPr>
+        <p:style>
+          <a:lnRef idx="2">
+            <a:schemeClr val="accent1">
+              <a:shade val="50000"/>
+            </a:schemeClr>
+          </a:lnRef>
+          <a:fillRef idx="1">
+            <a:schemeClr val="accent1"/>
+          </a:fillRef>
+          <a:effectRef idx="0">
+            <a:schemeClr val="accent1"/>
+          </a:effectRef>
+          <a:fontRef idx="minor">
+            <a:schemeClr val="lt1"/>
+          </a:fontRef>
+        </p:style>
+        <p:txBody>
+          <a:bodyPr rtlCol="0" anchor="ctr"/>
+          <a:lstStyle/>
+          <a:p>
+            <a:pPr algn="ctr"/>
+            <a:endParaRPr lang="ko-KR" altLang="en-US"/>
+          </a:p>
+        </p:txBody>
+      </p:sp>
     </p:spTree>
     <p:extLst>
       <p:ext uri="{BB962C8B-B14F-4D97-AF65-F5344CB8AC3E}">
         <p14:creationId xmlns:p14="http://schemas.microsoft.com/office/powerpoint/2010/main" val="2581291179"/>
+      </p:ext>
+    </p:extLst>
+  </p:cSld>
+  <p:clrMapOvr>
+    <a:masterClrMapping/>
+  </p:clrMapOvr>
+</p:sld>
+</file>
+
+<file path=ppt/slides/slide15.xml><?xml version="1.0" encoding="utf-8"?>
+<p:sld xmlns:a="http://schemas.openxmlformats.org/drawingml/2006/main" xmlns:r="http://schemas.openxmlformats.org/officeDocument/2006/relationships" xmlns:p="http://schemas.openxmlformats.org/presentationml/2006/main">
+  <p:cSld>
+    <p:spTree>
+      <p:nvGrpSpPr>
+        <p:cNvPr id="1" name=""/>
+        <p:cNvGrpSpPr/>
+        <p:nvPr/>
+      </p:nvGrpSpPr>
+      <p:grpSpPr>
+        <a:xfrm>
+          <a:off x="0" y="0"/>
+          <a:ext cx="0" cy="0"/>
+          <a:chOff x="0" y="0"/>
+          <a:chExt cx="0" cy="0"/>
+        </a:xfrm>
+      </p:grpSpPr>
+      <p:pic>
+        <p:nvPicPr>
+          <p:cNvPr id="4" name="그림 3"/>
+          <p:cNvPicPr>
+            <a:picLocks noChangeAspect="1"/>
+          </p:cNvPicPr>
+          <p:nvPr/>
+        </p:nvPicPr>
+        <p:blipFill>
+          <a:blip r:embed="rId2"/>
+          <a:stretch>
+            <a:fillRect/>
+          </a:stretch>
+        </p:blipFill>
+        <p:spPr>
+          <a:xfrm>
+            <a:off x="300110" y="285230"/>
+            <a:ext cx="5927188" cy="1515643"/>
+          </a:xfrm>
+          <a:prstGeom prst="rect">
+            <a:avLst/>
+          </a:prstGeom>
+          <a:ln>
+            <a:solidFill>
+              <a:schemeClr val="tx1">
+                <a:lumMod val="50000"/>
+                <a:lumOff val="50000"/>
+              </a:schemeClr>
+            </a:solidFill>
+          </a:ln>
+        </p:spPr>
+      </p:pic>
+      <p:sp>
+        <p:nvSpPr>
+          <p:cNvPr id="5" name="TextBox 4"/>
+          <p:cNvSpPr txBox="1"/>
+          <p:nvPr/>
+        </p:nvSpPr>
+        <p:spPr>
+          <a:xfrm>
+            <a:off x="2198676" y="5299880"/>
+            <a:ext cx="2441694" cy="338554"/>
+          </a:xfrm>
+          <a:prstGeom prst="rect">
+            <a:avLst/>
+          </a:prstGeom>
+          <a:noFill/>
+        </p:spPr>
+        <p:txBody>
+          <a:bodyPr wrap="none" rtlCol="0">
+            <a:spAutoFit/>
+          </a:bodyPr>
+          <a:lstStyle/>
+          <a:p>
+            <a:r>
+              <a:rPr lang="ko-KR" altLang="en-US" sz="1600" dirty="0">
+                <a:solidFill>
+                  <a:srgbClr val="C00000"/>
+                </a:solidFill>
+              </a:rPr>
+              <a:t>①②②③④⑤⑥⑦⑧⑨⑩</a:t>
+            </a:r>
+            <a:endParaRPr lang="ko-KR" altLang="en-US" sz="1600" dirty="0">
+              <a:solidFill>
+                <a:srgbClr val="C00000"/>
+              </a:solidFill>
+            </a:endParaRPr>
+          </a:p>
+        </p:txBody>
+      </p:sp>
+      <p:sp>
+        <p:nvSpPr>
+          <p:cNvPr id="6" name="직사각형 5"/>
+          <p:cNvSpPr/>
+          <p:nvPr/>
+        </p:nvSpPr>
+        <p:spPr>
+          <a:xfrm>
+            <a:off x="4903513" y="383903"/>
+            <a:ext cx="415498" cy="369332"/>
+          </a:xfrm>
+          <a:prstGeom prst="rect">
+            <a:avLst/>
+          </a:prstGeom>
+        </p:spPr>
+        <p:txBody>
+          <a:bodyPr wrap="none">
+            <a:spAutoFit/>
+          </a:bodyPr>
+          <a:lstStyle/>
+          <a:p>
+            <a:r>
+              <a:rPr lang="ko-KR" altLang="en-US" dirty="0">
+                <a:solidFill>
+                  <a:srgbClr val="C00000"/>
+                </a:solidFill>
+              </a:rPr>
+              <a:t>①</a:t>
+            </a:r>
+            <a:endParaRPr lang="ko-KR" altLang="en-US" dirty="0"/>
+          </a:p>
+        </p:txBody>
+      </p:sp>
+      <p:sp>
+        <p:nvSpPr>
+          <p:cNvPr id="7" name="직사각형 6"/>
+          <p:cNvSpPr/>
+          <p:nvPr/>
+        </p:nvSpPr>
+        <p:spPr>
+          <a:xfrm>
+            <a:off x="5531870" y="383903"/>
+            <a:ext cx="415498" cy="369332"/>
+          </a:xfrm>
+          <a:prstGeom prst="rect">
+            <a:avLst/>
+          </a:prstGeom>
+        </p:spPr>
+        <p:txBody>
+          <a:bodyPr wrap="none">
+            <a:spAutoFit/>
+          </a:bodyPr>
+          <a:lstStyle/>
+          <a:p>
+            <a:r>
+              <a:rPr lang="ko-KR" altLang="en-US" dirty="0">
+                <a:solidFill>
+                  <a:srgbClr val="C00000"/>
+                </a:solidFill>
+              </a:rPr>
+              <a:t>②</a:t>
+            </a:r>
+            <a:endParaRPr lang="ko-KR" altLang="en-US" dirty="0"/>
+          </a:p>
+        </p:txBody>
+      </p:sp>
+      <p:sp>
+        <p:nvSpPr>
+          <p:cNvPr id="8" name="직사각형 7"/>
+          <p:cNvSpPr/>
+          <p:nvPr/>
+        </p:nvSpPr>
+        <p:spPr>
+          <a:xfrm>
+            <a:off x="1990927" y="805934"/>
+            <a:ext cx="415498" cy="369332"/>
+          </a:xfrm>
+          <a:prstGeom prst="rect">
+            <a:avLst/>
+          </a:prstGeom>
+        </p:spPr>
+        <p:txBody>
+          <a:bodyPr wrap="none">
+            <a:spAutoFit/>
+          </a:bodyPr>
+          <a:lstStyle/>
+          <a:p>
+            <a:r>
+              <a:rPr lang="ko-KR" altLang="en-US" dirty="0">
+                <a:solidFill>
+                  <a:srgbClr val="C00000"/>
+                </a:solidFill>
+              </a:rPr>
+              <a:t>③</a:t>
+            </a:r>
+            <a:endParaRPr lang="ko-KR" altLang="en-US" dirty="0"/>
+          </a:p>
+        </p:txBody>
+      </p:sp>
+      <p:sp>
+        <p:nvSpPr>
+          <p:cNvPr id="9" name="직사각형 8"/>
+          <p:cNvSpPr/>
+          <p:nvPr/>
+        </p:nvSpPr>
+        <p:spPr>
+          <a:xfrm>
+            <a:off x="3211774" y="753235"/>
+            <a:ext cx="415498" cy="369332"/>
+          </a:xfrm>
+          <a:prstGeom prst="rect">
+            <a:avLst/>
+          </a:prstGeom>
+        </p:spPr>
+        <p:txBody>
+          <a:bodyPr wrap="none">
+            <a:spAutoFit/>
+          </a:bodyPr>
+          <a:lstStyle/>
+          <a:p>
+            <a:r>
+              <a:rPr lang="ko-KR" altLang="en-US" dirty="0">
+                <a:solidFill>
+                  <a:srgbClr val="C00000"/>
+                </a:solidFill>
+              </a:rPr>
+              <a:t>④</a:t>
+            </a:r>
+            <a:endParaRPr lang="ko-KR" altLang="en-US" dirty="0"/>
+          </a:p>
+        </p:txBody>
+      </p:sp>
+    </p:spTree>
+    <p:extLst>
+      <p:ext uri="{BB962C8B-B14F-4D97-AF65-F5344CB8AC3E}">
+        <p14:creationId xmlns:p14="http://schemas.microsoft.com/office/powerpoint/2010/main" val="387726369"/>
+      </p:ext>
+    </p:extLst>
+  </p:cSld>
+  <p:clrMapOvr>
+    <a:masterClrMapping/>
+  </p:clrMapOvr>
+</p:sld>
+</file>
+
+<file path=ppt/slides/slide16.xml><?xml version="1.0" encoding="utf-8"?>
+<p:sld xmlns:a="http://schemas.openxmlformats.org/drawingml/2006/main" xmlns:r="http://schemas.openxmlformats.org/officeDocument/2006/relationships" xmlns:p="http://schemas.openxmlformats.org/presentationml/2006/main">
+  <p:cSld>
+    <p:spTree>
+      <p:nvGrpSpPr>
+        <p:cNvPr id="1" name=""/>
+        <p:cNvGrpSpPr/>
+        <p:nvPr/>
+      </p:nvGrpSpPr>
+      <p:grpSpPr>
+        <a:xfrm>
+          <a:off x="0" y="0"/>
+          <a:ext cx="0" cy="0"/>
+          <a:chOff x="0" y="0"/>
+          <a:chExt cx="0" cy="0"/>
+        </a:xfrm>
+      </p:grpSpPr>
+      <p:pic>
+        <p:nvPicPr>
+          <p:cNvPr id="4" name="그림 3"/>
+          <p:cNvPicPr>
+            <a:picLocks noChangeAspect="1"/>
+          </p:cNvPicPr>
+          <p:nvPr/>
+        </p:nvPicPr>
+        <p:blipFill>
+          <a:blip r:embed="rId2"/>
+          <a:stretch>
+            <a:fillRect/>
+          </a:stretch>
+        </p:blipFill>
+        <p:spPr>
+          <a:xfrm>
+            <a:off x="215704" y="394946"/>
+            <a:ext cx="8046721" cy="3631893"/>
+          </a:xfrm>
+          <a:prstGeom prst="rect">
+            <a:avLst/>
+          </a:prstGeom>
+          <a:ln>
+            <a:solidFill>
+              <a:schemeClr val="tx1">
+                <a:lumMod val="50000"/>
+                <a:lumOff val="50000"/>
+              </a:schemeClr>
+            </a:solidFill>
+          </a:ln>
+        </p:spPr>
+      </p:pic>
+    </p:spTree>
+    <p:extLst>
+      <p:ext uri="{BB962C8B-B14F-4D97-AF65-F5344CB8AC3E}">
+        <p14:creationId xmlns:p14="http://schemas.microsoft.com/office/powerpoint/2010/main" val="1234174253"/>
+      </p:ext>
+    </p:extLst>
+  </p:cSld>
+  <p:clrMapOvr>
+    <a:masterClrMapping/>
+  </p:clrMapOvr>
+</p:sld>
+</file>
+
+<file path=ppt/slides/slide17.xml><?xml version="1.0" encoding="utf-8"?>
+<p:sld xmlns:a="http://schemas.openxmlformats.org/drawingml/2006/main" xmlns:r="http://schemas.openxmlformats.org/officeDocument/2006/relationships" xmlns:p="http://schemas.openxmlformats.org/presentationml/2006/main">
+  <p:cSld>
+    <p:spTree>
+      <p:nvGrpSpPr>
+        <p:cNvPr id="1" name=""/>
+        <p:cNvGrpSpPr/>
+        <p:nvPr/>
+      </p:nvGrpSpPr>
+      <p:grpSpPr>
+        <a:xfrm>
+          <a:off x="0" y="0"/>
+          <a:ext cx="0" cy="0"/>
+          <a:chOff x="0" y="0"/>
+          <a:chExt cx="0" cy="0"/>
+        </a:xfrm>
+      </p:grpSpPr>
+      <p:pic>
+        <p:nvPicPr>
+          <p:cNvPr id="4" name="그림 3"/>
+          <p:cNvPicPr>
+            <a:picLocks noChangeAspect="1"/>
+          </p:cNvPicPr>
+          <p:nvPr/>
+        </p:nvPicPr>
+        <p:blipFill>
+          <a:blip r:embed="rId2"/>
+          <a:stretch>
+            <a:fillRect/>
+          </a:stretch>
+        </p:blipFill>
+        <p:spPr>
+          <a:xfrm>
+            <a:off x="647114" y="419920"/>
+            <a:ext cx="6142892" cy="1642988"/>
+          </a:xfrm>
+          <a:prstGeom prst="rect">
+            <a:avLst/>
+          </a:prstGeom>
+          <a:ln>
+            <a:solidFill>
+              <a:schemeClr val="tx1">
+                <a:lumMod val="50000"/>
+                <a:lumOff val="50000"/>
+              </a:schemeClr>
+            </a:solidFill>
+          </a:ln>
+        </p:spPr>
+      </p:pic>
+      <p:pic>
+        <p:nvPicPr>
+          <p:cNvPr id="5" name="그림 4"/>
+          <p:cNvPicPr>
+            <a:picLocks noChangeAspect="1"/>
+          </p:cNvPicPr>
+          <p:nvPr/>
+        </p:nvPicPr>
+        <p:blipFill>
+          <a:blip r:embed="rId3"/>
+          <a:stretch>
+            <a:fillRect/>
+          </a:stretch>
+        </p:blipFill>
+        <p:spPr>
+          <a:xfrm>
+            <a:off x="647114" y="2298910"/>
+            <a:ext cx="6142892" cy="1926087"/>
+          </a:xfrm>
+          <a:prstGeom prst="rect">
+            <a:avLst/>
+          </a:prstGeom>
+          <a:ln>
+            <a:solidFill>
+              <a:schemeClr val="tx1">
+                <a:lumMod val="50000"/>
+                <a:lumOff val="50000"/>
+              </a:schemeClr>
+            </a:solidFill>
+          </a:ln>
+        </p:spPr>
+      </p:pic>
+    </p:spTree>
+    <p:extLst>
+      <p:ext uri="{BB962C8B-B14F-4D97-AF65-F5344CB8AC3E}">
+        <p14:creationId xmlns:p14="http://schemas.microsoft.com/office/powerpoint/2010/main" val="4206427274"/>
       </p:ext>
     </p:extLst>
   </p:cSld>

--- a/image2.pptx
+++ b/image2.pptx
@@ -22,6 +22,9 @@
     <p:sldId id="270" r:id="rId16"/>
     <p:sldId id="271" r:id="rId17"/>
     <p:sldId id="272" r:id="rId18"/>
+    <p:sldId id="273" r:id="rId19"/>
+    <p:sldId id="274" r:id="rId20"/>
+    <p:sldId id="275" r:id="rId21"/>
   </p:sldIdLst>
   <p:sldSz cx="12192000" cy="6858000"/>
   <p:notesSz cx="6858000" cy="9144000"/>
@@ -259,7 +262,7 @@
           <a:p>
             <a:fld id="{BCB002D4-23EE-4E87-B595-31C4A3955AD9}" type="datetimeFigureOut">
               <a:rPr lang="ko-KR" altLang="en-US" smtClean="0"/>
-              <a:t>2018. 9. 6.</a:t>
+              <a:t>2018. 9. 9.</a:t>
             </a:fld>
             <a:endParaRPr lang="ko-KR" altLang="en-US"/>
           </a:p>
@@ -429,7 +432,7 @@
           <a:p>
             <a:fld id="{BCB002D4-23EE-4E87-B595-31C4A3955AD9}" type="datetimeFigureOut">
               <a:rPr lang="ko-KR" altLang="en-US" smtClean="0"/>
-              <a:t>2018. 9. 6.</a:t>
+              <a:t>2018. 9. 9.</a:t>
             </a:fld>
             <a:endParaRPr lang="ko-KR" altLang="en-US"/>
           </a:p>
@@ -609,7 +612,7 @@
           <a:p>
             <a:fld id="{BCB002D4-23EE-4E87-B595-31C4A3955AD9}" type="datetimeFigureOut">
               <a:rPr lang="ko-KR" altLang="en-US" smtClean="0"/>
-              <a:t>2018. 9. 6.</a:t>
+              <a:t>2018. 9. 9.</a:t>
             </a:fld>
             <a:endParaRPr lang="ko-KR" altLang="en-US"/>
           </a:p>
@@ -779,7 +782,7 @@
           <a:p>
             <a:fld id="{BCB002D4-23EE-4E87-B595-31C4A3955AD9}" type="datetimeFigureOut">
               <a:rPr lang="ko-KR" altLang="en-US" smtClean="0"/>
-              <a:t>2018. 9. 6.</a:t>
+              <a:t>2018. 9. 9.</a:t>
             </a:fld>
             <a:endParaRPr lang="ko-KR" altLang="en-US"/>
           </a:p>
@@ -1025,7 +1028,7 @@
           <a:p>
             <a:fld id="{BCB002D4-23EE-4E87-B595-31C4A3955AD9}" type="datetimeFigureOut">
               <a:rPr lang="ko-KR" altLang="en-US" smtClean="0"/>
-              <a:t>2018. 9. 6.</a:t>
+              <a:t>2018. 9. 9.</a:t>
             </a:fld>
             <a:endParaRPr lang="ko-KR" altLang="en-US"/>
           </a:p>
@@ -1257,7 +1260,7 @@
           <a:p>
             <a:fld id="{BCB002D4-23EE-4E87-B595-31C4A3955AD9}" type="datetimeFigureOut">
               <a:rPr lang="ko-KR" altLang="en-US" smtClean="0"/>
-              <a:t>2018. 9. 6.</a:t>
+              <a:t>2018. 9. 9.</a:t>
             </a:fld>
             <a:endParaRPr lang="ko-KR" altLang="en-US"/>
           </a:p>
@@ -1624,7 +1627,7 @@
           <a:p>
             <a:fld id="{BCB002D4-23EE-4E87-B595-31C4A3955AD9}" type="datetimeFigureOut">
               <a:rPr lang="ko-KR" altLang="en-US" smtClean="0"/>
-              <a:t>2018. 9. 6.</a:t>
+              <a:t>2018. 9. 9.</a:t>
             </a:fld>
             <a:endParaRPr lang="ko-KR" altLang="en-US"/>
           </a:p>
@@ -1742,7 +1745,7 @@
           <a:p>
             <a:fld id="{BCB002D4-23EE-4E87-B595-31C4A3955AD9}" type="datetimeFigureOut">
               <a:rPr lang="ko-KR" altLang="en-US" smtClean="0"/>
-              <a:t>2018. 9. 6.</a:t>
+              <a:t>2018. 9. 9.</a:t>
             </a:fld>
             <a:endParaRPr lang="ko-KR" altLang="en-US"/>
           </a:p>
@@ -1837,7 +1840,7 @@
           <a:p>
             <a:fld id="{BCB002D4-23EE-4E87-B595-31C4A3955AD9}" type="datetimeFigureOut">
               <a:rPr lang="ko-KR" altLang="en-US" smtClean="0"/>
-              <a:t>2018. 9. 6.</a:t>
+              <a:t>2018. 9. 9.</a:t>
             </a:fld>
             <a:endParaRPr lang="ko-KR" altLang="en-US"/>
           </a:p>
@@ -2114,7 +2117,7 @@
           <a:p>
             <a:fld id="{BCB002D4-23EE-4E87-B595-31C4A3955AD9}" type="datetimeFigureOut">
               <a:rPr lang="ko-KR" altLang="en-US" smtClean="0"/>
-              <a:t>2018. 9. 6.</a:t>
+              <a:t>2018. 9. 9.</a:t>
             </a:fld>
             <a:endParaRPr lang="ko-KR" altLang="en-US"/>
           </a:p>
@@ -2367,7 +2370,7 @@
           <a:p>
             <a:fld id="{BCB002D4-23EE-4E87-B595-31C4A3955AD9}" type="datetimeFigureOut">
               <a:rPr lang="ko-KR" altLang="en-US" smtClean="0"/>
-              <a:t>2018. 9. 6.</a:t>
+              <a:t>2018. 9. 9.</a:t>
             </a:fld>
             <a:endParaRPr lang="ko-KR" altLang="en-US"/>
           </a:p>
@@ -2580,7 +2583,7 @@
           <a:p>
             <a:fld id="{BCB002D4-23EE-4E87-B595-31C4A3955AD9}" type="datetimeFigureOut">
               <a:rPr lang="ko-KR" altLang="en-US" smtClean="0"/>
-              <a:t>2018. 9. 6.</a:t>
+              <a:t>2018. 9. 9.</a:t>
             </a:fld>
             <a:endParaRPr lang="ko-KR" altLang="en-US"/>
           </a:p>
@@ -4419,11 +4422,6 @@
               </a:rPr>
               <a:t>①②②③④⑤⑥⑦⑧⑨⑩</a:t>
             </a:r>
-            <a:endParaRPr lang="ko-KR" altLang="en-US" sz="1600" dirty="0">
-              <a:solidFill>
-                <a:srgbClr val="C00000"/>
-              </a:solidFill>
-            </a:endParaRPr>
           </a:p>
         </p:txBody>
       </p:sp>
@@ -4715,10 +4713,470 @@
           </a:ln>
         </p:spPr>
       </p:pic>
+      <p:pic>
+        <p:nvPicPr>
+          <p:cNvPr id="2" name="그림 1"/>
+          <p:cNvPicPr>
+            <a:picLocks noChangeAspect="1"/>
+          </p:cNvPicPr>
+          <p:nvPr/>
+        </p:nvPicPr>
+        <p:blipFill>
+          <a:blip r:embed="rId4"/>
+          <a:stretch>
+            <a:fillRect/>
+          </a:stretch>
+        </p:blipFill>
+        <p:spPr>
+          <a:xfrm>
+            <a:off x="777514" y="4565746"/>
+            <a:ext cx="6384373" cy="1594134"/>
+          </a:xfrm>
+          <a:prstGeom prst="rect">
+            <a:avLst/>
+          </a:prstGeom>
+          <a:ln>
+            <a:solidFill>
+              <a:schemeClr val="tx1">
+                <a:lumMod val="50000"/>
+                <a:lumOff val="50000"/>
+              </a:schemeClr>
+            </a:solidFill>
+          </a:ln>
+        </p:spPr>
+      </p:pic>
     </p:spTree>
     <p:extLst>
       <p:ext uri="{BB962C8B-B14F-4D97-AF65-F5344CB8AC3E}">
         <p14:creationId xmlns:p14="http://schemas.microsoft.com/office/powerpoint/2010/main" val="4206427274"/>
+      </p:ext>
+    </p:extLst>
+  </p:cSld>
+  <p:clrMapOvr>
+    <a:masterClrMapping/>
+  </p:clrMapOvr>
+</p:sld>
+</file>
+
+<file path=ppt/slides/slide18.xml><?xml version="1.0" encoding="utf-8"?>
+<p:sld xmlns:a="http://schemas.openxmlformats.org/drawingml/2006/main" xmlns:r="http://schemas.openxmlformats.org/officeDocument/2006/relationships" xmlns:p="http://schemas.openxmlformats.org/presentationml/2006/main">
+  <p:cSld>
+    <p:spTree>
+      <p:nvGrpSpPr>
+        <p:cNvPr id="1" name=""/>
+        <p:cNvGrpSpPr/>
+        <p:nvPr/>
+      </p:nvGrpSpPr>
+      <p:grpSpPr>
+        <a:xfrm>
+          <a:off x="0" y="0"/>
+          <a:ext cx="0" cy="0"/>
+          <a:chOff x="0" y="0"/>
+          <a:chExt cx="0" cy="0"/>
+        </a:xfrm>
+      </p:grpSpPr>
+      <p:pic>
+        <p:nvPicPr>
+          <p:cNvPr id="5" name="그림 4"/>
+          <p:cNvPicPr>
+            <a:picLocks noChangeAspect="1"/>
+          </p:cNvPicPr>
+          <p:nvPr/>
+        </p:nvPicPr>
+        <p:blipFill>
+          <a:blip r:embed="rId2"/>
+          <a:stretch>
+            <a:fillRect/>
+          </a:stretch>
+        </p:blipFill>
+        <p:spPr>
+          <a:xfrm>
+            <a:off x="676303" y="275342"/>
+            <a:ext cx="5259083" cy="1203029"/>
+          </a:xfrm>
+          <a:prstGeom prst="rect">
+            <a:avLst/>
+          </a:prstGeom>
+          <a:ln>
+            <a:solidFill>
+              <a:schemeClr val="tx1">
+                <a:lumMod val="50000"/>
+                <a:lumOff val="50000"/>
+              </a:schemeClr>
+            </a:solidFill>
+          </a:ln>
+        </p:spPr>
+      </p:pic>
+      <p:pic>
+        <p:nvPicPr>
+          <p:cNvPr id="6" name="그림 5"/>
+          <p:cNvPicPr>
+            <a:picLocks noChangeAspect="1"/>
+          </p:cNvPicPr>
+          <p:nvPr/>
+        </p:nvPicPr>
+        <p:blipFill>
+          <a:blip r:embed="rId3"/>
+          <a:stretch>
+            <a:fillRect/>
+          </a:stretch>
+        </p:blipFill>
+        <p:spPr>
+          <a:xfrm>
+            <a:off x="909922" y="2024119"/>
+            <a:ext cx="6268289" cy="1255675"/>
+          </a:xfrm>
+          <a:prstGeom prst="rect">
+            <a:avLst/>
+          </a:prstGeom>
+        </p:spPr>
+      </p:pic>
+      <p:sp>
+        <p:nvSpPr>
+          <p:cNvPr id="7" name="직사각형 6"/>
+          <p:cNvSpPr/>
+          <p:nvPr/>
+        </p:nvSpPr>
+        <p:spPr>
+          <a:xfrm>
+            <a:off x="952728" y="2024119"/>
+            <a:ext cx="1719291" cy="352226"/>
+          </a:xfrm>
+          <a:prstGeom prst="rect">
+            <a:avLst/>
+          </a:prstGeom>
+          <a:noFill/>
+          <a:ln>
+            <a:solidFill>
+              <a:srgbClr val="C00000"/>
+            </a:solidFill>
+          </a:ln>
+        </p:spPr>
+        <p:style>
+          <a:lnRef idx="2">
+            <a:schemeClr val="accent1">
+              <a:shade val="50000"/>
+            </a:schemeClr>
+          </a:lnRef>
+          <a:fillRef idx="1">
+            <a:schemeClr val="accent1"/>
+          </a:fillRef>
+          <a:effectRef idx="0">
+            <a:schemeClr val="accent1"/>
+          </a:effectRef>
+          <a:fontRef idx="minor">
+            <a:schemeClr val="lt1"/>
+          </a:fontRef>
+        </p:style>
+        <p:txBody>
+          <a:bodyPr rtlCol="0" anchor="ctr"/>
+          <a:lstStyle/>
+          <a:p>
+            <a:pPr algn="ctr"/>
+            <a:endParaRPr lang="ko-KR" altLang="en-US"/>
+          </a:p>
+        </p:txBody>
+      </p:sp>
+      <p:sp>
+        <p:nvSpPr>
+          <p:cNvPr id="8" name="직사각형 7"/>
+          <p:cNvSpPr/>
+          <p:nvPr/>
+        </p:nvSpPr>
+        <p:spPr>
+          <a:xfrm>
+            <a:off x="2769664" y="2024119"/>
+            <a:ext cx="1917320" cy="352226"/>
+          </a:xfrm>
+          <a:prstGeom prst="rect">
+            <a:avLst/>
+          </a:prstGeom>
+          <a:noFill/>
+          <a:ln>
+            <a:solidFill>
+              <a:srgbClr val="C00000"/>
+            </a:solidFill>
+          </a:ln>
+        </p:spPr>
+        <p:style>
+          <a:lnRef idx="2">
+            <a:schemeClr val="accent1">
+              <a:shade val="50000"/>
+            </a:schemeClr>
+          </a:lnRef>
+          <a:fillRef idx="1">
+            <a:schemeClr val="accent1"/>
+          </a:fillRef>
+          <a:effectRef idx="0">
+            <a:schemeClr val="accent1"/>
+          </a:effectRef>
+          <a:fontRef idx="minor">
+            <a:schemeClr val="lt1"/>
+          </a:fontRef>
+        </p:style>
+        <p:txBody>
+          <a:bodyPr rtlCol="0" anchor="ctr"/>
+          <a:lstStyle/>
+          <a:p>
+            <a:pPr algn="ctr"/>
+            <a:endParaRPr lang="ko-KR" altLang="en-US"/>
+          </a:p>
+        </p:txBody>
+      </p:sp>
+      <p:pic>
+        <p:nvPicPr>
+          <p:cNvPr id="9" name="그림 8"/>
+          <p:cNvPicPr>
+            <a:picLocks noChangeAspect="1"/>
+          </p:cNvPicPr>
+          <p:nvPr/>
+        </p:nvPicPr>
+        <p:blipFill>
+          <a:blip r:embed="rId4"/>
+          <a:stretch>
+            <a:fillRect/>
+          </a:stretch>
+        </p:blipFill>
+        <p:spPr>
+          <a:xfrm>
+            <a:off x="1040335" y="3573981"/>
+            <a:ext cx="6987864" cy="1490809"/>
+          </a:xfrm>
+          <a:prstGeom prst="rect">
+            <a:avLst/>
+          </a:prstGeom>
+          <a:ln>
+            <a:solidFill>
+              <a:schemeClr val="tx1">
+                <a:lumMod val="50000"/>
+                <a:lumOff val="50000"/>
+              </a:schemeClr>
+            </a:solidFill>
+          </a:ln>
+        </p:spPr>
+      </p:pic>
+      <p:sp>
+        <p:nvSpPr>
+          <p:cNvPr id="10" name="직사각형 9"/>
+          <p:cNvSpPr/>
+          <p:nvPr/>
+        </p:nvSpPr>
+        <p:spPr>
+          <a:xfrm>
+            <a:off x="1040335" y="3811879"/>
+            <a:ext cx="1719291" cy="352226"/>
+          </a:xfrm>
+          <a:prstGeom prst="rect">
+            <a:avLst/>
+          </a:prstGeom>
+          <a:noFill/>
+          <a:ln>
+            <a:solidFill>
+              <a:srgbClr val="C00000"/>
+            </a:solidFill>
+          </a:ln>
+        </p:spPr>
+        <p:style>
+          <a:lnRef idx="2">
+            <a:schemeClr val="accent1">
+              <a:shade val="50000"/>
+            </a:schemeClr>
+          </a:lnRef>
+          <a:fillRef idx="1">
+            <a:schemeClr val="accent1"/>
+          </a:fillRef>
+          <a:effectRef idx="0">
+            <a:schemeClr val="accent1"/>
+          </a:effectRef>
+          <a:fontRef idx="minor">
+            <a:schemeClr val="lt1"/>
+          </a:fontRef>
+        </p:style>
+        <p:txBody>
+          <a:bodyPr rtlCol="0" anchor="ctr"/>
+          <a:lstStyle/>
+          <a:p>
+            <a:pPr algn="ctr"/>
+            <a:endParaRPr lang="ko-KR" altLang="en-US"/>
+          </a:p>
+        </p:txBody>
+      </p:sp>
+      <p:sp>
+        <p:nvSpPr>
+          <p:cNvPr id="11" name="직사각형 10"/>
+          <p:cNvSpPr/>
+          <p:nvPr/>
+        </p:nvSpPr>
+        <p:spPr>
+          <a:xfrm>
+            <a:off x="3076290" y="3825542"/>
+            <a:ext cx="1719291" cy="352226"/>
+          </a:xfrm>
+          <a:prstGeom prst="rect">
+            <a:avLst/>
+          </a:prstGeom>
+          <a:noFill/>
+          <a:ln>
+            <a:solidFill>
+              <a:srgbClr val="C00000"/>
+            </a:solidFill>
+          </a:ln>
+        </p:spPr>
+        <p:style>
+          <a:lnRef idx="2">
+            <a:schemeClr val="accent1">
+              <a:shade val="50000"/>
+            </a:schemeClr>
+          </a:lnRef>
+          <a:fillRef idx="1">
+            <a:schemeClr val="accent1"/>
+          </a:fillRef>
+          <a:effectRef idx="0">
+            <a:schemeClr val="accent1"/>
+          </a:effectRef>
+          <a:fontRef idx="minor">
+            <a:schemeClr val="lt1"/>
+          </a:fontRef>
+        </p:style>
+        <p:txBody>
+          <a:bodyPr rtlCol="0" anchor="ctr"/>
+          <a:lstStyle/>
+          <a:p>
+            <a:pPr algn="ctr"/>
+            <a:endParaRPr lang="ko-KR" altLang="en-US"/>
+          </a:p>
+        </p:txBody>
+      </p:sp>
+    </p:spTree>
+    <p:extLst>
+      <p:ext uri="{BB962C8B-B14F-4D97-AF65-F5344CB8AC3E}">
+        <p14:creationId xmlns:p14="http://schemas.microsoft.com/office/powerpoint/2010/main" val="3550494513"/>
+      </p:ext>
+    </p:extLst>
+  </p:cSld>
+  <p:clrMapOvr>
+    <a:masterClrMapping/>
+  </p:clrMapOvr>
+</p:sld>
+</file>
+
+<file path=ppt/slides/slide19.xml><?xml version="1.0" encoding="utf-8"?>
+<p:sld xmlns:a="http://schemas.openxmlformats.org/drawingml/2006/main" xmlns:r="http://schemas.openxmlformats.org/officeDocument/2006/relationships" xmlns:p="http://schemas.openxmlformats.org/presentationml/2006/main">
+  <p:cSld>
+    <p:spTree>
+      <p:nvGrpSpPr>
+        <p:cNvPr id="1" name=""/>
+        <p:cNvGrpSpPr/>
+        <p:nvPr/>
+      </p:nvGrpSpPr>
+      <p:grpSpPr>
+        <a:xfrm>
+          <a:off x="0" y="0"/>
+          <a:ext cx="0" cy="0"/>
+          <a:chOff x="0" y="0"/>
+          <a:chExt cx="0" cy="0"/>
+        </a:xfrm>
+      </p:grpSpPr>
+      <p:pic>
+        <p:nvPicPr>
+          <p:cNvPr id="4" name="그림 3"/>
+          <p:cNvPicPr>
+            <a:picLocks noChangeAspect="1"/>
+          </p:cNvPicPr>
+          <p:nvPr/>
+        </p:nvPicPr>
+        <p:blipFill>
+          <a:blip r:embed="rId2"/>
+          <a:stretch>
+            <a:fillRect/>
+          </a:stretch>
+        </p:blipFill>
+        <p:spPr>
+          <a:xfrm>
+            <a:off x="76656" y="281213"/>
+            <a:ext cx="8850126" cy="1104075"/>
+          </a:xfrm>
+          <a:prstGeom prst="rect">
+            <a:avLst/>
+          </a:prstGeom>
+          <a:ln>
+            <a:solidFill>
+              <a:schemeClr val="tx1">
+                <a:lumMod val="50000"/>
+                <a:lumOff val="50000"/>
+              </a:schemeClr>
+            </a:solidFill>
+          </a:ln>
+        </p:spPr>
+      </p:pic>
+      <p:pic>
+        <p:nvPicPr>
+          <p:cNvPr id="5" name="그림 4"/>
+          <p:cNvPicPr>
+            <a:picLocks noChangeAspect="1"/>
+          </p:cNvPicPr>
+          <p:nvPr/>
+        </p:nvPicPr>
+        <p:blipFill>
+          <a:blip r:embed="rId3"/>
+          <a:stretch>
+            <a:fillRect/>
+          </a:stretch>
+        </p:blipFill>
+        <p:spPr>
+          <a:xfrm>
+            <a:off x="624201" y="1841804"/>
+            <a:ext cx="8251501" cy="1377617"/>
+          </a:xfrm>
+          <a:prstGeom prst="rect">
+            <a:avLst/>
+          </a:prstGeom>
+          <a:ln>
+            <a:solidFill>
+              <a:schemeClr val="tx1">
+                <a:lumMod val="50000"/>
+                <a:lumOff val="50000"/>
+              </a:schemeClr>
+            </a:solidFill>
+          </a:ln>
+        </p:spPr>
+      </p:pic>
+      <p:pic>
+        <p:nvPicPr>
+          <p:cNvPr id="6" name="그림 5"/>
+          <p:cNvPicPr>
+            <a:picLocks noChangeAspect="1"/>
+          </p:cNvPicPr>
+          <p:nvPr/>
+        </p:nvPicPr>
+        <p:blipFill>
+          <a:blip r:embed="rId4"/>
+          <a:stretch>
+            <a:fillRect/>
+          </a:stretch>
+        </p:blipFill>
+        <p:spPr>
+          <a:xfrm>
+            <a:off x="536595" y="3550367"/>
+            <a:ext cx="8339107" cy="1081864"/>
+          </a:xfrm>
+          <a:prstGeom prst="rect">
+            <a:avLst/>
+          </a:prstGeom>
+          <a:ln>
+            <a:solidFill>
+              <a:schemeClr val="tx1">
+                <a:lumMod val="50000"/>
+                <a:lumOff val="50000"/>
+              </a:schemeClr>
+            </a:solidFill>
+          </a:ln>
+        </p:spPr>
+      </p:pic>
+    </p:spTree>
+    <p:extLst>
+      <p:ext uri="{BB962C8B-B14F-4D97-AF65-F5344CB8AC3E}">
+        <p14:creationId xmlns:p14="http://schemas.microsoft.com/office/powerpoint/2010/main" val="3292056694"/>
       </p:ext>
     </p:extLst>
   </p:cSld>
@@ -4794,6 +5252,68 @@
       </p:par>
     </p:tnLst>
   </p:timing>
+</p:sld>
+</file>
+
+<file path=ppt/slides/slide20.xml><?xml version="1.0" encoding="utf-8"?>
+<p:sld xmlns:a="http://schemas.openxmlformats.org/drawingml/2006/main" xmlns:r="http://schemas.openxmlformats.org/officeDocument/2006/relationships" xmlns:p="http://schemas.openxmlformats.org/presentationml/2006/main">
+  <p:cSld>
+    <p:spTree>
+      <p:nvGrpSpPr>
+        <p:cNvPr id="1" name=""/>
+        <p:cNvGrpSpPr/>
+        <p:nvPr/>
+      </p:nvGrpSpPr>
+      <p:grpSpPr>
+        <a:xfrm>
+          <a:off x="0" y="0"/>
+          <a:ext cx="0" cy="0"/>
+          <a:chOff x="0" y="0"/>
+          <a:chExt cx="0" cy="0"/>
+        </a:xfrm>
+      </p:grpSpPr>
+      <p:pic>
+        <p:nvPicPr>
+          <p:cNvPr id="4" name="그림 3"/>
+          <p:cNvPicPr>
+            <a:picLocks noChangeAspect="1"/>
+          </p:cNvPicPr>
+          <p:nvPr/>
+        </p:nvPicPr>
+        <p:blipFill>
+          <a:blip r:embed="rId2"/>
+          <a:stretch>
+            <a:fillRect/>
+          </a:stretch>
+        </p:blipFill>
+        <p:spPr>
+          <a:xfrm>
+            <a:off x="356990" y="492790"/>
+            <a:ext cx="8553980" cy="5130496"/>
+          </a:xfrm>
+          <a:prstGeom prst="rect">
+            <a:avLst/>
+          </a:prstGeom>
+          <a:ln>
+            <a:solidFill>
+              <a:schemeClr val="tx1">
+                <a:lumMod val="50000"/>
+                <a:lumOff val="50000"/>
+              </a:schemeClr>
+            </a:solidFill>
+          </a:ln>
+        </p:spPr>
+      </p:pic>
+    </p:spTree>
+    <p:extLst>
+      <p:ext uri="{BB962C8B-B14F-4D97-AF65-F5344CB8AC3E}">
+        <p14:creationId xmlns:p14="http://schemas.microsoft.com/office/powerpoint/2010/main" val="2009672746"/>
+      </p:ext>
+    </p:extLst>
+  </p:cSld>
+  <p:clrMapOvr>
+    <a:masterClrMapping/>
+  </p:clrMapOvr>
 </p:sld>
 </file>
 

--- a/image2.pptx
+++ b/image2.pptx
@@ -25,6 +25,11 @@
     <p:sldId id="273" r:id="rId19"/>
     <p:sldId id="274" r:id="rId20"/>
     <p:sldId id="275" r:id="rId21"/>
+    <p:sldId id="276" r:id="rId22"/>
+    <p:sldId id="277" r:id="rId23"/>
+    <p:sldId id="278" r:id="rId24"/>
+    <p:sldId id="279" r:id="rId25"/>
+    <p:sldId id="280" r:id="rId26"/>
   </p:sldIdLst>
   <p:sldSz cx="12192000" cy="6858000"/>
   <p:notesSz cx="6858000" cy="9144000"/>
@@ -5317,6 +5322,578 @@
 </p:sld>
 </file>
 
+<file path=ppt/slides/slide21.xml><?xml version="1.0" encoding="utf-8"?>
+<p:sld xmlns:a="http://schemas.openxmlformats.org/drawingml/2006/main" xmlns:r="http://schemas.openxmlformats.org/officeDocument/2006/relationships" xmlns:p="http://schemas.openxmlformats.org/presentationml/2006/main">
+  <p:cSld>
+    <p:spTree>
+      <p:nvGrpSpPr>
+        <p:cNvPr id="1" name=""/>
+        <p:cNvGrpSpPr/>
+        <p:nvPr/>
+      </p:nvGrpSpPr>
+      <p:grpSpPr>
+        <a:xfrm>
+          <a:off x="0" y="0"/>
+          <a:ext cx="0" cy="0"/>
+          <a:chOff x="0" y="0"/>
+          <a:chExt cx="0" cy="0"/>
+        </a:xfrm>
+      </p:grpSpPr>
+      <p:pic>
+        <p:nvPicPr>
+          <p:cNvPr id="4" name="그림 3"/>
+          <p:cNvPicPr>
+            <a:picLocks noChangeAspect="1"/>
+          </p:cNvPicPr>
+          <p:nvPr/>
+        </p:nvPicPr>
+        <p:blipFill>
+          <a:blip r:embed="rId2"/>
+          <a:stretch>
+            <a:fillRect/>
+          </a:stretch>
+        </p:blipFill>
+        <p:spPr>
+          <a:xfrm>
+            <a:off x="317576" y="574958"/>
+            <a:ext cx="7267424" cy="1248366"/>
+          </a:xfrm>
+          <a:prstGeom prst="rect">
+            <a:avLst/>
+          </a:prstGeom>
+          <a:ln>
+            <a:solidFill>
+              <a:schemeClr val="tx1">
+                <a:lumMod val="50000"/>
+                <a:lumOff val="50000"/>
+              </a:schemeClr>
+            </a:solidFill>
+          </a:ln>
+        </p:spPr>
+      </p:pic>
+      <p:pic>
+        <p:nvPicPr>
+          <p:cNvPr id="5" name="그림 4"/>
+          <p:cNvPicPr>
+            <a:picLocks noChangeAspect="1"/>
+          </p:cNvPicPr>
+          <p:nvPr/>
+        </p:nvPicPr>
+        <p:blipFill>
+          <a:blip r:embed="rId3"/>
+          <a:stretch>
+            <a:fillRect/>
+          </a:stretch>
+        </p:blipFill>
+        <p:spPr>
+          <a:xfrm>
+            <a:off x="405184" y="2513583"/>
+            <a:ext cx="9242557" cy="3153507"/>
+          </a:xfrm>
+          <a:prstGeom prst="rect">
+            <a:avLst/>
+          </a:prstGeom>
+          <a:ln>
+            <a:solidFill>
+              <a:schemeClr val="tx1">
+                <a:lumMod val="50000"/>
+                <a:lumOff val="50000"/>
+              </a:schemeClr>
+            </a:solidFill>
+          </a:ln>
+        </p:spPr>
+      </p:pic>
+      <p:sp>
+        <p:nvSpPr>
+          <p:cNvPr id="6" name="직사각형 5"/>
+          <p:cNvSpPr/>
+          <p:nvPr/>
+        </p:nvSpPr>
+        <p:spPr>
+          <a:xfrm>
+            <a:off x="525643" y="3690453"/>
+            <a:ext cx="6570539" cy="700857"/>
+          </a:xfrm>
+          <a:prstGeom prst="rect">
+            <a:avLst/>
+          </a:prstGeom>
+          <a:noFill/>
+          <a:ln>
+            <a:solidFill>
+              <a:srgbClr val="C00000"/>
+            </a:solidFill>
+          </a:ln>
+        </p:spPr>
+        <p:style>
+          <a:lnRef idx="2">
+            <a:schemeClr val="accent1">
+              <a:shade val="50000"/>
+            </a:schemeClr>
+          </a:lnRef>
+          <a:fillRef idx="1">
+            <a:schemeClr val="accent1"/>
+          </a:fillRef>
+          <a:effectRef idx="0">
+            <a:schemeClr val="accent1"/>
+          </a:effectRef>
+          <a:fontRef idx="minor">
+            <a:schemeClr val="lt1"/>
+          </a:fontRef>
+        </p:style>
+        <p:txBody>
+          <a:bodyPr rtlCol="0" anchor="ctr"/>
+          <a:lstStyle/>
+          <a:p>
+            <a:pPr algn="ctr"/>
+            <a:endParaRPr lang="ko-KR" altLang="en-US"/>
+          </a:p>
+        </p:txBody>
+      </p:sp>
+      <p:sp>
+        <p:nvSpPr>
+          <p:cNvPr id="7" name="직사각형 6"/>
+          <p:cNvSpPr/>
+          <p:nvPr/>
+        </p:nvSpPr>
+        <p:spPr>
+          <a:xfrm>
+            <a:off x="513779" y="4418689"/>
+            <a:ext cx="1917320" cy="1259353"/>
+          </a:xfrm>
+          <a:prstGeom prst="rect">
+            <a:avLst/>
+          </a:prstGeom>
+          <a:noFill/>
+          <a:ln>
+            <a:solidFill>
+              <a:srgbClr val="C00000"/>
+            </a:solidFill>
+          </a:ln>
+        </p:spPr>
+        <p:style>
+          <a:lnRef idx="2">
+            <a:schemeClr val="accent1">
+              <a:shade val="50000"/>
+            </a:schemeClr>
+          </a:lnRef>
+          <a:fillRef idx="1">
+            <a:schemeClr val="accent1"/>
+          </a:fillRef>
+          <a:effectRef idx="0">
+            <a:schemeClr val="accent1"/>
+          </a:effectRef>
+          <a:fontRef idx="minor">
+            <a:schemeClr val="lt1"/>
+          </a:fontRef>
+        </p:style>
+        <p:txBody>
+          <a:bodyPr rtlCol="0" anchor="ctr"/>
+          <a:lstStyle/>
+          <a:p>
+            <a:pPr algn="ctr"/>
+            <a:endParaRPr lang="ko-KR" altLang="en-US"/>
+          </a:p>
+        </p:txBody>
+      </p:sp>
+    </p:spTree>
+    <p:extLst>
+      <p:ext uri="{BB962C8B-B14F-4D97-AF65-F5344CB8AC3E}">
+        <p14:creationId xmlns:p14="http://schemas.microsoft.com/office/powerpoint/2010/main" val="1199910697"/>
+      </p:ext>
+    </p:extLst>
+  </p:cSld>
+  <p:clrMapOvr>
+    <a:masterClrMapping/>
+  </p:clrMapOvr>
+</p:sld>
+</file>
+
+<file path=ppt/slides/slide22.xml><?xml version="1.0" encoding="utf-8"?>
+<p:sld xmlns:a="http://schemas.openxmlformats.org/drawingml/2006/main" xmlns:r="http://schemas.openxmlformats.org/officeDocument/2006/relationships" xmlns:p="http://schemas.openxmlformats.org/presentationml/2006/main">
+  <p:cSld>
+    <p:spTree>
+      <p:nvGrpSpPr>
+        <p:cNvPr id="1" name=""/>
+        <p:cNvGrpSpPr/>
+        <p:nvPr/>
+      </p:nvGrpSpPr>
+      <p:grpSpPr>
+        <a:xfrm>
+          <a:off x="0" y="0"/>
+          <a:ext cx="0" cy="0"/>
+          <a:chOff x="0" y="0"/>
+          <a:chExt cx="0" cy="0"/>
+        </a:xfrm>
+      </p:grpSpPr>
+      <p:pic>
+        <p:nvPicPr>
+          <p:cNvPr id="4" name="그림 3"/>
+          <p:cNvPicPr>
+            <a:picLocks noChangeAspect="1"/>
+          </p:cNvPicPr>
+          <p:nvPr/>
+        </p:nvPicPr>
+        <p:blipFill>
+          <a:blip r:embed="rId2"/>
+          <a:stretch>
+            <a:fillRect/>
+          </a:stretch>
+        </p:blipFill>
+        <p:spPr>
+          <a:xfrm>
+            <a:off x="479938" y="459938"/>
+            <a:ext cx="7240446" cy="4522721"/>
+          </a:xfrm>
+          <a:prstGeom prst="rect">
+            <a:avLst/>
+          </a:prstGeom>
+          <a:ln>
+            <a:solidFill>
+              <a:schemeClr val="tx1">
+                <a:lumMod val="50000"/>
+                <a:lumOff val="50000"/>
+              </a:schemeClr>
+            </a:solidFill>
+          </a:ln>
+        </p:spPr>
+      </p:pic>
+      <p:sp>
+        <p:nvSpPr>
+          <p:cNvPr id="5" name="직사각형 4"/>
+          <p:cNvSpPr/>
+          <p:nvPr/>
+        </p:nvSpPr>
+        <p:spPr>
+          <a:xfrm>
+            <a:off x="7019526" y="1763094"/>
+            <a:ext cx="700858" cy="312102"/>
+          </a:xfrm>
+          <a:prstGeom prst="rect">
+            <a:avLst/>
+          </a:prstGeom>
+          <a:noFill/>
+          <a:ln>
+            <a:solidFill>
+              <a:srgbClr val="C00000"/>
+            </a:solidFill>
+          </a:ln>
+        </p:spPr>
+        <p:style>
+          <a:lnRef idx="2">
+            <a:schemeClr val="accent1">
+              <a:shade val="50000"/>
+            </a:schemeClr>
+          </a:lnRef>
+          <a:fillRef idx="1">
+            <a:schemeClr val="accent1"/>
+          </a:fillRef>
+          <a:effectRef idx="0">
+            <a:schemeClr val="accent1"/>
+          </a:effectRef>
+          <a:fontRef idx="minor">
+            <a:schemeClr val="lt1"/>
+          </a:fontRef>
+        </p:style>
+        <p:txBody>
+          <a:bodyPr rtlCol="0" anchor="ctr"/>
+          <a:lstStyle/>
+          <a:p>
+            <a:pPr algn="ctr"/>
+            <a:endParaRPr lang="ko-KR" altLang="en-US"/>
+          </a:p>
+        </p:txBody>
+      </p:sp>
+      <p:sp>
+        <p:nvSpPr>
+          <p:cNvPr id="6" name="직사각형 5"/>
+          <p:cNvSpPr/>
+          <p:nvPr/>
+        </p:nvSpPr>
+        <p:spPr>
+          <a:xfrm>
+            <a:off x="4554660" y="2157327"/>
+            <a:ext cx="3165723" cy="2825332"/>
+          </a:xfrm>
+          <a:prstGeom prst="rect">
+            <a:avLst/>
+          </a:prstGeom>
+          <a:noFill/>
+          <a:ln>
+            <a:solidFill>
+              <a:srgbClr val="C00000"/>
+            </a:solidFill>
+          </a:ln>
+        </p:spPr>
+        <p:style>
+          <a:lnRef idx="2">
+            <a:schemeClr val="accent1">
+              <a:shade val="50000"/>
+            </a:schemeClr>
+          </a:lnRef>
+          <a:fillRef idx="1">
+            <a:schemeClr val="accent1"/>
+          </a:fillRef>
+          <a:effectRef idx="0">
+            <a:schemeClr val="accent1"/>
+          </a:effectRef>
+          <a:fontRef idx="minor">
+            <a:schemeClr val="lt1"/>
+          </a:fontRef>
+        </p:style>
+        <p:txBody>
+          <a:bodyPr rtlCol="0" anchor="ctr"/>
+          <a:lstStyle/>
+          <a:p>
+            <a:pPr algn="ctr"/>
+            <a:endParaRPr lang="ko-KR" altLang="en-US"/>
+          </a:p>
+        </p:txBody>
+      </p:sp>
+    </p:spTree>
+    <p:extLst>
+      <p:ext uri="{BB962C8B-B14F-4D97-AF65-F5344CB8AC3E}">
+        <p14:creationId xmlns:p14="http://schemas.microsoft.com/office/powerpoint/2010/main" val="1724001395"/>
+      </p:ext>
+    </p:extLst>
+  </p:cSld>
+  <p:clrMapOvr>
+    <a:masterClrMapping/>
+  </p:clrMapOvr>
+</p:sld>
+</file>
+
+<file path=ppt/slides/slide23.xml><?xml version="1.0" encoding="utf-8"?>
+<p:sld xmlns:a="http://schemas.openxmlformats.org/drawingml/2006/main" xmlns:r="http://schemas.openxmlformats.org/officeDocument/2006/relationships" xmlns:p="http://schemas.openxmlformats.org/presentationml/2006/main">
+  <p:cSld>
+    <p:spTree>
+      <p:nvGrpSpPr>
+        <p:cNvPr id="1" name=""/>
+        <p:cNvGrpSpPr/>
+        <p:nvPr/>
+      </p:nvGrpSpPr>
+      <p:grpSpPr>
+        <a:xfrm>
+          <a:off x="0" y="0"/>
+          <a:ext cx="0" cy="0"/>
+          <a:chOff x="0" y="0"/>
+          <a:chExt cx="0" cy="0"/>
+        </a:xfrm>
+      </p:grpSpPr>
+      <p:pic>
+        <p:nvPicPr>
+          <p:cNvPr id="4" name="그림 3"/>
+          <p:cNvPicPr>
+            <a:picLocks noChangeAspect="1"/>
+          </p:cNvPicPr>
+          <p:nvPr/>
+        </p:nvPicPr>
+        <p:blipFill>
+          <a:blip r:embed="rId2"/>
+          <a:stretch>
+            <a:fillRect/>
+          </a:stretch>
+        </p:blipFill>
+        <p:spPr>
+          <a:xfrm>
+            <a:off x="852031" y="648013"/>
+            <a:ext cx="6101789" cy="4020995"/>
+          </a:xfrm>
+          <a:prstGeom prst="rect">
+            <a:avLst/>
+          </a:prstGeom>
+          <a:ln>
+            <a:solidFill>
+              <a:schemeClr val="tx1">
+                <a:lumMod val="50000"/>
+                <a:lumOff val="50000"/>
+              </a:schemeClr>
+            </a:solidFill>
+          </a:ln>
+        </p:spPr>
+      </p:pic>
+    </p:spTree>
+    <p:extLst>
+      <p:ext uri="{BB962C8B-B14F-4D97-AF65-F5344CB8AC3E}">
+        <p14:creationId xmlns:p14="http://schemas.microsoft.com/office/powerpoint/2010/main" val="699836425"/>
+      </p:ext>
+    </p:extLst>
+  </p:cSld>
+  <p:clrMapOvr>
+    <a:masterClrMapping/>
+  </p:clrMapOvr>
+</p:sld>
+</file>
+
+<file path=ppt/slides/slide24.xml><?xml version="1.0" encoding="utf-8"?>
+<p:sld xmlns:a="http://schemas.openxmlformats.org/drawingml/2006/main" xmlns:r="http://schemas.openxmlformats.org/officeDocument/2006/relationships" xmlns:p="http://schemas.openxmlformats.org/presentationml/2006/main">
+  <p:cSld>
+    <p:spTree>
+      <p:nvGrpSpPr>
+        <p:cNvPr id="1" name=""/>
+        <p:cNvGrpSpPr/>
+        <p:nvPr/>
+      </p:nvGrpSpPr>
+      <p:grpSpPr>
+        <a:xfrm>
+          <a:off x="0" y="0"/>
+          <a:ext cx="0" cy="0"/>
+          <a:chOff x="0" y="0"/>
+          <a:chExt cx="0" cy="0"/>
+        </a:xfrm>
+      </p:grpSpPr>
+      <p:pic>
+        <p:nvPicPr>
+          <p:cNvPr id="4" name="그림 3"/>
+          <p:cNvPicPr>
+            <a:picLocks noChangeAspect="1"/>
+          </p:cNvPicPr>
+          <p:nvPr/>
+        </p:nvPicPr>
+        <p:blipFill>
+          <a:blip r:embed="rId2"/>
+          <a:stretch>
+            <a:fillRect/>
+          </a:stretch>
+        </p:blipFill>
+        <p:spPr>
+          <a:xfrm>
+            <a:off x="722759" y="511933"/>
+            <a:ext cx="7807991" cy="4381504"/>
+          </a:xfrm>
+          <a:prstGeom prst="rect">
+            <a:avLst/>
+          </a:prstGeom>
+          <a:ln>
+            <a:solidFill>
+              <a:schemeClr val="tx1">
+                <a:lumMod val="50000"/>
+                <a:lumOff val="50000"/>
+              </a:schemeClr>
+            </a:solidFill>
+          </a:ln>
+        </p:spPr>
+      </p:pic>
+    </p:spTree>
+    <p:extLst>
+      <p:ext uri="{BB962C8B-B14F-4D97-AF65-F5344CB8AC3E}">
+        <p14:creationId xmlns:p14="http://schemas.microsoft.com/office/powerpoint/2010/main" val="3265992218"/>
+      </p:ext>
+    </p:extLst>
+  </p:cSld>
+  <p:clrMapOvr>
+    <a:masterClrMapping/>
+  </p:clrMapOvr>
+</p:sld>
+</file>
+
+<file path=ppt/slides/slide25.xml><?xml version="1.0" encoding="utf-8"?>
+<p:sld xmlns:a="http://schemas.openxmlformats.org/drawingml/2006/main" xmlns:r="http://schemas.openxmlformats.org/officeDocument/2006/relationships" xmlns:p="http://schemas.openxmlformats.org/presentationml/2006/main">
+  <p:cSld>
+    <p:spTree>
+      <p:nvGrpSpPr>
+        <p:cNvPr id="1" name=""/>
+        <p:cNvGrpSpPr/>
+        <p:nvPr/>
+      </p:nvGrpSpPr>
+      <p:grpSpPr>
+        <a:xfrm>
+          <a:off x="0" y="0"/>
+          <a:ext cx="0" cy="0"/>
+          <a:chOff x="0" y="0"/>
+          <a:chExt cx="0" cy="0"/>
+        </a:xfrm>
+      </p:grpSpPr>
+      <p:pic>
+        <p:nvPicPr>
+          <p:cNvPr id="4" name="그림 3"/>
+          <p:cNvPicPr>
+            <a:picLocks noChangeAspect="1"/>
+          </p:cNvPicPr>
+          <p:nvPr/>
+        </p:nvPicPr>
+        <p:blipFill>
+          <a:blip r:embed="rId2"/>
+          <a:stretch>
+            <a:fillRect/>
+          </a:stretch>
+        </p:blipFill>
+        <p:spPr>
+          <a:xfrm>
+            <a:off x="229969" y="1093987"/>
+            <a:ext cx="11060369" cy="1375442"/>
+          </a:xfrm>
+          <a:prstGeom prst="rect">
+            <a:avLst/>
+          </a:prstGeom>
+          <a:ln>
+            <a:solidFill>
+              <a:schemeClr val="tx1">
+                <a:lumMod val="50000"/>
+                <a:lumOff val="50000"/>
+              </a:schemeClr>
+            </a:solidFill>
+          </a:ln>
+        </p:spPr>
+      </p:pic>
+      <p:sp>
+        <p:nvSpPr>
+          <p:cNvPr id="5" name="직사각형 4"/>
+          <p:cNvSpPr/>
+          <p:nvPr/>
+        </p:nvSpPr>
+        <p:spPr>
+          <a:xfrm>
+            <a:off x="229969" y="1215550"/>
+            <a:ext cx="9078294" cy="350428"/>
+          </a:xfrm>
+          <a:prstGeom prst="rect">
+            <a:avLst/>
+          </a:prstGeom>
+          <a:noFill/>
+          <a:ln w="28575">
+            <a:solidFill>
+              <a:srgbClr val="C00000"/>
+            </a:solidFill>
+          </a:ln>
+        </p:spPr>
+        <p:style>
+          <a:lnRef idx="2">
+            <a:schemeClr val="accent1">
+              <a:shade val="50000"/>
+            </a:schemeClr>
+          </a:lnRef>
+          <a:fillRef idx="1">
+            <a:schemeClr val="accent1"/>
+          </a:fillRef>
+          <a:effectRef idx="0">
+            <a:schemeClr val="accent1"/>
+          </a:effectRef>
+          <a:fontRef idx="minor">
+            <a:schemeClr val="lt1"/>
+          </a:fontRef>
+        </p:style>
+        <p:txBody>
+          <a:bodyPr rtlCol="0" anchor="ctr"/>
+          <a:lstStyle/>
+          <a:p>
+            <a:pPr algn="ctr"/>
+            <a:endParaRPr lang="ko-KR" altLang="en-US"/>
+          </a:p>
+        </p:txBody>
+      </p:sp>
+    </p:spTree>
+    <p:extLst>
+      <p:ext uri="{BB962C8B-B14F-4D97-AF65-F5344CB8AC3E}">
+        <p14:creationId xmlns:p14="http://schemas.microsoft.com/office/powerpoint/2010/main" val="3414600570"/>
+      </p:ext>
+    </p:extLst>
+  </p:cSld>
+  <p:clrMapOvr>
+    <a:masterClrMapping/>
+  </p:clrMapOvr>
+</p:sld>
+</file>
+
 <file path=ppt/slides/slide3.xml><?xml version="1.0" encoding="utf-8"?>
 <p:sld xmlns:a="http://schemas.openxmlformats.org/drawingml/2006/main" xmlns:r="http://schemas.openxmlformats.org/officeDocument/2006/relationships" xmlns:p="http://schemas.openxmlformats.org/presentationml/2006/main">
   <p:cSld>

--- a/image2.pptx
+++ b/image2.pptx
@@ -30,6 +30,18 @@
     <p:sldId id="278" r:id="rId24"/>
     <p:sldId id="279" r:id="rId25"/>
     <p:sldId id="280" r:id="rId26"/>
+    <p:sldId id="281" r:id="rId27"/>
+    <p:sldId id="282" r:id="rId28"/>
+    <p:sldId id="283" r:id="rId29"/>
+    <p:sldId id="284" r:id="rId30"/>
+    <p:sldId id="285" r:id="rId31"/>
+    <p:sldId id="286" r:id="rId32"/>
+    <p:sldId id="287" r:id="rId33"/>
+    <p:sldId id="288" r:id="rId34"/>
+    <p:sldId id="289" r:id="rId35"/>
+    <p:sldId id="290" r:id="rId36"/>
+    <p:sldId id="291" r:id="rId37"/>
+    <p:sldId id="292" r:id="rId38"/>
   </p:sldIdLst>
   <p:sldSz cx="12192000" cy="6858000"/>
   <p:notesSz cx="6858000" cy="9144000"/>
@@ -267,7 +279,7 @@
           <a:p>
             <a:fld id="{BCB002D4-23EE-4E87-B595-31C4A3955AD9}" type="datetimeFigureOut">
               <a:rPr lang="ko-KR" altLang="en-US" smtClean="0"/>
-              <a:t>2018. 9. 9.</a:t>
+              <a:t>2018. 9. 16.</a:t>
             </a:fld>
             <a:endParaRPr lang="ko-KR" altLang="en-US"/>
           </a:p>
@@ -437,7 +449,7 @@
           <a:p>
             <a:fld id="{BCB002D4-23EE-4E87-B595-31C4A3955AD9}" type="datetimeFigureOut">
               <a:rPr lang="ko-KR" altLang="en-US" smtClean="0"/>
-              <a:t>2018. 9. 9.</a:t>
+              <a:t>2018. 9. 16.</a:t>
             </a:fld>
             <a:endParaRPr lang="ko-KR" altLang="en-US"/>
           </a:p>
@@ -617,7 +629,7 @@
           <a:p>
             <a:fld id="{BCB002D4-23EE-4E87-B595-31C4A3955AD9}" type="datetimeFigureOut">
               <a:rPr lang="ko-KR" altLang="en-US" smtClean="0"/>
-              <a:t>2018. 9. 9.</a:t>
+              <a:t>2018. 9. 16.</a:t>
             </a:fld>
             <a:endParaRPr lang="ko-KR" altLang="en-US"/>
           </a:p>
@@ -787,7 +799,7 @@
           <a:p>
             <a:fld id="{BCB002D4-23EE-4E87-B595-31C4A3955AD9}" type="datetimeFigureOut">
               <a:rPr lang="ko-KR" altLang="en-US" smtClean="0"/>
-              <a:t>2018. 9. 9.</a:t>
+              <a:t>2018. 9. 16.</a:t>
             </a:fld>
             <a:endParaRPr lang="ko-KR" altLang="en-US"/>
           </a:p>
@@ -1033,7 +1045,7 @@
           <a:p>
             <a:fld id="{BCB002D4-23EE-4E87-B595-31C4A3955AD9}" type="datetimeFigureOut">
               <a:rPr lang="ko-KR" altLang="en-US" smtClean="0"/>
-              <a:t>2018. 9. 9.</a:t>
+              <a:t>2018. 9. 16.</a:t>
             </a:fld>
             <a:endParaRPr lang="ko-KR" altLang="en-US"/>
           </a:p>
@@ -1265,7 +1277,7 @@
           <a:p>
             <a:fld id="{BCB002D4-23EE-4E87-B595-31C4A3955AD9}" type="datetimeFigureOut">
               <a:rPr lang="ko-KR" altLang="en-US" smtClean="0"/>
-              <a:t>2018. 9. 9.</a:t>
+              <a:t>2018. 9. 16.</a:t>
             </a:fld>
             <a:endParaRPr lang="ko-KR" altLang="en-US"/>
           </a:p>
@@ -1632,7 +1644,7 @@
           <a:p>
             <a:fld id="{BCB002D4-23EE-4E87-B595-31C4A3955AD9}" type="datetimeFigureOut">
               <a:rPr lang="ko-KR" altLang="en-US" smtClean="0"/>
-              <a:t>2018. 9. 9.</a:t>
+              <a:t>2018. 9. 16.</a:t>
             </a:fld>
             <a:endParaRPr lang="ko-KR" altLang="en-US"/>
           </a:p>
@@ -1750,7 +1762,7 @@
           <a:p>
             <a:fld id="{BCB002D4-23EE-4E87-B595-31C4A3955AD9}" type="datetimeFigureOut">
               <a:rPr lang="ko-KR" altLang="en-US" smtClean="0"/>
-              <a:t>2018. 9. 9.</a:t>
+              <a:t>2018. 9. 16.</a:t>
             </a:fld>
             <a:endParaRPr lang="ko-KR" altLang="en-US"/>
           </a:p>
@@ -1845,7 +1857,7 @@
           <a:p>
             <a:fld id="{BCB002D4-23EE-4E87-B595-31C4A3955AD9}" type="datetimeFigureOut">
               <a:rPr lang="ko-KR" altLang="en-US" smtClean="0"/>
-              <a:t>2018. 9. 9.</a:t>
+              <a:t>2018. 9. 16.</a:t>
             </a:fld>
             <a:endParaRPr lang="ko-KR" altLang="en-US"/>
           </a:p>
@@ -2122,7 +2134,7 @@
           <a:p>
             <a:fld id="{BCB002D4-23EE-4E87-B595-31C4A3955AD9}" type="datetimeFigureOut">
               <a:rPr lang="ko-KR" altLang="en-US" smtClean="0"/>
-              <a:t>2018. 9. 9.</a:t>
+              <a:t>2018. 9. 16.</a:t>
             </a:fld>
             <a:endParaRPr lang="ko-KR" altLang="en-US"/>
           </a:p>
@@ -2375,7 +2387,7 @@
           <a:p>
             <a:fld id="{BCB002D4-23EE-4E87-B595-31C4A3955AD9}" type="datetimeFigureOut">
               <a:rPr lang="ko-KR" altLang="en-US" smtClean="0"/>
-              <a:t>2018. 9. 9.</a:t>
+              <a:t>2018. 9. 16.</a:t>
             </a:fld>
             <a:endParaRPr lang="ko-KR" altLang="en-US"/>
           </a:p>
@@ -2588,7 +2600,7 @@
           <a:p>
             <a:fld id="{BCB002D4-23EE-4E87-B595-31C4A3955AD9}" type="datetimeFigureOut">
               <a:rPr lang="ko-KR" altLang="en-US" smtClean="0"/>
-              <a:t>2018. 9. 9.</a:t>
+              <a:t>2018. 9. 16.</a:t>
             </a:fld>
             <a:endParaRPr lang="ko-KR" altLang="en-US"/>
           </a:p>
@@ -5894,6 +5906,1212 @@
 </p:sld>
 </file>
 
+<file path=ppt/slides/slide26.xml><?xml version="1.0" encoding="utf-8"?>
+<p:sld xmlns:a="http://schemas.openxmlformats.org/drawingml/2006/main" xmlns:r="http://schemas.openxmlformats.org/officeDocument/2006/relationships" xmlns:p="http://schemas.openxmlformats.org/presentationml/2006/main">
+  <p:cSld>
+    <p:spTree>
+      <p:nvGrpSpPr>
+        <p:cNvPr id="1" name=""/>
+        <p:cNvGrpSpPr/>
+        <p:nvPr/>
+      </p:nvGrpSpPr>
+      <p:grpSpPr>
+        <a:xfrm>
+          <a:off x="0" y="0"/>
+          <a:ext cx="0" cy="0"/>
+          <a:chOff x="0" y="0"/>
+          <a:chExt cx="0" cy="0"/>
+        </a:xfrm>
+      </p:grpSpPr>
+      <p:pic>
+        <p:nvPicPr>
+          <p:cNvPr id="5" name="그림 4"/>
+          <p:cNvPicPr>
+            <a:picLocks noChangeAspect="1"/>
+          </p:cNvPicPr>
+          <p:nvPr/>
+        </p:nvPicPr>
+        <p:blipFill>
+          <a:blip r:embed="rId2"/>
+          <a:stretch>
+            <a:fillRect/>
+          </a:stretch>
+        </p:blipFill>
+        <p:spPr>
+          <a:xfrm>
+            <a:off x="1075927" y="766565"/>
+            <a:ext cx="6086284" cy="5361624"/>
+          </a:xfrm>
+          <a:prstGeom prst="rect">
+            <a:avLst/>
+          </a:prstGeom>
+          <a:ln>
+            <a:solidFill>
+              <a:schemeClr val="tx1">
+                <a:lumMod val="50000"/>
+                <a:lumOff val="50000"/>
+              </a:schemeClr>
+            </a:solidFill>
+          </a:ln>
+        </p:spPr>
+      </p:pic>
+      <p:sp>
+        <p:nvSpPr>
+          <p:cNvPr id="6" name="직사각형 5"/>
+          <p:cNvSpPr/>
+          <p:nvPr/>
+        </p:nvSpPr>
+        <p:spPr>
+          <a:xfrm>
+            <a:off x="1226501" y="1040335"/>
+            <a:ext cx="5825877" cy="2299689"/>
+          </a:xfrm>
+          <a:prstGeom prst="rect">
+            <a:avLst/>
+          </a:prstGeom>
+          <a:noFill/>
+          <a:ln w="28575">
+            <a:solidFill>
+              <a:srgbClr val="C00000"/>
+            </a:solidFill>
+          </a:ln>
+        </p:spPr>
+        <p:style>
+          <a:lnRef idx="2">
+            <a:schemeClr val="accent1">
+              <a:shade val="50000"/>
+            </a:schemeClr>
+          </a:lnRef>
+          <a:fillRef idx="1">
+            <a:schemeClr val="accent1"/>
+          </a:fillRef>
+          <a:effectRef idx="0">
+            <a:schemeClr val="accent1"/>
+          </a:effectRef>
+          <a:fontRef idx="minor">
+            <a:schemeClr val="lt1"/>
+          </a:fontRef>
+        </p:style>
+        <p:txBody>
+          <a:bodyPr rtlCol="0" anchor="ctr"/>
+          <a:lstStyle/>
+          <a:p>
+            <a:pPr algn="ctr"/>
+            <a:endParaRPr lang="ko-KR" altLang="en-US"/>
+          </a:p>
+        </p:txBody>
+      </p:sp>
+      <p:sp>
+        <p:nvSpPr>
+          <p:cNvPr id="7" name="직사각형 6"/>
+          <p:cNvSpPr/>
+          <p:nvPr/>
+        </p:nvSpPr>
+        <p:spPr>
+          <a:xfrm>
+            <a:off x="1185760" y="3447377"/>
+            <a:ext cx="3296221" cy="330684"/>
+          </a:xfrm>
+          <a:prstGeom prst="rect">
+            <a:avLst/>
+          </a:prstGeom>
+          <a:noFill/>
+          <a:ln w="28575">
+            <a:solidFill>
+              <a:srgbClr val="C00000"/>
+            </a:solidFill>
+          </a:ln>
+        </p:spPr>
+        <p:style>
+          <a:lnRef idx="2">
+            <a:schemeClr val="accent1">
+              <a:shade val="50000"/>
+            </a:schemeClr>
+          </a:lnRef>
+          <a:fillRef idx="1">
+            <a:schemeClr val="accent1"/>
+          </a:fillRef>
+          <a:effectRef idx="0">
+            <a:schemeClr val="accent1"/>
+          </a:effectRef>
+          <a:fontRef idx="minor">
+            <a:schemeClr val="lt1"/>
+          </a:fontRef>
+        </p:style>
+        <p:txBody>
+          <a:bodyPr rtlCol="0" anchor="ctr"/>
+          <a:lstStyle/>
+          <a:p>
+            <a:pPr algn="ctr"/>
+            <a:endParaRPr lang="ko-KR" altLang="en-US"/>
+          </a:p>
+        </p:txBody>
+      </p:sp>
+      <p:sp>
+        <p:nvSpPr>
+          <p:cNvPr id="8" name="직사각형 7"/>
+          <p:cNvSpPr/>
+          <p:nvPr/>
+        </p:nvSpPr>
+        <p:spPr>
+          <a:xfrm>
+            <a:off x="1185760" y="4051829"/>
+            <a:ext cx="5866618" cy="250957"/>
+          </a:xfrm>
+          <a:prstGeom prst="rect">
+            <a:avLst/>
+          </a:prstGeom>
+          <a:noFill/>
+          <a:ln w="28575">
+            <a:solidFill>
+              <a:srgbClr val="C00000"/>
+            </a:solidFill>
+          </a:ln>
+        </p:spPr>
+        <p:style>
+          <a:lnRef idx="2">
+            <a:schemeClr val="accent1">
+              <a:shade val="50000"/>
+            </a:schemeClr>
+          </a:lnRef>
+          <a:fillRef idx="1">
+            <a:schemeClr val="accent1"/>
+          </a:fillRef>
+          <a:effectRef idx="0">
+            <a:schemeClr val="accent1"/>
+          </a:effectRef>
+          <a:fontRef idx="minor">
+            <a:schemeClr val="lt1"/>
+          </a:fontRef>
+        </p:style>
+        <p:txBody>
+          <a:bodyPr rtlCol="0" anchor="ctr"/>
+          <a:lstStyle/>
+          <a:p>
+            <a:pPr algn="ctr"/>
+            <a:endParaRPr lang="ko-KR" altLang="en-US"/>
+          </a:p>
+        </p:txBody>
+      </p:sp>
+      <p:sp>
+        <p:nvSpPr>
+          <p:cNvPr id="9" name="직사각형 8"/>
+          <p:cNvSpPr/>
+          <p:nvPr/>
+        </p:nvSpPr>
+        <p:spPr>
+          <a:xfrm>
+            <a:off x="3884699" y="4718388"/>
+            <a:ext cx="468739" cy="497099"/>
+          </a:xfrm>
+          <a:prstGeom prst="rect">
+            <a:avLst/>
+          </a:prstGeom>
+          <a:noFill/>
+          <a:ln w="28575">
+            <a:solidFill>
+              <a:srgbClr val="C00000"/>
+            </a:solidFill>
+          </a:ln>
+        </p:spPr>
+        <p:style>
+          <a:lnRef idx="2">
+            <a:schemeClr val="accent1">
+              <a:shade val="50000"/>
+            </a:schemeClr>
+          </a:lnRef>
+          <a:fillRef idx="1">
+            <a:schemeClr val="accent1"/>
+          </a:fillRef>
+          <a:effectRef idx="0">
+            <a:schemeClr val="accent1"/>
+          </a:effectRef>
+          <a:fontRef idx="minor">
+            <a:schemeClr val="lt1"/>
+          </a:fontRef>
+        </p:style>
+        <p:txBody>
+          <a:bodyPr rtlCol="0" anchor="ctr"/>
+          <a:lstStyle/>
+          <a:p>
+            <a:pPr algn="ctr"/>
+            <a:endParaRPr lang="ko-KR" altLang="en-US"/>
+          </a:p>
+        </p:txBody>
+      </p:sp>
+      <p:sp>
+        <p:nvSpPr>
+          <p:cNvPr id="10" name="TextBox 9"/>
+          <p:cNvSpPr txBox="1"/>
+          <p:nvPr/>
+        </p:nvSpPr>
+        <p:spPr>
+          <a:xfrm>
+            <a:off x="1366408" y="159253"/>
+            <a:ext cx="2441694" cy="338554"/>
+          </a:xfrm>
+          <a:prstGeom prst="rect">
+            <a:avLst/>
+          </a:prstGeom>
+          <a:noFill/>
+        </p:spPr>
+        <p:txBody>
+          <a:bodyPr wrap="none" rtlCol="0">
+            <a:spAutoFit/>
+          </a:bodyPr>
+          <a:lstStyle/>
+          <a:p>
+            <a:r>
+              <a:rPr lang="ko-KR" altLang="en-US" sz="1600" dirty="0">
+                <a:solidFill>
+                  <a:srgbClr val="C00000"/>
+                </a:solidFill>
+              </a:rPr>
+              <a:t>①②②③④⑤⑥⑦⑧⑨⑩</a:t>
+            </a:r>
+          </a:p>
+        </p:txBody>
+      </p:sp>
+      <p:sp>
+        <p:nvSpPr>
+          <p:cNvPr id="11" name="TextBox 10"/>
+          <p:cNvSpPr txBox="1"/>
+          <p:nvPr/>
+        </p:nvSpPr>
+        <p:spPr>
+          <a:xfrm>
+            <a:off x="2418372" y="1303158"/>
+            <a:ext cx="415498" cy="369332"/>
+          </a:xfrm>
+          <a:prstGeom prst="rect">
+            <a:avLst/>
+          </a:prstGeom>
+          <a:noFill/>
+        </p:spPr>
+        <p:txBody>
+          <a:bodyPr wrap="none" rtlCol="0">
+            <a:spAutoFit/>
+          </a:bodyPr>
+          <a:lstStyle/>
+          <a:p>
+            <a:r>
+              <a:rPr lang="ko-KR" altLang="en-US" dirty="0">
+                <a:solidFill>
+                  <a:srgbClr val="C00000"/>
+                </a:solidFill>
+              </a:rPr>
+              <a:t>①</a:t>
+            </a:r>
+            <a:endParaRPr lang="ko-KR" altLang="en-US" dirty="0"/>
+          </a:p>
+        </p:txBody>
+      </p:sp>
+      <p:sp>
+        <p:nvSpPr>
+          <p:cNvPr id="12" name="TextBox 11"/>
+          <p:cNvSpPr txBox="1"/>
+          <p:nvPr/>
+        </p:nvSpPr>
+        <p:spPr>
+          <a:xfrm>
+            <a:off x="3208613" y="3408729"/>
+            <a:ext cx="415498" cy="369332"/>
+          </a:xfrm>
+          <a:prstGeom prst="rect">
+            <a:avLst/>
+          </a:prstGeom>
+          <a:noFill/>
+        </p:spPr>
+        <p:txBody>
+          <a:bodyPr wrap="none" rtlCol="0">
+            <a:spAutoFit/>
+          </a:bodyPr>
+          <a:lstStyle/>
+          <a:p>
+            <a:r>
+              <a:rPr lang="ko-KR" altLang="en-US" dirty="0">
+                <a:solidFill>
+                  <a:srgbClr val="C00000"/>
+                </a:solidFill>
+              </a:rPr>
+              <a:t>②</a:t>
+            </a:r>
+            <a:endParaRPr lang="ko-KR" altLang="en-US" dirty="0"/>
+          </a:p>
+        </p:txBody>
+      </p:sp>
+      <p:sp>
+        <p:nvSpPr>
+          <p:cNvPr id="13" name="TextBox 12"/>
+          <p:cNvSpPr txBox="1"/>
+          <p:nvPr/>
+        </p:nvSpPr>
+        <p:spPr>
+          <a:xfrm>
+            <a:off x="5738270" y="3992641"/>
+            <a:ext cx="415498" cy="369332"/>
+          </a:xfrm>
+          <a:prstGeom prst="rect">
+            <a:avLst/>
+          </a:prstGeom>
+          <a:noFill/>
+        </p:spPr>
+        <p:txBody>
+          <a:bodyPr wrap="none" rtlCol="0">
+            <a:spAutoFit/>
+          </a:bodyPr>
+          <a:lstStyle/>
+          <a:p>
+            <a:r>
+              <a:rPr lang="ko-KR" altLang="en-US" dirty="0">
+                <a:solidFill>
+                  <a:srgbClr val="C00000"/>
+                </a:solidFill>
+              </a:rPr>
+              <a:t>③</a:t>
+            </a:r>
+            <a:endParaRPr lang="ko-KR" altLang="en-US" dirty="0"/>
+          </a:p>
+        </p:txBody>
+      </p:sp>
+      <p:sp>
+        <p:nvSpPr>
+          <p:cNvPr id="14" name="TextBox 13"/>
+          <p:cNvSpPr txBox="1"/>
+          <p:nvPr/>
+        </p:nvSpPr>
+        <p:spPr>
+          <a:xfrm>
+            <a:off x="3969339" y="5203038"/>
+            <a:ext cx="415498" cy="369332"/>
+          </a:xfrm>
+          <a:prstGeom prst="rect">
+            <a:avLst/>
+          </a:prstGeom>
+          <a:noFill/>
+        </p:spPr>
+        <p:txBody>
+          <a:bodyPr wrap="none" rtlCol="0">
+            <a:spAutoFit/>
+          </a:bodyPr>
+          <a:lstStyle/>
+          <a:p>
+            <a:r>
+              <a:rPr lang="ko-KR" altLang="en-US" dirty="0">
+                <a:solidFill>
+                  <a:srgbClr val="C00000"/>
+                </a:solidFill>
+              </a:rPr>
+              <a:t>④</a:t>
+            </a:r>
+            <a:endParaRPr lang="ko-KR" altLang="en-US" dirty="0"/>
+          </a:p>
+        </p:txBody>
+      </p:sp>
+    </p:spTree>
+    <p:extLst>
+      <p:ext uri="{BB962C8B-B14F-4D97-AF65-F5344CB8AC3E}">
+        <p14:creationId xmlns:p14="http://schemas.microsoft.com/office/powerpoint/2010/main" val="3867608554"/>
+      </p:ext>
+    </p:extLst>
+  </p:cSld>
+  <p:clrMapOvr>
+    <a:masterClrMapping/>
+  </p:clrMapOvr>
+</p:sld>
+</file>
+
+<file path=ppt/slides/slide27.xml><?xml version="1.0" encoding="utf-8"?>
+<p:sld xmlns:a="http://schemas.openxmlformats.org/drawingml/2006/main" xmlns:r="http://schemas.openxmlformats.org/officeDocument/2006/relationships" xmlns:p="http://schemas.openxmlformats.org/presentationml/2006/main">
+  <p:cSld>
+    <p:spTree>
+      <p:nvGrpSpPr>
+        <p:cNvPr id="1" name=""/>
+        <p:cNvGrpSpPr/>
+        <p:nvPr/>
+      </p:nvGrpSpPr>
+      <p:grpSpPr>
+        <a:xfrm>
+          <a:off x="0" y="0"/>
+          <a:ext cx="0" cy="0"/>
+          <a:chOff x="0" y="0"/>
+          <a:chExt cx="0" cy="0"/>
+        </a:xfrm>
+      </p:grpSpPr>
+      <p:pic>
+        <p:nvPicPr>
+          <p:cNvPr id="4" name="그림 3"/>
+          <p:cNvPicPr>
+            <a:picLocks noChangeAspect="1"/>
+          </p:cNvPicPr>
+          <p:nvPr/>
+        </p:nvPicPr>
+        <p:blipFill>
+          <a:blip r:embed="rId2"/>
+          <a:stretch>
+            <a:fillRect/>
+          </a:stretch>
+        </p:blipFill>
+        <p:spPr>
+          <a:xfrm>
+            <a:off x="525642" y="385295"/>
+            <a:ext cx="7717672" cy="1635145"/>
+          </a:xfrm>
+          <a:prstGeom prst="rect">
+            <a:avLst/>
+          </a:prstGeom>
+          <a:ln>
+            <a:solidFill>
+              <a:schemeClr val="tx1">
+                <a:lumMod val="50000"/>
+                <a:lumOff val="50000"/>
+              </a:schemeClr>
+            </a:solidFill>
+          </a:ln>
+        </p:spPr>
+      </p:pic>
+      <p:pic>
+        <p:nvPicPr>
+          <p:cNvPr id="5" name="그림 4"/>
+          <p:cNvPicPr>
+            <a:picLocks noChangeAspect="1"/>
+          </p:cNvPicPr>
+          <p:nvPr/>
+        </p:nvPicPr>
+        <p:blipFill>
+          <a:blip r:embed="rId3"/>
+          <a:stretch>
+            <a:fillRect/>
+          </a:stretch>
+        </p:blipFill>
+        <p:spPr>
+          <a:xfrm>
+            <a:off x="4091272" y="1754112"/>
+            <a:ext cx="3771473" cy="1120824"/>
+          </a:xfrm>
+          <a:prstGeom prst="rect">
+            <a:avLst/>
+          </a:prstGeom>
+          <a:ln>
+            <a:solidFill>
+              <a:schemeClr val="tx1">
+                <a:lumMod val="50000"/>
+                <a:lumOff val="50000"/>
+              </a:schemeClr>
+            </a:solidFill>
+          </a:ln>
+        </p:spPr>
+      </p:pic>
+      <p:pic>
+        <p:nvPicPr>
+          <p:cNvPr id="6" name="그림 5"/>
+          <p:cNvPicPr>
+            <a:picLocks noChangeAspect="1"/>
+          </p:cNvPicPr>
+          <p:nvPr/>
+        </p:nvPicPr>
+        <p:blipFill>
+          <a:blip r:embed="rId4"/>
+          <a:stretch>
+            <a:fillRect/>
+          </a:stretch>
+        </p:blipFill>
+        <p:spPr>
+          <a:xfrm>
+            <a:off x="525641" y="3690131"/>
+            <a:ext cx="9045444" cy="1295585"/>
+          </a:xfrm>
+          <a:prstGeom prst="rect">
+            <a:avLst/>
+          </a:prstGeom>
+          <a:ln>
+            <a:solidFill>
+              <a:schemeClr val="tx1">
+                <a:lumMod val="50000"/>
+                <a:lumOff val="50000"/>
+              </a:schemeClr>
+            </a:solidFill>
+          </a:ln>
+        </p:spPr>
+      </p:pic>
+      <p:sp>
+        <p:nvSpPr>
+          <p:cNvPr id="7" name="직사각형 6"/>
+          <p:cNvSpPr/>
+          <p:nvPr/>
+        </p:nvSpPr>
+        <p:spPr>
+          <a:xfrm>
+            <a:off x="4241062" y="3913069"/>
+            <a:ext cx="960616" cy="237321"/>
+          </a:xfrm>
+          <a:prstGeom prst="rect">
+            <a:avLst/>
+          </a:prstGeom>
+          <a:noFill/>
+          <a:ln w="28575">
+            <a:solidFill>
+              <a:srgbClr val="C00000"/>
+            </a:solidFill>
+          </a:ln>
+        </p:spPr>
+        <p:style>
+          <a:lnRef idx="2">
+            <a:schemeClr val="accent1">
+              <a:shade val="50000"/>
+            </a:schemeClr>
+          </a:lnRef>
+          <a:fillRef idx="1">
+            <a:schemeClr val="accent1"/>
+          </a:fillRef>
+          <a:effectRef idx="0">
+            <a:schemeClr val="accent1"/>
+          </a:effectRef>
+          <a:fontRef idx="minor">
+            <a:schemeClr val="lt1"/>
+          </a:fontRef>
+        </p:style>
+        <p:txBody>
+          <a:bodyPr rtlCol="0" anchor="ctr"/>
+          <a:lstStyle/>
+          <a:p>
+            <a:pPr algn="ctr"/>
+            <a:endParaRPr lang="ko-KR" altLang="en-US"/>
+          </a:p>
+        </p:txBody>
+      </p:sp>
+    </p:spTree>
+    <p:extLst>
+      <p:ext uri="{BB962C8B-B14F-4D97-AF65-F5344CB8AC3E}">
+        <p14:creationId xmlns:p14="http://schemas.microsoft.com/office/powerpoint/2010/main" val="441836871"/>
+      </p:ext>
+    </p:extLst>
+  </p:cSld>
+  <p:clrMapOvr>
+    <a:masterClrMapping/>
+  </p:clrMapOvr>
+</p:sld>
+</file>
+
+<file path=ppt/slides/slide28.xml><?xml version="1.0" encoding="utf-8"?>
+<p:sld xmlns:a="http://schemas.openxmlformats.org/drawingml/2006/main" xmlns:r="http://schemas.openxmlformats.org/officeDocument/2006/relationships" xmlns:p="http://schemas.openxmlformats.org/presentationml/2006/main">
+  <p:cSld>
+    <p:spTree>
+      <p:nvGrpSpPr>
+        <p:cNvPr id="1" name=""/>
+        <p:cNvGrpSpPr/>
+        <p:nvPr/>
+      </p:nvGrpSpPr>
+      <p:grpSpPr>
+        <a:xfrm>
+          <a:off x="0" y="0"/>
+          <a:ext cx="0" cy="0"/>
+          <a:chOff x="0" y="0"/>
+          <a:chExt cx="0" cy="0"/>
+        </a:xfrm>
+      </p:grpSpPr>
+      <p:pic>
+        <p:nvPicPr>
+          <p:cNvPr id="4" name="그림 3"/>
+          <p:cNvPicPr>
+            <a:picLocks noChangeAspect="1"/>
+          </p:cNvPicPr>
+          <p:nvPr/>
+        </p:nvPicPr>
+        <p:blipFill>
+          <a:blip r:embed="rId2"/>
+          <a:stretch>
+            <a:fillRect/>
+          </a:stretch>
+        </p:blipFill>
+        <p:spPr>
+          <a:xfrm>
+            <a:off x="470888" y="736423"/>
+            <a:ext cx="8370783" cy="1667299"/>
+          </a:xfrm>
+          <a:prstGeom prst="rect">
+            <a:avLst/>
+          </a:prstGeom>
+          <a:ln>
+            <a:solidFill>
+              <a:schemeClr val="tx1">
+                <a:lumMod val="50000"/>
+                <a:lumOff val="50000"/>
+              </a:schemeClr>
+            </a:solidFill>
+          </a:ln>
+        </p:spPr>
+      </p:pic>
+      <p:sp>
+        <p:nvSpPr>
+          <p:cNvPr id="7" name="TextBox 6"/>
+          <p:cNvSpPr txBox="1"/>
+          <p:nvPr/>
+        </p:nvSpPr>
+        <p:spPr>
+          <a:xfrm>
+            <a:off x="2198676" y="5299880"/>
+            <a:ext cx="2441694" cy="338554"/>
+          </a:xfrm>
+          <a:prstGeom prst="rect">
+            <a:avLst/>
+          </a:prstGeom>
+          <a:noFill/>
+        </p:spPr>
+        <p:txBody>
+          <a:bodyPr wrap="none" rtlCol="0">
+            <a:spAutoFit/>
+          </a:bodyPr>
+          <a:lstStyle/>
+          <a:p>
+            <a:r>
+              <a:rPr lang="ko-KR" altLang="en-US" sz="1600" dirty="0">
+                <a:solidFill>
+                  <a:srgbClr val="C00000"/>
+                </a:solidFill>
+              </a:rPr>
+              <a:t>①②②③④⑤⑥⑦⑧⑨⑩</a:t>
+            </a:r>
+          </a:p>
+        </p:txBody>
+      </p:sp>
+      <p:sp>
+        <p:nvSpPr>
+          <p:cNvPr id="8" name="직사각형 7"/>
+          <p:cNvSpPr/>
+          <p:nvPr/>
+        </p:nvSpPr>
+        <p:spPr>
+          <a:xfrm>
+            <a:off x="664673" y="1054154"/>
+            <a:ext cx="415498" cy="369332"/>
+          </a:xfrm>
+          <a:prstGeom prst="rect">
+            <a:avLst/>
+          </a:prstGeom>
+        </p:spPr>
+        <p:txBody>
+          <a:bodyPr wrap="none">
+            <a:spAutoFit/>
+          </a:bodyPr>
+          <a:lstStyle/>
+          <a:p>
+            <a:r>
+              <a:rPr lang="ko-KR" altLang="en-US" dirty="0">
+                <a:solidFill>
+                  <a:srgbClr val="C00000"/>
+                </a:solidFill>
+              </a:rPr>
+              <a:t>①</a:t>
+            </a:r>
+            <a:endParaRPr lang="ko-KR" altLang="en-US" dirty="0"/>
+          </a:p>
+        </p:txBody>
+      </p:sp>
+      <p:sp>
+        <p:nvSpPr>
+          <p:cNvPr id="9" name="직사각형 8"/>
+          <p:cNvSpPr/>
+          <p:nvPr/>
+        </p:nvSpPr>
+        <p:spPr>
+          <a:xfrm>
+            <a:off x="1924026" y="1054154"/>
+            <a:ext cx="415498" cy="369332"/>
+          </a:xfrm>
+          <a:prstGeom prst="rect">
+            <a:avLst/>
+          </a:prstGeom>
+        </p:spPr>
+        <p:txBody>
+          <a:bodyPr wrap="none">
+            <a:spAutoFit/>
+          </a:bodyPr>
+          <a:lstStyle/>
+          <a:p>
+            <a:r>
+              <a:rPr lang="ko-KR" altLang="en-US" dirty="0">
+                <a:solidFill>
+                  <a:srgbClr val="C00000"/>
+                </a:solidFill>
+              </a:rPr>
+              <a:t>②</a:t>
+            </a:r>
+            <a:endParaRPr lang="ko-KR" altLang="en-US" dirty="0"/>
+          </a:p>
+        </p:txBody>
+      </p:sp>
+      <p:sp>
+        <p:nvSpPr>
+          <p:cNvPr id="10" name="직사각형 9"/>
+          <p:cNvSpPr/>
+          <p:nvPr/>
+        </p:nvSpPr>
+        <p:spPr>
+          <a:xfrm>
+            <a:off x="3183379" y="1054154"/>
+            <a:ext cx="415498" cy="369332"/>
+          </a:xfrm>
+          <a:prstGeom prst="rect">
+            <a:avLst/>
+          </a:prstGeom>
+        </p:spPr>
+        <p:txBody>
+          <a:bodyPr wrap="none">
+            <a:spAutoFit/>
+          </a:bodyPr>
+          <a:lstStyle/>
+          <a:p>
+            <a:r>
+              <a:rPr lang="ko-KR" altLang="en-US" dirty="0">
+                <a:solidFill>
+                  <a:srgbClr val="C00000"/>
+                </a:solidFill>
+              </a:rPr>
+              <a:t>③</a:t>
+            </a:r>
+            <a:endParaRPr lang="ko-KR" altLang="en-US" dirty="0"/>
+          </a:p>
+        </p:txBody>
+      </p:sp>
+      <p:sp>
+        <p:nvSpPr>
+          <p:cNvPr id="11" name="직사각형 10"/>
+          <p:cNvSpPr/>
+          <p:nvPr/>
+        </p:nvSpPr>
+        <p:spPr>
+          <a:xfrm>
+            <a:off x="3982795" y="1054154"/>
+            <a:ext cx="415498" cy="369332"/>
+          </a:xfrm>
+          <a:prstGeom prst="rect">
+            <a:avLst/>
+          </a:prstGeom>
+        </p:spPr>
+        <p:txBody>
+          <a:bodyPr wrap="none">
+            <a:spAutoFit/>
+          </a:bodyPr>
+          <a:lstStyle/>
+          <a:p>
+            <a:r>
+              <a:rPr lang="ko-KR" altLang="en-US" dirty="0">
+                <a:solidFill>
+                  <a:srgbClr val="C00000"/>
+                </a:solidFill>
+              </a:rPr>
+              <a:t>④</a:t>
+            </a:r>
+            <a:endParaRPr lang="ko-KR" altLang="en-US" dirty="0"/>
+          </a:p>
+        </p:txBody>
+      </p:sp>
+    </p:spTree>
+    <p:extLst>
+      <p:ext uri="{BB962C8B-B14F-4D97-AF65-F5344CB8AC3E}">
+        <p14:creationId xmlns:p14="http://schemas.microsoft.com/office/powerpoint/2010/main" val="2966948685"/>
+      </p:ext>
+    </p:extLst>
+  </p:cSld>
+  <p:clrMapOvr>
+    <a:masterClrMapping/>
+  </p:clrMapOvr>
+</p:sld>
+</file>
+
+<file path=ppt/slides/slide29.xml><?xml version="1.0" encoding="utf-8"?>
+<p:sld xmlns:a="http://schemas.openxmlformats.org/drawingml/2006/main" xmlns:r="http://schemas.openxmlformats.org/officeDocument/2006/relationships" xmlns:p="http://schemas.openxmlformats.org/presentationml/2006/main">
+  <p:cSld>
+    <p:spTree>
+      <p:nvGrpSpPr>
+        <p:cNvPr id="1" name=""/>
+        <p:cNvGrpSpPr/>
+        <p:nvPr/>
+      </p:nvGrpSpPr>
+      <p:grpSpPr>
+        <a:xfrm>
+          <a:off x="0" y="0"/>
+          <a:ext cx="0" cy="0"/>
+          <a:chOff x="0" y="0"/>
+          <a:chExt cx="0" cy="0"/>
+        </a:xfrm>
+      </p:grpSpPr>
+      <p:pic>
+        <p:nvPicPr>
+          <p:cNvPr id="4" name="그림 3"/>
+          <p:cNvPicPr>
+            <a:picLocks noChangeAspect="1"/>
+          </p:cNvPicPr>
+          <p:nvPr/>
+        </p:nvPicPr>
+        <p:blipFill>
+          <a:blip r:embed="rId2"/>
+          <a:stretch>
+            <a:fillRect/>
+          </a:stretch>
+        </p:blipFill>
+        <p:spPr>
+          <a:xfrm>
+            <a:off x="420014" y="350428"/>
+            <a:ext cx="7815062" cy="5011323"/>
+          </a:xfrm>
+          <a:prstGeom prst="rect">
+            <a:avLst/>
+          </a:prstGeom>
+        </p:spPr>
+      </p:pic>
+      <p:sp>
+        <p:nvSpPr>
+          <p:cNvPr id="5" name="TextBox 4"/>
+          <p:cNvSpPr txBox="1"/>
+          <p:nvPr/>
+        </p:nvSpPr>
+        <p:spPr>
+          <a:xfrm>
+            <a:off x="1885851" y="6022640"/>
+            <a:ext cx="2441694" cy="338554"/>
+          </a:xfrm>
+          <a:prstGeom prst="rect">
+            <a:avLst/>
+          </a:prstGeom>
+          <a:noFill/>
+        </p:spPr>
+        <p:txBody>
+          <a:bodyPr wrap="none" rtlCol="0">
+            <a:spAutoFit/>
+          </a:bodyPr>
+          <a:lstStyle/>
+          <a:p>
+            <a:r>
+              <a:rPr lang="ko-KR" altLang="en-US" sz="1600" dirty="0">
+                <a:solidFill>
+                  <a:srgbClr val="C00000"/>
+                </a:solidFill>
+              </a:rPr>
+              <a:t>①②②③④⑤⑥⑦⑧⑨⑩</a:t>
+            </a:r>
+          </a:p>
+        </p:txBody>
+      </p:sp>
+      <p:sp>
+        <p:nvSpPr>
+          <p:cNvPr id="6" name="직사각형 5"/>
+          <p:cNvSpPr/>
+          <p:nvPr/>
+        </p:nvSpPr>
+        <p:spPr>
+          <a:xfrm>
+            <a:off x="1376481" y="627069"/>
+            <a:ext cx="415498" cy="369332"/>
+          </a:xfrm>
+          <a:prstGeom prst="rect">
+            <a:avLst/>
+          </a:prstGeom>
+        </p:spPr>
+        <p:txBody>
+          <a:bodyPr wrap="none">
+            <a:spAutoFit/>
+          </a:bodyPr>
+          <a:lstStyle/>
+          <a:p>
+            <a:r>
+              <a:rPr lang="ko-KR" altLang="en-US" dirty="0">
+                <a:solidFill>
+                  <a:srgbClr val="C00000"/>
+                </a:solidFill>
+              </a:rPr>
+              <a:t>①</a:t>
+            </a:r>
+            <a:endParaRPr lang="ko-KR" altLang="en-US" dirty="0"/>
+          </a:p>
+        </p:txBody>
+      </p:sp>
+      <p:sp>
+        <p:nvSpPr>
+          <p:cNvPr id="8" name="TextBox 7"/>
+          <p:cNvSpPr txBox="1"/>
+          <p:nvPr/>
+        </p:nvSpPr>
+        <p:spPr>
+          <a:xfrm>
+            <a:off x="4489868" y="689906"/>
+            <a:ext cx="415498" cy="369332"/>
+          </a:xfrm>
+          <a:prstGeom prst="rect">
+            <a:avLst/>
+          </a:prstGeom>
+          <a:noFill/>
+        </p:spPr>
+        <p:txBody>
+          <a:bodyPr wrap="none" rtlCol="0">
+            <a:spAutoFit/>
+          </a:bodyPr>
+          <a:lstStyle/>
+          <a:p>
+            <a:r>
+              <a:rPr lang="ko-KR" altLang="en-US" dirty="0">
+                <a:solidFill>
+                  <a:srgbClr val="C00000"/>
+                </a:solidFill>
+              </a:rPr>
+              <a:t>②</a:t>
+            </a:r>
+            <a:endParaRPr lang="ko-KR" altLang="en-US" dirty="0"/>
+          </a:p>
+        </p:txBody>
+      </p:sp>
+      <p:sp>
+        <p:nvSpPr>
+          <p:cNvPr id="9" name="TextBox 8"/>
+          <p:cNvSpPr txBox="1"/>
+          <p:nvPr/>
+        </p:nvSpPr>
+        <p:spPr>
+          <a:xfrm>
+            <a:off x="5694468" y="733710"/>
+            <a:ext cx="415498" cy="369332"/>
+          </a:xfrm>
+          <a:prstGeom prst="rect">
+            <a:avLst/>
+          </a:prstGeom>
+          <a:noFill/>
+        </p:spPr>
+        <p:txBody>
+          <a:bodyPr wrap="none" rtlCol="0">
+            <a:spAutoFit/>
+          </a:bodyPr>
+          <a:lstStyle/>
+          <a:p>
+            <a:r>
+              <a:rPr lang="ko-KR" altLang="en-US" dirty="0">
+                <a:solidFill>
+                  <a:srgbClr val="C00000"/>
+                </a:solidFill>
+              </a:rPr>
+              <a:t>③</a:t>
+            </a:r>
+            <a:endParaRPr lang="ko-KR" altLang="en-US" dirty="0"/>
+          </a:p>
+        </p:txBody>
+      </p:sp>
+      <p:sp>
+        <p:nvSpPr>
+          <p:cNvPr id="10" name="TextBox 9"/>
+          <p:cNvSpPr txBox="1"/>
+          <p:nvPr/>
+        </p:nvSpPr>
+        <p:spPr>
+          <a:xfrm>
+            <a:off x="6362472" y="711808"/>
+            <a:ext cx="415498" cy="369332"/>
+          </a:xfrm>
+          <a:prstGeom prst="rect">
+            <a:avLst/>
+          </a:prstGeom>
+          <a:noFill/>
+        </p:spPr>
+        <p:txBody>
+          <a:bodyPr wrap="none" rtlCol="0">
+            <a:spAutoFit/>
+          </a:bodyPr>
+          <a:lstStyle/>
+          <a:p>
+            <a:r>
+              <a:rPr lang="ko-KR" altLang="en-US" dirty="0">
+                <a:solidFill>
+                  <a:srgbClr val="C00000"/>
+                </a:solidFill>
+              </a:rPr>
+              <a:t>④</a:t>
+            </a:r>
+            <a:endParaRPr lang="ko-KR" altLang="en-US" dirty="0"/>
+          </a:p>
+        </p:txBody>
+      </p:sp>
+      <p:sp>
+        <p:nvSpPr>
+          <p:cNvPr id="11" name="TextBox 10"/>
+          <p:cNvSpPr txBox="1"/>
+          <p:nvPr/>
+        </p:nvSpPr>
+        <p:spPr>
+          <a:xfrm>
+            <a:off x="7066433" y="733710"/>
+            <a:ext cx="415498" cy="369332"/>
+          </a:xfrm>
+          <a:prstGeom prst="rect">
+            <a:avLst/>
+          </a:prstGeom>
+          <a:noFill/>
+        </p:spPr>
+        <p:txBody>
+          <a:bodyPr wrap="none" rtlCol="0">
+            <a:spAutoFit/>
+          </a:bodyPr>
+          <a:lstStyle/>
+          <a:p>
+            <a:r>
+              <a:rPr lang="ko-KR" altLang="en-US" dirty="0">
+                <a:solidFill>
+                  <a:srgbClr val="C00000"/>
+                </a:solidFill>
+              </a:rPr>
+              <a:t>⑤</a:t>
+            </a:r>
+            <a:endParaRPr lang="ko-KR" altLang="en-US" dirty="0"/>
+          </a:p>
+        </p:txBody>
+      </p:sp>
+      <p:sp>
+        <p:nvSpPr>
+          <p:cNvPr id="12" name="TextBox 11"/>
+          <p:cNvSpPr txBox="1"/>
+          <p:nvPr/>
+        </p:nvSpPr>
+        <p:spPr>
+          <a:xfrm>
+            <a:off x="7738082" y="733710"/>
+            <a:ext cx="415498" cy="369332"/>
+          </a:xfrm>
+          <a:prstGeom prst="rect">
+            <a:avLst/>
+          </a:prstGeom>
+          <a:noFill/>
+        </p:spPr>
+        <p:txBody>
+          <a:bodyPr wrap="none" rtlCol="0">
+            <a:spAutoFit/>
+          </a:bodyPr>
+          <a:lstStyle/>
+          <a:p>
+            <a:r>
+              <a:rPr lang="ko-KR" altLang="en-US" dirty="0">
+                <a:solidFill>
+                  <a:srgbClr val="C00000"/>
+                </a:solidFill>
+              </a:rPr>
+              <a:t>⑥</a:t>
+            </a:r>
+            <a:endParaRPr lang="ko-KR" altLang="en-US" dirty="0"/>
+          </a:p>
+        </p:txBody>
+      </p:sp>
+      <p:sp>
+        <p:nvSpPr>
+          <p:cNvPr id="13" name="TextBox 12"/>
+          <p:cNvSpPr txBox="1"/>
+          <p:nvPr/>
+        </p:nvSpPr>
+        <p:spPr>
+          <a:xfrm>
+            <a:off x="3296221" y="1653586"/>
+            <a:ext cx="415498" cy="369332"/>
+          </a:xfrm>
+          <a:prstGeom prst="rect">
+            <a:avLst/>
+          </a:prstGeom>
+          <a:noFill/>
+        </p:spPr>
+        <p:txBody>
+          <a:bodyPr wrap="none" rtlCol="0">
+            <a:spAutoFit/>
+          </a:bodyPr>
+          <a:lstStyle/>
+          <a:p>
+            <a:r>
+              <a:rPr lang="ko-KR" altLang="en-US" dirty="0">
+                <a:solidFill>
+                  <a:srgbClr val="C00000"/>
+                </a:solidFill>
+              </a:rPr>
+              <a:t>⑦</a:t>
+            </a:r>
+            <a:endParaRPr lang="ko-KR" altLang="en-US" dirty="0"/>
+          </a:p>
+        </p:txBody>
+      </p:sp>
+      <p:sp>
+        <p:nvSpPr>
+          <p:cNvPr id="14" name="TextBox 13"/>
+          <p:cNvSpPr txBox="1"/>
+          <p:nvPr/>
+        </p:nvSpPr>
+        <p:spPr>
+          <a:xfrm>
+            <a:off x="3296221" y="3326076"/>
+            <a:ext cx="415498" cy="369332"/>
+          </a:xfrm>
+          <a:prstGeom prst="rect">
+            <a:avLst/>
+          </a:prstGeom>
+          <a:noFill/>
+        </p:spPr>
+        <p:txBody>
+          <a:bodyPr wrap="none" rtlCol="0">
+            <a:spAutoFit/>
+          </a:bodyPr>
+          <a:lstStyle/>
+          <a:p>
+            <a:r>
+              <a:rPr lang="ko-KR" altLang="en-US" dirty="0">
+                <a:solidFill>
+                  <a:srgbClr val="C00000"/>
+                </a:solidFill>
+              </a:rPr>
+              <a:t>⑧</a:t>
+            </a:r>
+            <a:endParaRPr lang="ko-KR" altLang="en-US" dirty="0"/>
+          </a:p>
+        </p:txBody>
+      </p:sp>
+      <p:sp>
+        <p:nvSpPr>
+          <p:cNvPr id="15" name="TextBox 14"/>
+          <p:cNvSpPr txBox="1"/>
+          <p:nvPr/>
+        </p:nvSpPr>
+        <p:spPr>
+          <a:xfrm>
+            <a:off x="3296221" y="4730788"/>
+            <a:ext cx="415498" cy="369332"/>
+          </a:xfrm>
+          <a:prstGeom prst="rect">
+            <a:avLst/>
+          </a:prstGeom>
+          <a:noFill/>
+        </p:spPr>
+        <p:txBody>
+          <a:bodyPr wrap="none" rtlCol="0">
+            <a:spAutoFit/>
+          </a:bodyPr>
+          <a:lstStyle/>
+          <a:p>
+            <a:r>
+              <a:rPr lang="ko-KR" altLang="en-US" dirty="0">
+                <a:solidFill>
+                  <a:srgbClr val="C00000"/>
+                </a:solidFill>
+              </a:rPr>
+              <a:t>⑨</a:t>
+            </a:r>
+            <a:endParaRPr lang="ko-KR" altLang="en-US" dirty="0"/>
+          </a:p>
+        </p:txBody>
+      </p:sp>
+    </p:spTree>
+    <p:extLst>
+      <p:ext uri="{BB962C8B-B14F-4D97-AF65-F5344CB8AC3E}">
+        <p14:creationId xmlns:p14="http://schemas.microsoft.com/office/powerpoint/2010/main" val="2981677065"/>
+      </p:ext>
+    </p:extLst>
+  </p:cSld>
+  <p:clrMapOvr>
+    <a:masterClrMapping/>
+  </p:clrMapOvr>
+</p:sld>
+</file>
+
 <file path=ppt/slides/slide3.xml><?xml version="1.0" encoding="utf-8"?>
 <p:sld xmlns:a="http://schemas.openxmlformats.org/drawingml/2006/main" xmlns:r="http://schemas.openxmlformats.org/officeDocument/2006/relationships" xmlns:p="http://schemas.openxmlformats.org/presentationml/2006/main">
   <p:cSld>
@@ -6149,6 +7367,1461 @@
     <p:extLst>
       <p:ext uri="{BB962C8B-B14F-4D97-AF65-F5344CB8AC3E}">
         <p14:creationId xmlns:p14="http://schemas.microsoft.com/office/powerpoint/2010/main" val="871112326"/>
+      </p:ext>
+    </p:extLst>
+  </p:cSld>
+  <p:clrMapOvr>
+    <a:masterClrMapping/>
+  </p:clrMapOvr>
+</p:sld>
+</file>
+
+<file path=ppt/slides/slide30.xml><?xml version="1.0" encoding="utf-8"?>
+<p:sld xmlns:a="http://schemas.openxmlformats.org/drawingml/2006/main" xmlns:r="http://schemas.openxmlformats.org/officeDocument/2006/relationships" xmlns:p="http://schemas.openxmlformats.org/presentationml/2006/main">
+  <p:cSld>
+    <p:spTree>
+      <p:nvGrpSpPr>
+        <p:cNvPr id="1" name=""/>
+        <p:cNvGrpSpPr/>
+        <p:nvPr/>
+      </p:nvGrpSpPr>
+      <p:grpSpPr>
+        <a:xfrm>
+          <a:off x="0" y="0"/>
+          <a:ext cx="0" cy="0"/>
+          <a:chOff x="0" y="0"/>
+          <a:chExt cx="0" cy="0"/>
+        </a:xfrm>
+      </p:grpSpPr>
+      <p:pic>
+        <p:nvPicPr>
+          <p:cNvPr id="4" name="그림 3"/>
+          <p:cNvPicPr>
+            <a:picLocks noChangeAspect="1"/>
+          </p:cNvPicPr>
+          <p:nvPr/>
+        </p:nvPicPr>
+        <p:blipFill>
+          <a:blip r:embed="rId2"/>
+          <a:stretch>
+            <a:fillRect/>
+          </a:stretch>
+        </p:blipFill>
+        <p:spPr>
+          <a:xfrm>
+            <a:off x="1226501" y="1040335"/>
+            <a:ext cx="7618763" cy="4807444"/>
+          </a:xfrm>
+          <a:prstGeom prst="rect">
+            <a:avLst/>
+          </a:prstGeom>
+          <a:ln>
+            <a:solidFill>
+              <a:schemeClr val="tx1">
+                <a:lumMod val="50000"/>
+                <a:lumOff val="50000"/>
+              </a:schemeClr>
+            </a:solidFill>
+          </a:ln>
+        </p:spPr>
+      </p:pic>
+      <p:sp>
+        <p:nvSpPr>
+          <p:cNvPr id="5" name="직사각형 4"/>
+          <p:cNvSpPr/>
+          <p:nvPr/>
+        </p:nvSpPr>
+        <p:spPr>
+          <a:xfrm>
+            <a:off x="3679502" y="1456471"/>
+            <a:ext cx="2244933" cy="284722"/>
+          </a:xfrm>
+          <a:prstGeom prst="rect">
+            <a:avLst/>
+          </a:prstGeom>
+          <a:noFill/>
+          <a:ln w="28575">
+            <a:solidFill>
+              <a:srgbClr val="C00000"/>
+            </a:solidFill>
+          </a:ln>
+        </p:spPr>
+        <p:style>
+          <a:lnRef idx="2">
+            <a:schemeClr val="accent1">
+              <a:shade val="50000"/>
+            </a:schemeClr>
+          </a:lnRef>
+          <a:fillRef idx="1">
+            <a:schemeClr val="accent1"/>
+          </a:fillRef>
+          <a:effectRef idx="0">
+            <a:schemeClr val="accent1"/>
+          </a:effectRef>
+          <a:fontRef idx="minor">
+            <a:schemeClr val="lt1"/>
+          </a:fontRef>
+        </p:style>
+        <p:txBody>
+          <a:bodyPr rtlCol="0" anchor="ctr"/>
+          <a:lstStyle/>
+          <a:p>
+            <a:pPr algn="ctr"/>
+            <a:endParaRPr lang="ko-KR" altLang="en-US"/>
+          </a:p>
+        </p:txBody>
+      </p:sp>
+      <p:sp>
+        <p:nvSpPr>
+          <p:cNvPr id="6" name="직사각형 5"/>
+          <p:cNvSpPr/>
+          <p:nvPr/>
+        </p:nvSpPr>
+        <p:spPr>
+          <a:xfrm>
+            <a:off x="1226501" y="2003104"/>
+            <a:ext cx="2244933" cy="284722"/>
+          </a:xfrm>
+          <a:prstGeom prst="rect">
+            <a:avLst/>
+          </a:prstGeom>
+          <a:noFill/>
+          <a:ln w="28575">
+            <a:solidFill>
+              <a:srgbClr val="C00000"/>
+            </a:solidFill>
+          </a:ln>
+        </p:spPr>
+        <p:style>
+          <a:lnRef idx="2">
+            <a:schemeClr val="accent1">
+              <a:shade val="50000"/>
+            </a:schemeClr>
+          </a:lnRef>
+          <a:fillRef idx="1">
+            <a:schemeClr val="accent1"/>
+          </a:fillRef>
+          <a:effectRef idx="0">
+            <a:schemeClr val="accent1"/>
+          </a:effectRef>
+          <a:fontRef idx="minor">
+            <a:schemeClr val="lt1"/>
+          </a:fontRef>
+        </p:style>
+        <p:txBody>
+          <a:bodyPr rtlCol="0" anchor="ctr"/>
+          <a:lstStyle/>
+          <a:p>
+            <a:pPr algn="ctr"/>
+            <a:endParaRPr lang="ko-KR" altLang="en-US"/>
+          </a:p>
+        </p:txBody>
+      </p:sp>
+      <p:sp>
+        <p:nvSpPr>
+          <p:cNvPr id="7" name="직사각형 6"/>
+          <p:cNvSpPr/>
+          <p:nvPr/>
+        </p:nvSpPr>
+        <p:spPr>
+          <a:xfrm>
+            <a:off x="4818395" y="2578021"/>
+            <a:ext cx="1258440" cy="284722"/>
+          </a:xfrm>
+          <a:prstGeom prst="rect">
+            <a:avLst/>
+          </a:prstGeom>
+          <a:noFill/>
+          <a:ln w="28575">
+            <a:solidFill>
+              <a:srgbClr val="C00000"/>
+            </a:solidFill>
+          </a:ln>
+        </p:spPr>
+        <p:style>
+          <a:lnRef idx="2">
+            <a:schemeClr val="accent1">
+              <a:shade val="50000"/>
+            </a:schemeClr>
+          </a:lnRef>
+          <a:fillRef idx="1">
+            <a:schemeClr val="accent1"/>
+          </a:fillRef>
+          <a:effectRef idx="0">
+            <a:schemeClr val="accent1"/>
+          </a:effectRef>
+          <a:fontRef idx="minor">
+            <a:schemeClr val="lt1"/>
+          </a:fontRef>
+        </p:style>
+        <p:txBody>
+          <a:bodyPr rtlCol="0" anchor="ctr"/>
+          <a:lstStyle/>
+          <a:p>
+            <a:pPr algn="ctr"/>
+            <a:endParaRPr lang="ko-KR" altLang="en-US"/>
+          </a:p>
+        </p:txBody>
+      </p:sp>
+      <p:sp>
+        <p:nvSpPr>
+          <p:cNvPr id="8" name="직사각형 7"/>
+          <p:cNvSpPr/>
+          <p:nvPr/>
+        </p:nvSpPr>
+        <p:spPr>
+          <a:xfrm>
+            <a:off x="7210240" y="2577113"/>
+            <a:ext cx="1258440" cy="284722"/>
+          </a:xfrm>
+          <a:prstGeom prst="rect">
+            <a:avLst/>
+          </a:prstGeom>
+          <a:noFill/>
+          <a:ln w="28575">
+            <a:solidFill>
+              <a:srgbClr val="C00000"/>
+            </a:solidFill>
+          </a:ln>
+        </p:spPr>
+        <p:style>
+          <a:lnRef idx="2">
+            <a:schemeClr val="accent1">
+              <a:shade val="50000"/>
+            </a:schemeClr>
+          </a:lnRef>
+          <a:fillRef idx="1">
+            <a:schemeClr val="accent1"/>
+          </a:fillRef>
+          <a:effectRef idx="0">
+            <a:schemeClr val="accent1"/>
+          </a:effectRef>
+          <a:fontRef idx="minor">
+            <a:schemeClr val="lt1"/>
+          </a:fontRef>
+        </p:style>
+        <p:txBody>
+          <a:bodyPr rtlCol="0" anchor="ctr"/>
+          <a:lstStyle/>
+          <a:p>
+            <a:pPr algn="ctr"/>
+            <a:endParaRPr lang="ko-KR" altLang="en-US"/>
+          </a:p>
+        </p:txBody>
+      </p:sp>
+    </p:spTree>
+    <p:extLst>
+      <p:ext uri="{BB962C8B-B14F-4D97-AF65-F5344CB8AC3E}">
+        <p14:creationId xmlns:p14="http://schemas.microsoft.com/office/powerpoint/2010/main" val="449283550"/>
+      </p:ext>
+    </p:extLst>
+  </p:cSld>
+  <p:clrMapOvr>
+    <a:masterClrMapping/>
+  </p:clrMapOvr>
+</p:sld>
+</file>
+
+<file path=ppt/slides/slide31.xml><?xml version="1.0" encoding="utf-8"?>
+<p:sld xmlns:a="http://schemas.openxmlformats.org/drawingml/2006/main" xmlns:r="http://schemas.openxmlformats.org/officeDocument/2006/relationships" xmlns:p="http://schemas.openxmlformats.org/presentationml/2006/main">
+  <p:cSld>
+    <p:spTree>
+      <p:nvGrpSpPr>
+        <p:cNvPr id="1" name=""/>
+        <p:cNvGrpSpPr/>
+        <p:nvPr/>
+      </p:nvGrpSpPr>
+      <p:grpSpPr>
+        <a:xfrm>
+          <a:off x="0" y="0"/>
+          <a:ext cx="0" cy="0"/>
+          <a:chOff x="0" y="0"/>
+          <a:chExt cx="0" cy="0"/>
+        </a:xfrm>
+      </p:grpSpPr>
+      <p:pic>
+        <p:nvPicPr>
+          <p:cNvPr id="4" name="그림 3"/>
+          <p:cNvPicPr>
+            <a:picLocks noChangeAspect="1"/>
+          </p:cNvPicPr>
+          <p:nvPr/>
+        </p:nvPicPr>
+        <p:blipFill>
+          <a:blip r:embed="rId2"/>
+          <a:stretch>
+            <a:fillRect/>
+          </a:stretch>
+        </p:blipFill>
+        <p:spPr>
+          <a:xfrm>
+            <a:off x="8472284" y="120459"/>
+            <a:ext cx="3770820" cy="3808765"/>
+          </a:xfrm>
+          <a:prstGeom prst="rect">
+            <a:avLst/>
+          </a:prstGeom>
+          <a:ln>
+            <a:solidFill>
+              <a:schemeClr val="tx1">
+                <a:lumMod val="50000"/>
+                <a:lumOff val="50000"/>
+              </a:schemeClr>
+            </a:solidFill>
+          </a:ln>
+        </p:spPr>
+      </p:pic>
+      <p:pic>
+        <p:nvPicPr>
+          <p:cNvPr id="5" name="그림 4"/>
+          <p:cNvPicPr>
+            <a:picLocks noChangeAspect="1"/>
+          </p:cNvPicPr>
+          <p:nvPr/>
+        </p:nvPicPr>
+        <p:blipFill>
+          <a:blip r:embed="rId3"/>
+          <a:stretch>
+            <a:fillRect/>
+          </a:stretch>
+        </p:blipFill>
+        <p:spPr>
+          <a:xfrm>
+            <a:off x="186165" y="1099135"/>
+            <a:ext cx="7780614" cy="3043604"/>
+          </a:xfrm>
+          <a:prstGeom prst="rect">
+            <a:avLst/>
+          </a:prstGeom>
+          <a:ln>
+            <a:solidFill>
+              <a:schemeClr val="tx1">
+                <a:lumMod val="50000"/>
+                <a:lumOff val="50000"/>
+              </a:schemeClr>
+            </a:solidFill>
+          </a:ln>
+        </p:spPr>
+      </p:pic>
+    </p:spTree>
+    <p:extLst>
+      <p:ext uri="{BB962C8B-B14F-4D97-AF65-F5344CB8AC3E}">
+        <p14:creationId xmlns:p14="http://schemas.microsoft.com/office/powerpoint/2010/main" val="1820472773"/>
+      </p:ext>
+    </p:extLst>
+  </p:cSld>
+  <p:clrMapOvr>
+    <a:masterClrMapping/>
+  </p:clrMapOvr>
+</p:sld>
+</file>
+
+<file path=ppt/slides/slide32.xml><?xml version="1.0" encoding="utf-8"?>
+<p:sld xmlns:a="http://schemas.openxmlformats.org/drawingml/2006/main" xmlns:r="http://schemas.openxmlformats.org/officeDocument/2006/relationships" xmlns:p="http://schemas.openxmlformats.org/presentationml/2006/main">
+  <p:cSld>
+    <p:spTree>
+      <p:nvGrpSpPr>
+        <p:cNvPr id="1" name=""/>
+        <p:cNvGrpSpPr/>
+        <p:nvPr/>
+      </p:nvGrpSpPr>
+      <p:grpSpPr>
+        <a:xfrm>
+          <a:off x="0" y="0"/>
+          <a:ext cx="0" cy="0"/>
+          <a:chOff x="0" y="0"/>
+          <a:chExt cx="0" cy="0"/>
+        </a:xfrm>
+      </p:grpSpPr>
+      <p:pic>
+        <p:nvPicPr>
+          <p:cNvPr id="4" name="그림 3"/>
+          <p:cNvPicPr>
+            <a:picLocks noChangeAspect="1"/>
+          </p:cNvPicPr>
+          <p:nvPr/>
+        </p:nvPicPr>
+        <p:blipFill>
+          <a:blip r:embed="rId2"/>
+          <a:stretch>
+            <a:fillRect/>
+          </a:stretch>
+        </p:blipFill>
+        <p:spPr>
+          <a:xfrm>
+            <a:off x="164263" y="621777"/>
+            <a:ext cx="9357667" cy="1535550"/>
+          </a:xfrm>
+          <a:prstGeom prst="rect">
+            <a:avLst/>
+          </a:prstGeom>
+          <a:ln>
+            <a:solidFill>
+              <a:schemeClr val="tx1">
+                <a:lumMod val="50000"/>
+                <a:lumOff val="50000"/>
+              </a:schemeClr>
+            </a:solidFill>
+          </a:ln>
+        </p:spPr>
+      </p:pic>
+      <p:sp>
+        <p:nvSpPr>
+          <p:cNvPr id="5" name="직사각형 4"/>
+          <p:cNvSpPr/>
+          <p:nvPr/>
+        </p:nvSpPr>
+        <p:spPr>
+          <a:xfrm>
+            <a:off x="7943951" y="945429"/>
+            <a:ext cx="838669" cy="284722"/>
+          </a:xfrm>
+          <a:prstGeom prst="rect">
+            <a:avLst/>
+          </a:prstGeom>
+          <a:noFill/>
+          <a:ln w="28575">
+            <a:solidFill>
+              <a:srgbClr val="C00000"/>
+            </a:solidFill>
+          </a:ln>
+        </p:spPr>
+        <p:style>
+          <a:lnRef idx="2">
+            <a:schemeClr val="accent1">
+              <a:shade val="50000"/>
+            </a:schemeClr>
+          </a:lnRef>
+          <a:fillRef idx="1">
+            <a:schemeClr val="accent1"/>
+          </a:fillRef>
+          <a:effectRef idx="0">
+            <a:schemeClr val="accent1"/>
+          </a:effectRef>
+          <a:fontRef idx="minor">
+            <a:schemeClr val="lt1"/>
+          </a:fontRef>
+        </p:style>
+        <p:txBody>
+          <a:bodyPr rtlCol="0" anchor="ctr"/>
+          <a:lstStyle/>
+          <a:p>
+            <a:pPr algn="ctr"/>
+            <a:endParaRPr lang="ko-KR" altLang="en-US"/>
+          </a:p>
+        </p:txBody>
+      </p:sp>
+      <p:sp>
+        <p:nvSpPr>
+          <p:cNvPr id="6" name="직사각형 5"/>
+          <p:cNvSpPr/>
+          <p:nvPr/>
+        </p:nvSpPr>
+        <p:spPr>
+          <a:xfrm>
+            <a:off x="387830" y="1788648"/>
+            <a:ext cx="258273" cy="284722"/>
+          </a:xfrm>
+          <a:prstGeom prst="rect">
+            <a:avLst/>
+          </a:prstGeom>
+          <a:noFill/>
+          <a:ln w="28575">
+            <a:solidFill>
+              <a:srgbClr val="C00000"/>
+            </a:solidFill>
+          </a:ln>
+        </p:spPr>
+        <p:style>
+          <a:lnRef idx="2">
+            <a:schemeClr val="accent1">
+              <a:shade val="50000"/>
+            </a:schemeClr>
+          </a:lnRef>
+          <a:fillRef idx="1">
+            <a:schemeClr val="accent1"/>
+          </a:fillRef>
+          <a:effectRef idx="0">
+            <a:schemeClr val="accent1"/>
+          </a:effectRef>
+          <a:fontRef idx="minor">
+            <a:schemeClr val="lt1"/>
+          </a:fontRef>
+        </p:style>
+        <p:txBody>
+          <a:bodyPr rtlCol="0" anchor="ctr"/>
+          <a:lstStyle/>
+          <a:p>
+            <a:pPr algn="ctr"/>
+            <a:endParaRPr lang="ko-KR" altLang="en-US"/>
+          </a:p>
+        </p:txBody>
+      </p:sp>
+    </p:spTree>
+    <p:extLst>
+      <p:ext uri="{BB962C8B-B14F-4D97-AF65-F5344CB8AC3E}">
+        <p14:creationId xmlns:p14="http://schemas.microsoft.com/office/powerpoint/2010/main" val="2321833430"/>
+      </p:ext>
+    </p:extLst>
+  </p:cSld>
+  <p:clrMapOvr>
+    <a:masterClrMapping/>
+  </p:clrMapOvr>
+</p:sld>
+</file>
+
+<file path=ppt/slides/slide33.xml><?xml version="1.0" encoding="utf-8"?>
+<p:sld xmlns:a="http://schemas.openxmlformats.org/drawingml/2006/main" xmlns:r="http://schemas.openxmlformats.org/officeDocument/2006/relationships" xmlns:p="http://schemas.openxmlformats.org/presentationml/2006/main">
+  <p:cSld>
+    <p:spTree>
+      <p:nvGrpSpPr>
+        <p:cNvPr id="1" name=""/>
+        <p:cNvGrpSpPr/>
+        <p:nvPr/>
+      </p:nvGrpSpPr>
+      <p:grpSpPr>
+        <a:xfrm>
+          <a:off x="0" y="0"/>
+          <a:ext cx="0" cy="0"/>
+          <a:chOff x="0" y="0"/>
+          <a:chExt cx="0" cy="0"/>
+        </a:xfrm>
+      </p:grpSpPr>
+      <p:pic>
+        <p:nvPicPr>
+          <p:cNvPr id="4" name="그림 3"/>
+          <p:cNvPicPr>
+            <a:picLocks noChangeAspect="1"/>
+          </p:cNvPicPr>
+          <p:nvPr/>
+        </p:nvPicPr>
+        <p:blipFill rotWithShape="1">
+          <a:blip r:embed="rId2"/>
+          <a:srcRect l="-1028" t="-561" r="896" b="-373"/>
+          <a:stretch/>
+        </p:blipFill>
+        <p:spPr>
+          <a:xfrm>
+            <a:off x="647264" y="306625"/>
+            <a:ext cx="9604362" cy="5913485"/>
+          </a:xfrm>
+          <a:prstGeom prst="rect">
+            <a:avLst/>
+          </a:prstGeom>
+          <a:ln>
+            <a:solidFill>
+              <a:schemeClr val="tx1">
+                <a:lumMod val="50000"/>
+                <a:lumOff val="50000"/>
+              </a:schemeClr>
+            </a:solidFill>
+          </a:ln>
+        </p:spPr>
+      </p:pic>
+      <p:sp>
+        <p:nvSpPr>
+          <p:cNvPr id="5" name="직사각형 4"/>
+          <p:cNvSpPr/>
+          <p:nvPr/>
+        </p:nvSpPr>
+        <p:spPr>
+          <a:xfrm>
+            <a:off x="7505915" y="978282"/>
+            <a:ext cx="838669" cy="284722"/>
+          </a:xfrm>
+          <a:prstGeom prst="rect">
+            <a:avLst/>
+          </a:prstGeom>
+          <a:noFill/>
+          <a:ln w="28575">
+            <a:solidFill>
+              <a:srgbClr val="C00000"/>
+            </a:solidFill>
+          </a:ln>
+        </p:spPr>
+        <p:style>
+          <a:lnRef idx="2">
+            <a:schemeClr val="accent1">
+              <a:shade val="50000"/>
+            </a:schemeClr>
+          </a:lnRef>
+          <a:fillRef idx="1">
+            <a:schemeClr val="accent1"/>
+          </a:fillRef>
+          <a:effectRef idx="0">
+            <a:schemeClr val="accent1"/>
+          </a:effectRef>
+          <a:fontRef idx="minor">
+            <a:schemeClr val="lt1"/>
+          </a:fontRef>
+        </p:style>
+        <p:txBody>
+          <a:bodyPr rtlCol="0" anchor="ctr"/>
+          <a:lstStyle/>
+          <a:p>
+            <a:pPr algn="ctr"/>
+            <a:endParaRPr lang="ko-KR" altLang="en-US"/>
+          </a:p>
+        </p:txBody>
+      </p:sp>
+    </p:spTree>
+    <p:extLst>
+      <p:ext uri="{BB962C8B-B14F-4D97-AF65-F5344CB8AC3E}">
+        <p14:creationId xmlns:p14="http://schemas.microsoft.com/office/powerpoint/2010/main" val="2081364552"/>
+      </p:ext>
+    </p:extLst>
+  </p:cSld>
+  <p:clrMapOvr>
+    <a:masterClrMapping/>
+  </p:clrMapOvr>
+</p:sld>
+</file>
+
+<file path=ppt/slides/slide34.xml><?xml version="1.0" encoding="utf-8"?>
+<p:sld xmlns:a="http://schemas.openxmlformats.org/drawingml/2006/main" xmlns:r="http://schemas.openxmlformats.org/officeDocument/2006/relationships" xmlns:p="http://schemas.openxmlformats.org/presentationml/2006/main">
+  <p:cSld>
+    <p:spTree>
+      <p:nvGrpSpPr>
+        <p:cNvPr id="1" name=""/>
+        <p:cNvGrpSpPr/>
+        <p:nvPr/>
+      </p:nvGrpSpPr>
+      <p:grpSpPr>
+        <a:xfrm>
+          <a:off x="0" y="0"/>
+          <a:ext cx="0" cy="0"/>
+          <a:chOff x="0" y="0"/>
+          <a:chExt cx="0" cy="0"/>
+        </a:xfrm>
+      </p:grpSpPr>
+      <p:pic>
+        <p:nvPicPr>
+          <p:cNvPr id="4" name="그림 3"/>
+          <p:cNvPicPr>
+            <a:picLocks noChangeAspect="1"/>
+          </p:cNvPicPr>
+          <p:nvPr/>
+        </p:nvPicPr>
+        <p:blipFill>
+          <a:blip r:embed="rId2"/>
+          <a:stretch>
+            <a:fillRect/>
+          </a:stretch>
+        </p:blipFill>
+        <p:spPr>
+          <a:xfrm>
+            <a:off x="908925" y="242193"/>
+            <a:ext cx="9071078" cy="2900716"/>
+          </a:xfrm>
+          <a:prstGeom prst="rect">
+            <a:avLst/>
+          </a:prstGeom>
+          <a:ln>
+            <a:solidFill>
+              <a:schemeClr val="tx1">
+                <a:lumMod val="50000"/>
+                <a:lumOff val="50000"/>
+              </a:schemeClr>
+            </a:solidFill>
+          </a:ln>
+        </p:spPr>
+      </p:pic>
+      <p:pic>
+        <p:nvPicPr>
+          <p:cNvPr id="5" name="그림 4"/>
+          <p:cNvPicPr>
+            <a:picLocks noChangeAspect="1"/>
+          </p:cNvPicPr>
+          <p:nvPr/>
+        </p:nvPicPr>
+        <p:blipFill>
+          <a:blip r:embed="rId3"/>
+          <a:stretch>
+            <a:fillRect/>
+          </a:stretch>
+        </p:blipFill>
+        <p:spPr>
+          <a:xfrm>
+            <a:off x="908925" y="3341230"/>
+            <a:ext cx="9071078" cy="3415474"/>
+          </a:xfrm>
+          <a:prstGeom prst="rect">
+            <a:avLst/>
+          </a:prstGeom>
+          <a:ln>
+            <a:solidFill>
+              <a:schemeClr val="tx1">
+                <a:lumMod val="50000"/>
+                <a:lumOff val="50000"/>
+              </a:schemeClr>
+            </a:solidFill>
+          </a:ln>
+        </p:spPr>
+      </p:pic>
+      <p:sp>
+        <p:nvSpPr>
+          <p:cNvPr id="6" name="직사각형 5"/>
+          <p:cNvSpPr/>
+          <p:nvPr/>
+        </p:nvSpPr>
+        <p:spPr>
+          <a:xfrm>
+            <a:off x="1092423" y="4890176"/>
+            <a:ext cx="8887580" cy="1850099"/>
+          </a:xfrm>
+          <a:prstGeom prst="rect">
+            <a:avLst/>
+          </a:prstGeom>
+          <a:noFill/>
+          <a:ln w="28575">
+            <a:solidFill>
+              <a:srgbClr val="C00000"/>
+            </a:solidFill>
+          </a:ln>
+        </p:spPr>
+        <p:style>
+          <a:lnRef idx="2">
+            <a:schemeClr val="accent1">
+              <a:shade val="50000"/>
+            </a:schemeClr>
+          </a:lnRef>
+          <a:fillRef idx="1">
+            <a:schemeClr val="accent1"/>
+          </a:fillRef>
+          <a:effectRef idx="0">
+            <a:schemeClr val="accent1"/>
+          </a:effectRef>
+          <a:fontRef idx="minor">
+            <a:schemeClr val="lt1"/>
+          </a:fontRef>
+        </p:style>
+        <p:txBody>
+          <a:bodyPr rtlCol="0" anchor="ctr"/>
+          <a:lstStyle/>
+          <a:p>
+            <a:pPr algn="ctr"/>
+            <a:endParaRPr lang="ko-KR" altLang="en-US"/>
+          </a:p>
+        </p:txBody>
+      </p:sp>
+      <p:sp>
+        <p:nvSpPr>
+          <p:cNvPr id="7" name="직사각형 6"/>
+          <p:cNvSpPr/>
+          <p:nvPr/>
+        </p:nvSpPr>
+        <p:spPr>
+          <a:xfrm>
+            <a:off x="1587880" y="5435298"/>
+            <a:ext cx="6373423" cy="215365"/>
+          </a:xfrm>
+          <a:prstGeom prst="rect">
+            <a:avLst/>
+          </a:prstGeom>
+          <a:noFill/>
+          <a:ln w="28575">
+            <a:solidFill>
+              <a:srgbClr val="00B0F0"/>
+            </a:solidFill>
+          </a:ln>
+        </p:spPr>
+        <p:style>
+          <a:lnRef idx="2">
+            <a:schemeClr val="accent1">
+              <a:shade val="50000"/>
+            </a:schemeClr>
+          </a:lnRef>
+          <a:fillRef idx="1">
+            <a:schemeClr val="accent1"/>
+          </a:fillRef>
+          <a:effectRef idx="0">
+            <a:schemeClr val="accent1"/>
+          </a:effectRef>
+          <a:fontRef idx="minor">
+            <a:schemeClr val="lt1"/>
+          </a:fontRef>
+        </p:style>
+        <p:txBody>
+          <a:bodyPr rtlCol="0" anchor="ctr"/>
+          <a:lstStyle/>
+          <a:p>
+            <a:pPr algn="ctr"/>
+            <a:endParaRPr lang="ko-KR" altLang="en-US">
+              <a:solidFill>
+                <a:schemeClr val="accent5"/>
+              </a:solidFill>
+            </a:endParaRPr>
+          </a:p>
+        </p:txBody>
+      </p:sp>
+    </p:spTree>
+    <p:extLst>
+      <p:ext uri="{BB962C8B-B14F-4D97-AF65-F5344CB8AC3E}">
+        <p14:creationId xmlns:p14="http://schemas.microsoft.com/office/powerpoint/2010/main" val="1050369722"/>
+      </p:ext>
+    </p:extLst>
+  </p:cSld>
+  <p:clrMapOvr>
+    <a:masterClrMapping/>
+  </p:clrMapOvr>
+</p:sld>
+</file>
+
+<file path=ppt/slides/slide35.xml><?xml version="1.0" encoding="utf-8"?>
+<p:sld xmlns:a="http://schemas.openxmlformats.org/drawingml/2006/main" xmlns:r="http://schemas.openxmlformats.org/officeDocument/2006/relationships" xmlns:p="http://schemas.openxmlformats.org/presentationml/2006/main">
+  <p:cSld>
+    <p:spTree>
+      <p:nvGrpSpPr>
+        <p:cNvPr id="1" name=""/>
+        <p:cNvGrpSpPr/>
+        <p:nvPr/>
+      </p:nvGrpSpPr>
+      <p:grpSpPr>
+        <a:xfrm>
+          <a:off x="0" y="0"/>
+          <a:ext cx="0" cy="0"/>
+          <a:chOff x="0" y="0"/>
+          <a:chExt cx="0" cy="0"/>
+        </a:xfrm>
+      </p:grpSpPr>
+      <p:pic>
+        <p:nvPicPr>
+          <p:cNvPr id="4" name="그림 3"/>
+          <p:cNvPicPr>
+            <a:picLocks noChangeAspect="1"/>
+          </p:cNvPicPr>
+          <p:nvPr/>
+        </p:nvPicPr>
+        <p:blipFill>
+          <a:blip r:embed="rId2"/>
+          <a:stretch>
+            <a:fillRect/>
+          </a:stretch>
+        </p:blipFill>
+        <p:spPr>
+          <a:xfrm>
+            <a:off x="908925" y="242193"/>
+            <a:ext cx="9071078" cy="2900716"/>
+          </a:xfrm>
+          <a:prstGeom prst="rect">
+            <a:avLst/>
+          </a:prstGeom>
+          <a:ln>
+            <a:solidFill>
+              <a:schemeClr val="tx1">
+                <a:lumMod val="50000"/>
+                <a:lumOff val="50000"/>
+              </a:schemeClr>
+            </a:solidFill>
+          </a:ln>
+        </p:spPr>
+      </p:pic>
+      <p:sp>
+        <p:nvSpPr>
+          <p:cNvPr id="5" name="직사각형 4"/>
+          <p:cNvSpPr/>
+          <p:nvPr/>
+        </p:nvSpPr>
+        <p:spPr>
+          <a:xfrm>
+            <a:off x="935372" y="1361564"/>
+            <a:ext cx="323981" cy="215366"/>
+          </a:xfrm>
+          <a:prstGeom prst="rect">
+            <a:avLst/>
+          </a:prstGeom>
+          <a:noFill/>
+          <a:ln w="28575">
+            <a:solidFill>
+              <a:srgbClr val="C00000"/>
+            </a:solidFill>
+          </a:ln>
+        </p:spPr>
+        <p:style>
+          <a:lnRef idx="2">
+            <a:schemeClr val="accent1">
+              <a:shade val="50000"/>
+            </a:schemeClr>
+          </a:lnRef>
+          <a:fillRef idx="1">
+            <a:schemeClr val="accent1"/>
+          </a:fillRef>
+          <a:effectRef idx="0">
+            <a:schemeClr val="accent1"/>
+          </a:effectRef>
+          <a:fontRef idx="minor">
+            <a:schemeClr val="lt1"/>
+          </a:fontRef>
+        </p:style>
+        <p:txBody>
+          <a:bodyPr rtlCol="0" anchor="ctr"/>
+          <a:lstStyle/>
+          <a:p>
+            <a:pPr algn="ctr"/>
+            <a:endParaRPr lang="ko-KR" altLang="en-US"/>
+          </a:p>
+        </p:txBody>
+      </p:sp>
+      <p:sp>
+        <p:nvSpPr>
+          <p:cNvPr id="6" name="직사각형 5"/>
+          <p:cNvSpPr/>
+          <p:nvPr/>
+        </p:nvSpPr>
+        <p:spPr>
+          <a:xfrm>
+            <a:off x="1811447" y="242193"/>
+            <a:ext cx="1046737" cy="284722"/>
+          </a:xfrm>
+          <a:prstGeom prst="rect">
+            <a:avLst/>
+          </a:prstGeom>
+          <a:noFill/>
+          <a:ln w="28575">
+            <a:solidFill>
+              <a:srgbClr val="C00000"/>
+            </a:solidFill>
+          </a:ln>
+        </p:spPr>
+        <p:style>
+          <a:lnRef idx="2">
+            <a:schemeClr val="accent1">
+              <a:shade val="50000"/>
+            </a:schemeClr>
+          </a:lnRef>
+          <a:fillRef idx="1">
+            <a:schemeClr val="accent1"/>
+          </a:fillRef>
+          <a:effectRef idx="0">
+            <a:schemeClr val="accent1"/>
+          </a:effectRef>
+          <a:fontRef idx="minor">
+            <a:schemeClr val="lt1"/>
+          </a:fontRef>
+        </p:style>
+        <p:txBody>
+          <a:bodyPr rtlCol="0" anchor="ctr"/>
+          <a:lstStyle/>
+          <a:p>
+            <a:pPr algn="ctr"/>
+            <a:endParaRPr lang="ko-KR" altLang="en-US"/>
+          </a:p>
+        </p:txBody>
+      </p:sp>
+      <p:pic>
+        <p:nvPicPr>
+          <p:cNvPr id="7" name="그림 6"/>
+          <p:cNvPicPr>
+            <a:picLocks noChangeAspect="1"/>
+          </p:cNvPicPr>
+          <p:nvPr/>
+        </p:nvPicPr>
+        <p:blipFill>
+          <a:blip r:embed="rId3"/>
+          <a:stretch>
+            <a:fillRect/>
+          </a:stretch>
+        </p:blipFill>
+        <p:spPr>
+          <a:xfrm>
+            <a:off x="985581" y="3290395"/>
+            <a:ext cx="8859276" cy="3296571"/>
+          </a:xfrm>
+          <a:prstGeom prst="rect">
+            <a:avLst/>
+          </a:prstGeom>
+          <a:ln>
+            <a:solidFill>
+              <a:schemeClr val="tx1">
+                <a:lumMod val="50000"/>
+                <a:lumOff val="50000"/>
+              </a:schemeClr>
+            </a:solidFill>
+          </a:ln>
+        </p:spPr>
+      </p:pic>
+      <p:sp>
+        <p:nvSpPr>
+          <p:cNvPr id="8" name="직사각형 7"/>
+          <p:cNvSpPr/>
+          <p:nvPr/>
+        </p:nvSpPr>
+        <p:spPr>
+          <a:xfrm>
+            <a:off x="1259353" y="4686809"/>
+            <a:ext cx="3591895" cy="284722"/>
+          </a:xfrm>
+          <a:prstGeom prst="rect">
+            <a:avLst/>
+          </a:prstGeom>
+          <a:noFill/>
+          <a:ln w="28575">
+            <a:solidFill>
+              <a:srgbClr val="C00000"/>
+            </a:solidFill>
+          </a:ln>
+        </p:spPr>
+        <p:style>
+          <a:lnRef idx="2">
+            <a:schemeClr val="accent1">
+              <a:shade val="50000"/>
+            </a:schemeClr>
+          </a:lnRef>
+          <a:fillRef idx="1">
+            <a:schemeClr val="accent1"/>
+          </a:fillRef>
+          <a:effectRef idx="0">
+            <a:schemeClr val="accent1"/>
+          </a:effectRef>
+          <a:fontRef idx="minor">
+            <a:schemeClr val="lt1"/>
+          </a:fontRef>
+        </p:style>
+        <p:txBody>
+          <a:bodyPr rtlCol="0" anchor="ctr"/>
+          <a:lstStyle/>
+          <a:p>
+            <a:pPr algn="ctr"/>
+            <a:endParaRPr lang="ko-KR" altLang="en-US"/>
+          </a:p>
+        </p:txBody>
+      </p:sp>
+      <p:sp>
+        <p:nvSpPr>
+          <p:cNvPr id="9" name="직사각형 8"/>
+          <p:cNvSpPr/>
+          <p:nvPr/>
+        </p:nvSpPr>
+        <p:spPr>
+          <a:xfrm>
+            <a:off x="4226135" y="4311919"/>
+            <a:ext cx="1358824" cy="284722"/>
+          </a:xfrm>
+          <a:prstGeom prst="rect">
+            <a:avLst/>
+          </a:prstGeom>
+          <a:noFill/>
+          <a:ln w="28575">
+            <a:solidFill>
+              <a:srgbClr val="C00000"/>
+            </a:solidFill>
+          </a:ln>
+        </p:spPr>
+        <p:style>
+          <a:lnRef idx="2">
+            <a:schemeClr val="accent1">
+              <a:shade val="50000"/>
+            </a:schemeClr>
+          </a:lnRef>
+          <a:fillRef idx="1">
+            <a:schemeClr val="accent1"/>
+          </a:fillRef>
+          <a:effectRef idx="0">
+            <a:schemeClr val="accent1"/>
+          </a:effectRef>
+          <a:fontRef idx="minor">
+            <a:schemeClr val="lt1"/>
+          </a:fontRef>
+        </p:style>
+        <p:txBody>
+          <a:bodyPr rtlCol="0" anchor="ctr"/>
+          <a:lstStyle/>
+          <a:p>
+            <a:pPr algn="ctr"/>
+            <a:endParaRPr lang="ko-KR" altLang="en-US"/>
+          </a:p>
+        </p:txBody>
+      </p:sp>
+      <p:sp>
+        <p:nvSpPr>
+          <p:cNvPr id="10" name="직사각형 9"/>
+          <p:cNvSpPr/>
+          <p:nvPr/>
+        </p:nvSpPr>
+        <p:spPr>
+          <a:xfrm>
+            <a:off x="1259353" y="5164719"/>
+            <a:ext cx="8585504" cy="1383917"/>
+          </a:xfrm>
+          <a:prstGeom prst="rect">
+            <a:avLst/>
+          </a:prstGeom>
+          <a:noFill/>
+          <a:ln w="28575">
+            <a:solidFill>
+              <a:srgbClr val="C00000"/>
+            </a:solidFill>
+          </a:ln>
+        </p:spPr>
+        <p:style>
+          <a:lnRef idx="2">
+            <a:schemeClr val="accent1">
+              <a:shade val="50000"/>
+            </a:schemeClr>
+          </a:lnRef>
+          <a:fillRef idx="1">
+            <a:schemeClr val="accent1"/>
+          </a:fillRef>
+          <a:effectRef idx="0">
+            <a:schemeClr val="accent1"/>
+          </a:effectRef>
+          <a:fontRef idx="minor">
+            <a:schemeClr val="lt1"/>
+          </a:fontRef>
+        </p:style>
+        <p:txBody>
+          <a:bodyPr rtlCol="0" anchor="ctr"/>
+          <a:lstStyle/>
+          <a:p>
+            <a:pPr algn="ctr"/>
+            <a:endParaRPr lang="ko-KR" altLang="en-US"/>
+          </a:p>
+        </p:txBody>
+      </p:sp>
+    </p:spTree>
+    <p:extLst>
+      <p:ext uri="{BB962C8B-B14F-4D97-AF65-F5344CB8AC3E}">
+        <p14:creationId xmlns:p14="http://schemas.microsoft.com/office/powerpoint/2010/main" val="1064584469"/>
+      </p:ext>
+    </p:extLst>
+  </p:cSld>
+  <p:clrMapOvr>
+    <a:masterClrMapping/>
+  </p:clrMapOvr>
+</p:sld>
+</file>
+
+<file path=ppt/slides/slide36.xml><?xml version="1.0" encoding="utf-8"?>
+<p:sld xmlns:a="http://schemas.openxmlformats.org/drawingml/2006/main" xmlns:r="http://schemas.openxmlformats.org/officeDocument/2006/relationships" xmlns:p="http://schemas.openxmlformats.org/presentationml/2006/main">
+  <p:cSld>
+    <p:spTree>
+      <p:nvGrpSpPr>
+        <p:cNvPr id="1" name=""/>
+        <p:cNvGrpSpPr/>
+        <p:nvPr/>
+      </p:nvGrpSpPr>
+      <p:grpSpPr>
+        <a:xfrm>
+          <a:off x="0" y="0"/>
+          <a:ext cx="0" cy="0"/>
+          <a:chOff x="0" y="0"/>
+          <a:chExt cx="0" cy="0"/>
+        </a:xfrm>
+      </p:grpSpPr>
+      <p:pic>
+        <p:nvPicPr>
+          <p:cNvPr id="6" name="그림 5"/>
+          <p:cNvPicPr>
+            <a:picLocks noChangeAspect="1"/>
+          </p:cNvPicPr>
+          <p:nvPr/>
+        </p:nvPicPr>
+        <p:blipFill>
+          <a:blip r:embed="rId2"/>
+          <a:stretch>
+            <a:fillRect/>
+          </a:stretch>
+        </p:blipFill>
+        <p:spPr>
+          <a:xfrm>
+            <a:off x="65706" y="954919"/>
+            <a:ext cx="9768867" cy="841028"/>
+          </a:xfrm>
+          <a:prstGeom prst="rect">
+            <a:avLst/>
+          </a:prstGeom>
+          <a:ln>
+            <a:solidFill>
+              <a:schemeClr val="tx1">
+                <a:lumMod val="50000"/>
+                <a:lumOff val="50000"/>
+              </a:schemeClr>
+            </a:solidFill>
+          </a:ln>
+        </p:spPr>
+      </p:pic>
+      <p:sp>
+        <p:nvSpPr>
+          <p:cNvPr id="5" name="직사각형 4"/>
+          <p:cNvSpPr/>
+          <p:nvPr/>
+        </p:nvSpPr>
+        <p:spPr>
+          <a:xfrm>
+            <a:off x="120460" y="1212052"/>
+            <a:ext cx="7599924" cy="490809"/>
+          </a:xfrm>
+          <a:prstGeom prst="rect">
+            <a:avLst/>
+          </a:prstGeom>
+          <a:noFill/>
+          <a:ln w="28575">
+            <a:solidFill>
+              <a:srgbClr val="C00000"/>
+            </a:solidFill>
+          </a:ln>
+        </p:spPr>
+        <p:style>
+          <a:lnRef idx="2">
+            <a:schemeClr val="accent1">
+              <a:shade val="50000"/>
+            </a:schemeClr>
+          </a:lnRef>
+          <a:fillRef idx="1">
+            <a:schemeClr val="accent1"/>
+          </a:fillRef>
+          <a:effectRef idx="0">
+            <a:schemeClr val="accent1"/>
+          </a:effectRef>
+          <a:fontRef idx="minor">
+            <a:schemeClr val="lt1"/>
+          </a:fontRef>
+        </p:style>
+        <p:txBody>
+          <a:bodyPr rtlCol="0" anchor="ctr"/>
+          <a:lstStyle/>
+          <a:p>
+            <a:pPr algn="ctr"/>
+            <a:endParaRPr lang="ko-KR" altLang="en-US"/>
+          </a:p>
+        </p:txBody>
+      </p:sp>
+    </p:spTree>
+    <p:extLst>
+      <p:ext uri="{BB962C8B-B14F-4D97-AF65-F5344CB8AC3E}">
+        <p14:creationId xmlns:p14="http://schemas.microsoft.com/office/powerpoint/2010/main" val="3031273256"/>
+      </p:ext>
+    </p:extLst>
+  </p:cSld>
+  <p:clrMapOvr>
+    <a:masterClrMapping/>
+  </p:clrMapOvr>
+</p:sld>
+</file>
+
+<file path=ppt/slides/slide37.xml><?xml version="1.0" encoding="utf-8"?>
+<p:sld xmlns:a="http://schemas.openxmlformats.org/drawingml/2006/main" xmlns:r="http://schemas.openxmlformats.org/officeDocument/2006/relationships" xmlns:p="http://schemas.openxmlformats.org/presentationml/2006/main">
+  <p:cSld>
+    <p:spTree>
+      <p:nvGrpSpPr>
+        <p:cNvPr id="1" name=""/>
+        <p:cNvGrpSpPr/>
+        <p:nvPr/>
+      </p:nvGrpSpPr>
+      <p:grpSpPr>
+        <a:xfrm>
+          <a:off x="0" y="0"/>
+          <a:ext cx="0" cy="0"/>
+          <a:chOff x="0" y="0"/>
+          <a:chExt cx="0" cy="0"/>
+        </a:xfrm>
+      </p:grpSpPr>
+      <p:pic>
+        <p:nvPicPr>
+          <p:cNvPr id="4" name="그림 3"/>
+          <p:cNvPicPr>
+            <a:picLocks noChangeAspect="1"/>
+          </p:cNvPicPr>
+          <p:nvPr/>
+        </p:nvPicPr>
+        <p:blipFill>
+          <a:blip r:embed="rId2"/>
+          <a:stretch>
+            <a:fillRect/>
+          </a:stretch>
+        </p:blipFill>
+        <p:spPr>
+          <a:xfrm>
+            <a:off x="109508" y="588917"/>
+            <a:ext cx="9167933" cy="845651"/>
+          </a:xfrm>
+          <a:prstGeom prst="rect">
+            <a:avLst/>
+          </a:prstGeom>
+          <a:ln>
+            <a:solidFill>
+              <a:schemeClr val="tx1">
+                <a:lumMod val="50000"/>
+                <a:lumOff val="50000"/>
+              </a:schemeClr>
+            </a:solidFill>
+          </a:ln>
+        </p:spPr>
+      </p:pic>
+      <p:sp>
+        <p:nvSpPr>
+          <p:cNvPr id="5" name="직사각형 4"/>
+          <p:cNvSpPr/>
+          <p:nvPr/>
+        </p:nvSpPr>
+        <p:spPr>
+          <a:xfrm>
+            <a:off x="212615" y="800688"/>
+            <a:ext cx="4134892" cy="535321"/>
+          </a:xfrm>
+          <a:prstGeom prst="rect">
+            <a:avLst/>
+          </a:prstGeom>
+          <a:noFill/>
+          <a:ln w="28575">
+            <a:solidFill>
+              <a:srgbClr val="C00000"/>
+            </a:solidFill>
+          </a:ln>
+        </p:spPr>
+        <p:style>
+          <a:lnRef idx="2">
+            <a:schemeClr val="accent1">
+              <a:shade val="50000"/>
+            </a:schemeClr>
+          </a:lnRef>
+          <a:fillRef idx="1">
+            <a:schemeClr val="accent1"/>
+          </a:fillRef>
+          <a:effectRef idx="0">
+            <a:schemeClr val="accent1"/>
+          </a:effectRef>
+          <a:fontRef idx="minor">
+            <a:schemeClr val="lt1"/>
+          </a:fontRef>
+        </p:style>
+        <p:txBody>
+          <a:bodyPr rtlCol="0" anchor="ctr"/>
+          <a:lstStyle/>
+          <a:p>
+            <a:pPr algn="ctr"/>
+            <a:endParaRPr lang="ko-KR" altLang="en-US"/>
+          </a:p>
+        </p:txBody>
+      </p:sp>
+      <p:sp>
+        <p:nvSpPr>
+          <p:cNvPr id="6" name="직사각형 5"/>
+          <p:cNvSpPr/>
+          <p:nvPr/>
+        </p:nvSpPr>
+        <p:spPr>
+          <a:xfrm>
+            <a:off x="4746287" y="783626"/>
+            <a:ext cx="3850168" cy="486678"/>
+          </a:xfrm>
+          <a:prstGeom prst="rect">
+            <a:avLst/>
+          </a:prstGeom>
+          <a:noFill/>
+          <a:ln w="28575">
+            <a:solidFill>
+              <a:srgbClr val="C00000"/>
+            </a:solidFill>
+          </a:ln>
+        </p:spPr>
+        <p:style>
+          <a:lnRef idx="2">
+            <a:schemeClr val="accent1">
+              <a:shade val="50000"/>
+            </a:schemeClr>
+          </a:lnRef>
+          <a:fillRef idx="1">
+            <a:schemeClr val="accent1"/>
+          </a:fillRef>
+          <a:effectRef idx="0">
+            <a:schemeClr val="accent1"/>
+          </a:effectRef>
+          <a:fontRef idx="minor">
+            <a:schemeClr val="lt1"/>
+          </a:fontRef>
+        </p:style>
+        <p:txBody>
+          <a:bodyPr rtlCol="0" anchor="ctr"/>
+          <a:lstStyle/>
+          <a:p>
+            <a:pPr algn="ctr"/>
+            <a:endParaRPr lang="ko-KR" altLang="en-US"/>
+          </a:p>
+        </p:txBody>
+      </p:sp>
+      <p:pic>
+        <p:nvPicPr>
+          <p:cNvPr id="8" name="그림 7"/>
+          <p:cNvPicPr>
+            <a:picLocks noChangeAspect="1"/>
+          </p:cNvPicPr>
+          <p:nvPr/>
+        </p:nvPicPr>
+        <p:blipFill>
+          <a:blip r:embed="rId3"/>
+          <a:stretch>
+            <a:fillRect/>
+          </a:stretch>
+        </p:blipFill>
+        <p:spPr>
+          <a:xfrm>
+            <a:off x="590538" y="2047818"/>
+            <a:ext cx="7929212" cy="2447525"/>
+          </a:xfrm>
+          <a:prstGeom prst="rect">
+            <a:avLst/>
+          </a:prstGeom>
+          <a:ln>
+            <a:solidFill>
+              <a:schemeClr val="tx1">
+                <a:lumMod val="50000"/>
+                <a:lumOff val="50000"/>
+              </a:schemeClr>
+            </a:solidFill>
+          </a:ln>
+        </p:spPr>
+      </p:pic>
+      <p:sp>
+        <p:nvSpPr>
+          <p:cNvPr id="9" name="직사각형 8"/>
+          <p:cNvSpPr/>
+          <p:nvPr/>
+        </p:nvSpPr>
+        <p:spPr>
+          <a:xfrm>
+            <a:off x="6307716" y="3077562"/>
+            <a:ext cx="1543165" cy="985221"/>
+          </a:xfrm>
+          <a:prstGeom prst="rect">
+            <a:avLst/>
+          </a:prstGeom>
+          <a:noFill/>
+          <a:ln w="28575">
+            <a:solidFill>
+              <a:srgbClr val="C00000"/>
+            </a:solidFill>
+          </a:ln>
+        </p:spPr>
+        <p:style>
+          <a:lnRef idx="2">
+            <a:schemeClr val="accent1">
+              <a:shade val="50000"/>
+            </a:schemeClr>
+          </a:lnRef>
+          <a:fillRef idx="1">
+            <a:schemeClr val="accent1"/>
+          </a:fillRef>
+          <a:effectRef idx="0">
+            <a:schemeClr val="accent1"/>
+          </a:effectRef>
+          <a:fontRef idx="minor">
+            <a:schemeClr val="lt1"/>
+          </a:fontRef>
+        </p:style>
+        <p:txBody>
+          <a:bodyPr rtlCol="0" anchor="ctr"/>
+          <a:lstStyle/>
+          <a:p>
+            <a:pPr algn="ctr"/>
+            <a:endParaRPr lang="ko-KR" altLang="en-US"/>
+          </a:p>
+        </p:txBody>
+      </p:sp>
+    </p:spTree>
+    <p:extLst>
+      <p:ext uri="{BB962C8B-B14F-4D97-AF65-F5344CB8AC3E}">
+        <p14:creationId xmlns:p14="http://schemas.microsoft.com/office/powerpoint/2010/main" val="535643801"/>
       </p:ext>
     </p:extLst>
   </p:cSld>

--- a/image2.pptx
+++ b/image2.pptx
@@ -42,6 +42,7 @@
     <p:sldId id="290" r:id="rId36"/>
     <p:sldId id="291" r:id="rId37"/>
     <p:sldId id="292" r:id="rId38"/>
+    <p:sldId id="293" r:id="rId39"/>
   </p:sldIdLst>
   <p:sldSz cx="12192000" cy="6858000"/>
   <p:notesSz cx="6858000" cy="9144000"/>
@@ -279,7 +280,7 @@
           <a:p>
             <a:fld id="{BCB002D4-23EE-4E87-B595-31C4A3955AD9}" type="datetimeFigureOut">
               <a:rPr lang="ko-KR" altLang="en-US" smtClean="0"/>
-              <a:t>2018. 9. 16.</a:t>
+              <a:t>2018. 9. 19.</a:t>
             </a:fld>
             <a:endParaRPr lang="ko-KR" altLang="en-US"/>
           </a:p>
@@ -449,7 +450,7 @@
           <a:p>
             <a:fld id="{BCB002D4-23EE-4E87-B595-31C4A3955AD9}" type="datetimeFigureOut">
               <a:rPr lang="ko-KR" altLang="en-US" smtClean="0"/>
-              <a:t>2018. 9. 16.</a:t>
+              <a:t>2018. 9. 19.</a:t>
             </a:fld>
             <a:endParaRPr lang="ko-KR" altLang="en-US"/>
           </a:p>
@@ -629,7 +630,7 @@
           <a:p>
             <a:fld id="{BCB002D4-23EE-4E87-B595-31C4A3955AD9}" type="datetimeFigureOut">
               <a:rPr lang="ko-KR" altLang="en-US" smtClean="0"/>
-              <a:t>2018. 9. 16.</a:t>
+              <a:t>2018. 9. 19.</a:t>
             </a:fld>
             <a:endParaRPr lang="ko-KR" altLang="en-US"/>
           </a:p>
@@ -799,7 +800,7 @@
           <a:p>
             <a:fld id="{BCB002D4-23EE-4E87-B595-31C4A3955AD9}" type="datetimeFigureOut">
               <a:rPr lang="ko-KR" altLang="en-US" smtClean="0"/>
-              <a:t>2018. 9. 16.</a:t>
+              <a:t>2018. 9. 19.</a:t>
             </a:fld>
             <a:endParaRPr lang="ko-KR" altLang="en-US"/>
           </a:p>
@@ -1045,7 +1046,7 @@
           <a:p>
             <a:fld id="{BCB002D4-23EE-4E87-B595-31C4A3955AD9}" type="datetimeFigureOut">
               <a:rPr lang="ko-KR" altLang="en-US" smtClean="0"/>
-              <a:t>2018. 9. 16.</a:t>
+              <a:t>2018. 9. 19.</a:t>
             </a:fld>
             <a:endParaRPr lang="ko-KR" altLang="en-US"/>
           </a:p>
@@ -1277,7 +1278,7 @@
           <a:p>
             <a:fld id="{BCB002D4-23EE-4E87-B595-31C4A3955AD9}" type="datetimeFigureOut">
               <a:rPr lang="ko-KR" altLang="en-US" smtClean="0"/>
-              <a:t>2018. 9. 16.</a:t>
+              <a:t>2018. 9. 19.</a:t>
             </a:fld>
             <a:endParaRPr lang="ko-KR" altLang="en-US"/>
           </a:p>
@@ -1644,7 +1645,7 @@
           <a:p>
             <a:fld id="{BCB002D4-23EE-4E87-B595-31C4A3955AD9}" type="datetimeFigureOut">
               <a:rPr lang="ko-KR" altLang="en-US" smtClean="0"/>
-              <a:t>2018. 9. 16.</a:t>
+              <a:t>2018. 9. 19.</a:t>
             </a:fld>
             <a:endParaRPr lang="ko-KR" altLang="en-US"/>
           </a:p>
@@ -1762,7 +1763,7 @@
           <a:p>
             <a:fld id="{BCB002D4-23EE-4E87-B595-31C4A3955AD9}" type="datetimeFigureOut">
               <a:rPr lang="ko-KR" altLang="en-US" smtClean="0"/>
-              <a:t>2018. 9. 16.</a:t>
+              <a:t>2018. 9. 19.</a:t>
             </a:fld>
             <a:endParaRPr lang="ko-KR" altLang="en-US"/>
           </a:p>
@@ -1857,7 +1858,7 @@
           <a:p>
             <a:fld id="{BCB002D4-23EE-4E87-B595-31C4A3955AD9}" type="datetimeFigureOut">
               <a:rPr lang="ko-KR" altLang="en-US" smtClean="0"/>
-              <a:t>2018. 9. 16.</a:t>
+              <a:t>2018. 9. 19.</a:t>
             </a:fld>
             <a:endParaRPr lang="ko-KR" altLang="en-US"/>
           </a:p>
@@ -2134,7 +2135,7 @@
           <a:p>
             <a:fld id="{BCB002D4-23EE-4E87-B595-31C4A3955AD9}" type="datetimeFigureOut">
               <a:rPr lang="ko-KR" altLang="en-US" smtClean="0"/>
-              <a:t>2018. 9. 16.</a:t>
+              <a:t>2018. 9. 19.</a:t>
             </a:fld>
             <a:endParaRPr lang="ko-KR" altLang="en-US"/>
           </a:p>
@@ -2387,7 +2388,7 @@
           <a:p>
             <a:fld id="{BCB002D4-23EE-4E87-B595-31C4A3955AD9}" type="datetimeFigureOut">
               <a:rPr lang="ko-KR" altLang="en-US" smtClean="0"/>
-              <a:t>2018. 9. 16.</a:t>
+              <a:t>2018. 9. 19.</a:t>
             </a:fld>
             <a:endParaRPr lang="ko-KR" altLang="en-US"/>
           </a:p>
@@ -2600,7 +2601,7 @@
           <a:p>
             <a:fld id="{BCB002D4-23EE-4E87-B595-31C4A3955AD9}" type="datetimeFigureOut">
               <a:rPr lang="ko-KR" altLang="en-US" smtClean="0"/>
-              <a:t>2018. 9. 16.</a:t>
+              <a:t>2018. 9. 19.</a:t>
             </a:fld>
             <a:endParaRPr lang="ko-KR" altLang="en-US"/>
           </a:p>
@@ -8831,6 +8832,114 @@
 </p:sld>
 </file>
 
+<file path=ppt/slides/slide38.xml><?xml version="1.0" encoding="utf-8"?>
+<p:sld xmlns:a="http://schemas.openxmlformats.org/drawingml/2006/main" xmlns:r="http://schemas.openxmlformats.org/officeDocument/2006/relationships" xmlns:p="http://schemas.openxmlformats.org/presentationml/2006/main">
+  <p:cSld>
+    <p:spTree>
+      <p:nvGrpSpPr>
+        <p:cNvPr id="1" name=""/>
+        <p:cNvGrpSpPr/>
+        <p:nvPr/>
+      </p:nvGrpSpPr>
+      <p:grpSpPr>
+        <a:xfrm>
+          <a:off x="0" y="0"/>
+          <a:ext cx="0" cy="0"/>
+          <a:chOff x="0" y="0"/>
+          <a:chExt cx="0" cy="0"/>
+        </a:xfrm>
+      </p:grpSpPr>
+      <p:pic>
+        <p:nvPicPr>
+          <p:cNvPr id="4" name="그림 3"/>
+          <p:cNvPicPr>
+            <a:picLocks noChangeAspect="1"/>
+          </p:cNvPicPr>
+          <p:nvPr/>
+        </p:nvPicPr>
+        <p:blipFill>
+          <a:blip r:embed="rId2"/>
+          <a:stretch>
+            <a:fillRect/>
+          </a:stretch>
+        </p:blipFill>
+        <p:spPr>
+          <a:xfrm>
+            <a:off x="414669" y="440008"/>
+            <a:ext cx="8379222" cy="1404741"/>
+          </a:xfrm>
+          <a:prstGeom prst="rect">
+            <a:avLst/>
+          </a:prstGeom>
+          <a:ln>
+            <a:solidFill>
+              <a:schemeClr val="tx1">
+                <a:lumMod val="50000"/>
+                <a:lumOff val="50000"/>
+              </a:schemeClr>
+            </a:solidFill>
+          </a:ln>
+        </p:spPr>
+      </p:pic>
+      <p:sp>
+        <p:nvSpPr>
+          <p:cNvPr id="5" name="직사각형 4"/>
+          <p:cNvSpPr/>
+          <p:nvPr/>
+        </p:nvSpPr>
+        <p:spPr>
+          <a:xfrm>
+            <a:off x="7923866" y="759664"/>
+            <a:ext cx="768250" cy="261061"/>
+          </a:xfrm>
+          <a:prstGeom prst="rect">
+            <a:avLst/>
+          </a:prstGeom>
+          <a:noFill/>
+          <a:ln w="28575">
+            <a:solidFill>
+              <a:srgbClr val="C00000"/>
+            </a:solidFill>
+          </a:ln>
+        </p:spPr>
+        <p:style>
+          <a:lnRef idx="2">
+            <a:schemeClr val="accent1">
+              <a:shade val="50000"/>
+            </a:schemeClr>
+          </a:lnRef>
+          <a:fillRef idx="1">
+            <a:schemeClr val="accent1"/>
+          </a:fillRef>
+          <a:effectRef idx="0">
+            <a:schemeClr val="accent1"/>
+          </a:effectRef>
+          <a:fontRef idx="minor">
+            <a:schemeClr val="lt1"/>
+          </a:fontRef>
+        </p:style>
+        <p:txBody>
+          <a:bodyPr rtlCol="0" anchor="ctr"/>
+          <a:lstStyle/>
+          <a:p>
+            <a:pPr algn="ctr"/>
+            <a:endParaRPr lang="ko-KR" altLang="en-US"/>
+          </a:p>
+        </p:txBody>
+      </p:sp>
+    </p:spTree>
+    <p:extLst>
+      <p:ext uri="{BB962C8B-B14F-4D97-AF65-F5344CB8AC3E}">
+        <p14:creationId xmlns:p14="http://schemas.microsoft.com/office/powerpoint/2010/main" val="1120168244"/>
+      </p:ext>
+    </p:extLst>
+  </p:cSld>
+  <p:clrMapOvr>
+    <a:masterClrMapping/>
+  </p:clrMapOvr>
+</p:sld>
+</file>
+
 <file path=ppt/slides/slide4.xml><?xml version="1.0" encoding="utf-8"?>
 <p:sld xmlns:a="http://schemas.openxmlformats.org/drawingml/2006/main" xmlns:r="http://schemas.openxmlformats.org/officeDocument/2006/relationships" xmlns:p="http://schemas.openxmlformats.org/presentationml/2006/main">
   <p:cSld>

--- a/image2.pptx
+++ b/image2.pptx
@@ -43,6 +43,7 @@
     <p:sldId id="291" r:id="rId37"/>
     <p:sldId id="292" r:id="rId38"/>
     <p:sldId id="293" r:id="rId39"/>
+    <p:sldId id="294" r:id="rId40"/>
   </p:sldIdLst>
   <p:sldSz cx="12192000" cy="6858000"/>
   <p:notesSz cx="6858000" cy="9144000"/>
@@ -280,7 +281,7 @@
           <a:p>
             <a:fld id="{BCB002D4-23EE-4E87-B595-31C4A3955AD9}" type="datetimeFigureOut">
               <a:rPr lang="ko-KR" altLang="en-US" smtClean="0"/>
-              <a:t>2018. 9. 19.</a:t>
+              <a:t>2018. 10. 28.</a:t>
             </a:fld>
             <a:endParaRPr lang="ko-KR" altLang="en-US"/>
           </a:p>
@@ -450,7 +451,7 @@
           <a:p>
             <a:fld id="{BCB002D4-23EE-4E87-B595-31C4A3955AD9}" type="datetimeFigureOut">
               <a:rPr lang="ko-KR" altLang="en-US" smtClean="0"/>
-              <a:t>2018. 9. 19.</a:t>
+              <a:t>2018. 10. 28.</a:t>
             </a:fld>
             <a:endParaRPr lang="ko-KR" altLang="en-US"/>
           </a:p>
@@ -630,7 +631,7 @@
           <a:p>
             <a:fld id="{BCB002D4-23EE-4E87-B595-31C4A3955AD9}" type="datetimeFigureOut">
               <a:rPr lang="ko-KR" altLang="en-US" smtClean="0"/>
-              <a:t>2018. 9. 19.</a:t>
+              <a:t>2018. 10. 28.</a:t>
             </a:fld>
             <a:endParaRPr lang="ko-KR" altLang="en-US"/>
           </a:p>
@@ -800,7 +801,7 @@
           <a:p>
             <a:fld id="{BCB002D4-23EE-4E87-B595-31C4A3955AD9}" type="datetimeFigureOut">
               <a:rPr lang="ko-KR" altLang="en-US" smtClean="0"/>
-              <a:t>2018. 9. 19.</a:t>
+              <a:t>2018. 10. 28.</a:t>
             </a:fld>
             <a:endParaRPr lang="ko-KR" altLang="en-US"/>
           </a:p>
@@ -1046,7 +1047,7 @@
           <a:p>
             <a:fld id="{BCB002D4-23EE-4E87-B595-31C4A3955AD9}" type="datetimeFigureOut">
               <a:rPr lang="ko-KR" altLang="en-US" smtClean="0"/>
-              <a:t>2018. 9. 19.</a:t>
+              <a:t>2018. 10. 28.</a:t>
             </a:fld>
             <a:endParaRPr lang="ko-KR" altLang="en-US"/>
           </a:p>
@@ -1278,7 +1279,7 @@
           <a:p>
             <a:fld id="{BCB002D4-23EE-4E87-B595-31C4A3955AD9}" type="datetimeFigureOut">
               <a:rPr lang="ko-KR" altLang="en-US" smtClean="0"/>
-              <a:t>2018. 9. 19.</a:t>
+              <a:t>2018. 10. 28.</a:t>
             </a:fld>
             <a:endParaRPr lang="ko-KR" altLang="en-US"/>
           </a:p>
@@ -1645,7 +1646,7 @@
           <a:p>
             <a:fld id="{BCB002D4-23EE-4E87-B595-31C4A3955AD9}" type="datetimeFigureOut">
               <a:rPr lang="ko-KR" altLang="en-US" smtClean="0"/>
-              <a:t>2018. 9. 19.</a:t>
+              <a:t>2018. 10. 28.</a:t>
             </a:fld>
             <a:endParaRPr lang="ko-KR" altLang="en-US"/>
           </a:p>
@@ -1763,7 +1764,7 @@
           <a:p>
             <a:fld id="{BCB002D4-23EE-4E87-B595-31C4A3955AD9}" type="datetimeFigureOut">
               <a:rPr lang="ko-KR" altLang="en-US" smtClean="0"/>
-              <a:t>2018. 9. 19.</a:t>
+              <a:t>2018. 10. 28.</a:t>
             </a:fld>
             <a:endParaRPr lang="ko-KR" altLang="en-US"/>
           </a:p>
@@ -1858,7 +1859,7 @@
           <a:p>
             <a:fld id="{BCB002D4-23EE-4E87-B595-31C4A3955AD9}" type="datetimeFigureOut">
               <a:rPr lang="ko-KR" altLang="en-US" smtClean="0"/>
-              <a:t>2018. 9. 19.</a:t>
+              <a:t>2018. 10. 28.</a:t>
             </a:fld>
             <a:endParaRPr lang="ko-KR" altLang="en-US"/>
           </a:p>
@@ -2135,7 +2136,7 @@
           <a:p>
             <a:fld id="{BCB002D4-23EE-4E87-B595-31C4A3955AD9}" type="datetimeFigureOut">
               <a:rPr lang="ko-KR" altLang="en-US" smtClean="0"/>
-              <a:t>2018. 9. 19.</a:t>
+              <a:t>2018. 10. 28.</a:t>
             </a:fld>
             <a:endParaRPr lang="ko-KR" altLang="en-US"/>
           </a:p>
@@ -2388,7 +2389,7 @@
           <a:p>
             <a:fld id="{BCB002D4-23EE-4E87-B595-31C4A3955AD9}" type="datetimeFigureOut">
               <a:rPr lang="ko-KR" altLang="en-US" smtClean="0"/>
-              <a:t>2018. 9. 19.</a:t>
+              <a:t>2018. 10. 28.</a:t>
             </a:fld>
             <a:endParaRPr lang="ko-KR" altLang="en-US"/>
           </a:p>
@@ -2601,7 +2602,7 @@
           <a:p>
             <a:fld id="{BCB002D4-23EE-4E87-B595-31C4A3955AD9}" type="datetimeFigureOut">
               <a:rPr lang="ko-KR" altLang="en-US" smtClean="0"/>
-              <a:t>2018. 9. 19.</a:t>
+              <a:t>2018. 10. 28.</a:t>
             </a:fld>
             <a:endParaRPr lang="ko-KR" altLang="en-US"/>
           </a:p>
@@ -3070,6 +3071,47 @@
           </a:ln>
         </p:spPr>
       </p:pic>
+      <p:pic>
+        <p:nvPicPr>
+          <p:cNvPr id="1026" name="Picture 2" descr="011-Implement-Expand-All-Collapse-All-for-Drill-Down-in-SQL-SSRS"/>
+          <p:cNvPicPr>
+            <a:picLocks noChangeAspect="1" noChangeArrowheads="1"/>
+          </p:cNvPicPr>
+          <p:nvPr/>
+        </p:nvPicPr>
+        <p:blipFill>
+          <a:blip r:embed="rId4">
+            <a:extLst>
+              <a:ext uri="{28A0092B-C50C-407E-A947-70E740481C1C}">
+                <a14:useLocalDpi xmlns:a14="http://schemas.microsoft.com/office/drawing/2010/main" val="0"/>
+              </a:ext>
+            </a:extLst>
+          </a:blip>
+          <a:srcRect/>
+          <a:stretch>
+            <a:fillRect/>
+          </a:stretch>
+        </p:blipFill>
+        <p:spPr bwMode="auto">
+          <a:xfrm>
+            <a:off x="1126756" y="3691196"/>
+            <a:ext cx="1000125" cy="666750"/>
+          </a:xfrm>
+          <a:prstGeom prst="rect">
+            <a:avLst/>
+          </a:prstGeom>
+          <a:noFill/>
+          <a:extLst>
+            <a:ext uri="{909E8E84-426E-40DD-AFC4-6F175D3DCCD1}">
+              <a14:hiddenFill xmlns:a14="http://schemas.microsoft.com/office/drawing/2010/main">
+                <a:solidFill>
+                  <a:srgbClr val="FFFFFF"/>
+                </a:solidFill>
+              </a14:hiddenFill>
+            </a:ext>
+          </a:extLst>
+        </p:spPr>
+      </p:pic>
     </p:spTree>
     <p:extLst>
       <p:ext uri="{BB962C8B-B14F-4D97-AF65-F5344CB8AC3E}">
@@ -8927,10 +8969,104 @@
           </a:p>
         </p:txBody>
       </p:sp>
+      <p:pic>
+        <p:nvPicPr>
+          <p:cNvPr id="2" name="그림 1"/>
+          <p:cNvPicPr>
+            <a:picLocks noChangeAspect="1"/>
+          </p:cNvPicPr>
+          <p:nvPr/>
+        </p:nvPicPr>
+        <p:blipFill>
+          <a:blip r:embed="rId3"/>
+          <a:stretch>
+            <a:fillRect/>
+          </a:stretch>
+        </p:blipFill>
+        <p:spPr>
+          <a:xfrm>
+            <a:off x="414669" y="2028975"/>
+            <a:ext cx="8171121" cy="4327939"/>
+          </a:xfrm>
+          <a:prstGeom prst="rect">
+            <a:avLst/>
+          </a:prstGeom>
+          <a:ln>
+            <a:solidFill>
+              <a:schemeClr val="tx1">
+                <a:lumMod val="50000"/>
+                <a:lumOff val="50000"/>
+              </a:schemeClr>
+            </a:solidFill>
+          </a:ln>
+        </p:spPr>
+      </p:pic>
     </p:spTree>
     <p:extLst>
       <p:ext uri="{BB962C8B-B14F-4D97-AF65-F5344CB8AC3E}">
         <p14:creationId xmlns:p14="http://schemas.microsoft.com/office/powerpoint/2010/main" val="1120168244"/>
+      </p:ext>
+    </p:extLst>
+  </p:cSld>
+  <p:clrMapOvr>
+    <a:masterClrMapping/>
+  </p:clrMapOvr>
+</p:sld>
+</file>
+
+<file path=ppt/slides/slide39.xml><?xml version="1.0" encoding="utf-8"?>
+<p:sld xmlns:a="http://schemas.openxmlformats.org/drawingml/2006/main" xmlns:r="http://schemas.openxmlformats.org/officeDocument/2006/relationships" xmlns:p="http://schemas.openxmlformats.org/presentationml/2006/main">
+  <p:cSld>
+    <p:spTree>
+      <p:nvGrpSpPr>
+        <p:cNvPr id="1" name=""/>
+        <p:cNvGrpSpPr/>
+        <p:nvPr/>
+      </p:nvGrpSpPr>
+      <p:grpSpPr>
+        <a:xfrm>
+          <a:off x="0" y="0"/>
+          <a:ext cx="0" cy="0"/>
+          <a:chOff x="0" y="0"/>
+          <a:chExt cx="0" cy="0"/>
+        </a:xfrm>
+      </p:grpSpPr>
+      <p:pic>
+        <p:nvPicPr>
+          <p:cNvPr id="4" name="그림 3"/>
+          <p:cNvPicPr>
+            <a:picLocks noChangeAspect="1"/>
+          </p:cNvPicPr>
+          <p:nvPr/>
+        </p:nvPicPr>
+        <p:blipFill>
+          <a:blip r:embed="rId2"/>
+          <a:stretch>
+            <a:fillRect/>
+          </a:stretch>
+        </p:blipFill>
+        <p:spPr>
+          <a:xfrm>
+            <a:off x="489098" y="316775"/>
+            <a:ext cx="7166344" cy="3083700"/>
+          </a:xfrm>
+          <a:prstGeom prst="rect">
+            <a:avLst/>
+          </a:prstGeom>
+          <a:ln>
+            <a:solidFill>
+              <a:schemeClr val="tx1">
+                <a:lumMod val="50000"/>
+                <a:lumOff val="50000"/>
+              </a:schemeClr>
+            </a:solidFill>
+          </a:ln>
+        </p:spPr>
+      </p:pic>
+    </p:spTree>
+    <p:extLst>
+      <p:ext uri="{BB962C8B-B14F-4D97-AF65-F5344CB8AC3E}">
+        <p14:creationId xmlns:p14="http://schemas.microsoft.com/office/powerpoint/2010/main" val="1757657778"/>
       </p:ext>
     </p:extLst>
   </p:cSld>

--- a/image2.pptx
+++ b/image2.pptx
@@ -44,6 +44,7 @@
     <p:sldId id="292" r:id="rId38"/>
     <p:sldId id="293" r:id="rId39"/>
     <p:sldId id="294" r:id="rId40"/>
+    <p:sldId id="295" r:id="rId41"/>
   </p:sldIdLst>
   <p:sldSz cx="12192000" cy="6858000"/>
   <p:notesSz cx="6858000" cy="9144000"/>
@@ -281,7 +282,7 @@
           <a:p>
             <a:fld id="{BCB002D4-23EE-4E87-B595-31C4A3955AD9}" type="datetimeFigureOut">
               <a:rPr lang="ko-KR" altLang="en-US" smtClean="0"/>
-              <a:t>2018. 10. 28.</a:t>
+              <a:t>2019. 3. 16.</a:t>
             </a:fld>
             <a:endParaRPr lang="ko-KR" altLang="en-US"/>
           </a:p>
@@ -451,7 +452,7 @@
           <a:p>
             <a:fld id="{BCB002D4-23EE-4E87-B595-31C4A3955AD9}" type="datetimeFigureOut">
               <a:rPr lang="ko-KR" altLang="en-US" smtClean="0"/>
-              <a:t>2018. 10. 28.</a:t>
+              <a:t>2019. 3. 16.</a:t>
             </a:fld>
             <a:endParaRPr lang="ko-KR" altLang="en-US"/>
           </a:p>
@@ -631,7 +632,7 @@
           <a:p>
             <a:fld id="{BCB002D4-23EE-4E87-B595-31C4A3955AD9}" type="datetimeFigureOut">
               <a:rPr lang="ko-KR" altLang="en-US" smtClean="0"/>
-              <a:t>2018. 10. 28.</a:t>
+              <a:t>2019. 3. 16.</a:t>
             </a:fld>
             <a:endParaRPr lang="ko-KR" altLang="en-US"/>
           </a:p>
@@ -801,7 +802,7 @@
           <a:p>
             <a:fld id="{BCB002D4-23EE-4E87-B595-31C4A3955AD9}" type="datetimeFigureOut">
               <a:rPr lang="ko-KR" altLang="en-US" smtClean="0"/>
-              <a:t>2018. 10. 28.</a:t>
+              <a:t>2019. 3. 16.</a:t>
             </a:fld>
             <a:endParaRPr lang="ko-KR" altLang="en-US"/>
           </a:p>
@@ -1047,7 +1048,7 @@
           <a:p>
             <a:fld id="{BCB002D4-23EE-4E87-B595-31C4A3955AD9}" type="datetimeFigureOut">
               <a:rPr lang="ko-KR" altLang="en-US" smtClean="0"/>
-              <a:t>2018. 10. 28.</a:t>
+              <a:t>2019. 3. 16.</a:t>
             </a:fld>
             <a:endParaRPr lang="ko-KR" altLang="en-US"/>
           </a:p>
@@ -1279,7 +1280,7 @@
           <a:p>
             <a:fld id="{BCB002D4-23EE-4E87-B595-31C4A3955AD9}" type="datetimeFigureOut">
               <a:rPr lang="ko-KR" altLang="en-US" smtClean="0"/>
-              <a:t>2018. 10. 28.</a:t>
+              <a:t>2019. 3. 16.</a:t>
             </a:fld>
             <a:endParaRPr lang="ko-KR" altLang="en-US"/>
           </a:p>
@@ -1646,7 +1647,7 @@
           <a:p>
             <a:fld id="{BCB002D4-23EE-4E87-B595-31C4A3955AD9}" type="datetimeFigureOut">
               <a:rPr lang="ko-KR" altLang="en-US" smtClean="0"/>
-              <a:t>2018. 10. 28.</a:t>
+              <a:t>2019. 3. 16.</a:t>
             </a:fld>
             <a:endParaRPr lang="ko-KR" altLang="en-US"/>
           </a:p>
@@ -1764,7 +1765,7 @@
           <a:p>
             <a:fld id="{BCB002D4-23EE-4E87-B595-31C4A3955AD9}" type="datetimeFigureOut">
               <a:rPr lang="ko-KR" altLang="en-US" smtClean="0"/>
-              <a:t>2018. 10. 28.</a:t>
+              <a:t>2019. 3. 16.</a:t>
             </a:fld>
             <a:endParaRPr lang="ko-KR" altLang="en-US"/>
           </a:p>
@@ -1859,7 +1860,7 @@
           <a:p>
             <a:fld id="{BCB002D4-23EE-4E87-B595-31C4A3955AD9}" type="datetimeFigureOut">
               <a:rPr lang="ko-KR" altLang="en-US" smtClean="0"/>
-              <a:t>2018. 10. 28.</a:t>
+              <a:t>2019. 3. 16.</a:t>
             </a:fld>
             <a:endParaRPr lang="ko-KR" altLang="en-US"/>
           </a:p>
@@ -2136,7 +2137,7 @@
           <a:p>
             <a:fld id="{BCB002D4-23EE-4E87-B595-31C4A3955AD9}" type="datetimeFigureOut">
               <a:rPr lang="ko-KR" altLang="en-US" smtClean="0"/>
-              <a:t>2018. 10. 28.</a:t>
+              <a:t>2019. 3. 16.</a:t>
             </a:fld>
             <a:endParaRPr lang="ko-KR" altLang="en-US"/>
           </a:p>
@@ -2389,7 +2390,7 @@
           <a:p>
             <a:fld id="{BCB002D4-23EE-4E87-B595-31C4A3955AD9}" type="datetimeFigureOut">
               <a:rPr lang="ko-KR" altLang="en-US" smtClean="0"/>
-              <a:t>2018. 10. 28.</a:t>
+              <a:t>2019. 3. 16.</a:t>
             </a:fld>
             <a:endParaRPr lang="ko-KR" altLang="en-US"/>
           </a:p>
@@ -2602,7 +2603,7 @@
           <a:p>
             <a:fld id="{BCB002D4-23EE-4E87-B595-31C4A3955AD9}" type="datetimeFigureOut">
               <a:rPr lang="ko-KR" altLang="en-US" smtClean="0"/>
-              <a:t>2018. 10. 28.</a:t>
+              <a:t>2019. 3. 16.</a:t>
             </a:fld>
             <a:endParaRPr lang="ko-KR" altLang="en-US"/>
           </a:p>
@@ -9047,7 +9048,7 @@
         </p:blipFill>
         <p:spPr>
           <a:xfrm>
-            <a:off x="489098" y="316775"/>
+            <a:off x="1164348" y="-105256"/>
             <a:ext cx="7166344" cy="3083700"/>
           </a:xfrm>
           <a:prstGeom prst="rect">
@@ -9063,6 +9064,435 @@
           </a:ln>
         </p:spPr>
       </p:pic>
+      <p:pic>
+        <p:nvPicPr>
+          <p:cNvPr id="2" name="그림 1"/>
+          <p:cNvPicPr>
+            <a:picLocks noChangeAspect="1"/>
+          </p:cNvPicPr>
+          <p:nvPr/>
+        </p:nvPicPr>
+        <p:blipFill>
+          <a:blip r:embed="rId3"/>
+          <a:stretch>
+            <a:fillRect/>
+          </a:stretch>
+        </p:blipFill>
+        <p:spPr>
+          <a:xfrm>
+            <a:off x="572086" y="3977998"/>
+            <a:ext cx="9153379" cy="1353658"/>
+          </a:xfrm>
+          <a:prstGeom prst="rect">
+            <a:avLst/>
+          </a:prstGeom>
+        </p:spPr>
+      </p:pic>
+      <p:sp>
+        <p:nvSpPr>
+          <p:cNvPr id="5" name="TextBox 4"/>
+          <p:cNvSpPr txBox="1"/>
+          <p:nvPr/>
+        </p:nvSpPr>
+        <p:spPr>
+          <a:xfrm>
+            <a:off x="1885851" y="6022640"/>
+            <a:ext cx="2441694" cy="338554"/>
+          </a:xfrm>
+          <a:prstGeom prst="rect">
+            <a:avLst/>
+          </a:prstGeom>
+          <a:noFill/>
+        </p:spPr>
+        <p:txBody>
+          <a:bodyPr wrap="none" rtlCol="0">
+            <a:spAutoFit/>
+          </a:bodyPr>
+          <a:lstStyle/>
+          <a:p>
+            <a:r>
+              <a:rPr lang="ko-KR" altLang="en-US" sz="1600" dirty="0">
+                <a:solidFill>
+                  <a:srgbClr val="C00000"/>
+                </a:solidFill>
+              </a:rPr>
+              <a:t>①②②③④⑤⑥⑦⑧⑨⑩</a:t>
+            </a:r>
+            <a:endParaRPr lang="ko-KR" altLang="en-US" sz="1600" dirty="0">
+              <a:solidFill>
+                <a:srgbClr val="C00000"/>
+              </a:solidFill>
+            </a:endParaRPr>
+          </a:p>
+        </p:txBody>
+      </p:sp>
+      <p:sp>
+        <p:nvSpPr>
+          <p:cNvPr id="3" name="직사각형 2"/>
+          <p:cNvSpPr/>
+          <p:nvPr/>
+        </p:nvSpPr>
+        <p:spPr>
+          <a:xfrm>
+            <a:off x="1283427" y="4079017"/>
+            <a:ext cx="415498" cy="369332"/>
+          </a:xfrm>
+          <a:prstGeom prst="rect">
+            <a:avLst/>
+          </a:prstGeom>
+        </p:spPr>
+        <p:txBody>
+          <a:bodyPr wrap="none">
+            <a:spAutoFit/>
+          </a:bodyPr>
+          <a:lstStyle/>
+          <a:p>
+            <a:r>
+              <a:rPr lang="ko-KR" altLang="en-US" dirty="0">
+                <a:solidFill>
+                  <a:srgbClr val="C00000"/>
+                </a:solidFill>
+              </a:rPr>
+              <a:t>①</a:t>
+            </a:r>
+            <a:endParaRPr lang="ko-KR" altLang="en-US" dirty="0"/>
+          </a:p>
+        </p:txBody>
+      </p:sp>
+      <p:sp>
+        <p:nvSpPr>
+          <p:cNvPr id="6" name="직사각형 5"/>
+          <p:cNvSpPr/>
+          <p:nvPr/>
+        </p:nvSpPr>
+        <p:spPr>
+          <a:xfrm>
+            <a:off x="2605790" y="4041504"/>
+            <a:ext cx="415498" cy="369332"/>
+          </a:xfrm>
+          <a:prstGeom prst="rect">
+            <a:avLst/>
+          </a:prstGeom>
+        </p:spPr>
+        <p:txBody>
+          <a:bodyPr wrap="none">
+            <a:spAutoFit/>
+          </a:bodyPr>
+          <a:lstStyle/>
+          <a:p>
+            <a:r>
+              <a:rPr lang="ko-KR" altLang="en-US" dirty="0">
+                <a:solidFill>
+                  <a:srgbClr val="C00000"/>
+                </a:solidFill>
+              </a:rPr>
+              <a:t>②</a:t>
+            </a:r>
+            <a:endParaRPr lang="ko-KR" altLang="en-US" dirty="0"/>
+          </a:p>
+        </p:txBody>
+      </p:sp>
+      <p:sp>
+        <p:nvSpPr>
+          <p:cNvPr id="7" name="직사각형 6"/>
+          <p:cNvSpPr/>
+          <p:nvPr/>
+        </p:nvSpPr>
+        <p:spPr>
+          <a:xfrm>
+            <a:off x="4021937" y="4079017"/>
+            <a:ext cx="415498" cy="369332"/>
+          </a:xfrm>
+          <a:prstGeom prst="rect">
+            <a:avLst/>
+          </a:prstGeom>
+        </p:spPr>
+        <p:txBody>
+          <a:bodyPr wrap="none">
+            <a:spAutoFit/>
+          </a:bodyPr>
+          <a:lstStyle/>
+          <a:p>
+            <a:r>
+              <a:rPr lang="ko-KR" altLang="en-US" dirty="0">
+                <a:solidFill>
+                  <a:srgbClr val="C00000"/>
+                </a:solidFill>
+              </a:rPr>
+              <a:t>③</a:t>
+            </a:r>
+            <a:endParaRPr lang="ko-KR" altLang="en-US" dirty="0"/>
+          </a:p>
+        </p:txBody>
+      </p:sp>
+      <p:sp>
+        <p:nvSpPr>
+          <p:cNvPr id="8" name="직사각형 7"/>
+          <p:cNvSpPr/>
+          <p:nvPr/>
+        </p:nvSpPr>
+        <p:spPr>
+          <a:xfrm>
+            <a:off x="5148775" y="4079017"/>
+            <a:ext cx="415498" cy="369332"/>
+          </a:xfrm>
+          <a:prstGeom prst="rect">
+            <a:avLst/>
+          </a:prstGeom>
+        </p:spPr>
+        <p:txBody>
+          <a:bodyPr wrap="none">
+            <a:spAutoFit/>
+          </a:bodyPr>
+          <a:lstStyle/>
+          <a:p>
+            <a:r>
+              <a:rPr lang="ko-KR" altLang="en-US" dirty="0">
+                <a:solidFill>
+                  <a:srgbClr val="C00000"/>
+                </a:solidFill>
+              </a:rPr>
+              <a:t>④</a:t>
+            </a:r>
+            <a:endParaRPr lang="ko-KR" altLang="en-US" dirty="0"/>
+          </a:p>
+        </p:txBody>
+      </p:sp>
+      <p:sp>
+        <p:nvSpPr>
+          <p:cNvPr id="9" name="직사각형 8"/>
+          <p:cNvSpPr/>
+          <p:nvPr/>
+        </p:nvSpPr>
+        <p:spPr>
+          <a:xfrm>
+            <a:off x="5957878" y="4226170"/>
+            <a:ext cx="415498" cy="369332"/>
+          </a:xfrm>
+          <a:prstGeom prst="rect">
+            <a:avLst/>
+          </a:prstGeom>
+        </p:spPr>
+        <p:txBody>
+          <a:bodyPr wrap="none">
+            <a:spAutoFit/>
+          </a:bodyPr>
+          <a:lstStyle/>
+          <a:p>
+            <a:r>
+              <a:rPr lang="ko-KR" altLang="en-US" dirty="0">
+                <a:solidFill>
+                  <a:srgbClr val="C00000"/>
+                </a:solidFill>
+              </a:rPr>
+              <a:t>⑤</a:t>
+            </a:r>
+            <a:endParaRPr lang="ko-KR" altLang="en-US" dirty="0"/>
+          </a:p>
+        </p:txBody>
+      </p:sp>
+      <p:sp>
+        <p:nvSpPr>
+          <p:cNvPr id="10" name="직사각형 9"/>
+          <p:cNvSpPr/>
+          <p:nvPr/>
+        </p:nvSpPr>
+        <p:spPr>
+          <a:xfrm>
+            <a:off x="6704177" y="4253984"/>
+            <a:ext cx="415498" cy="369332"/>
+          </a:xfrm>
+          <a:prstGeom prst="rect">
+            <a:avLst/>
+          </a:prstGeom>
+        </p:spPr>
+        <p:txBody>
+          <a:bodyPr wrap="none">
+            <a:spAutoFit/>
+          </a:bodyPr>
+          <a:lstStyle/>
+          <a:p>
+            <a:r>
+              <a:rPr lang="ko-KR" altLang="en-US" dirty="0">
+                <a:solidFill>
+                  <a:srgbClr val="C00000"/>
+                </a:solidFill>
+              </a:rPr>
+              <a:t>⑥</a:t>
+            </a:r>
+            <a:endParaRPr lang="ko-KR" altLang="en-US" dirty="0"/>
+          </a:p>
+        </p:txBody>
+      </p:sp>
+      <p:sp>
+        <p:nvSpPr>
+          <p:cNvPr id="11" name="직사각형 10"/>
+          <p:cNvSpPr/>
+          <p:nvPr/>
+        </p:nvSpPr>
+        <p:spPr>
+          <a:xfrm>
+            <a:off x="7450476" y="4255890"/>
+            <a:ext cx="415498" cy="369332"/>
+          </a:xfrm>
+          <a:prstGeom prst="rect">
+            <a:avLst/>
+          </a:prstGeom>
+        </p:spPr>
+        <p:txBody>
+          <a:bodyPr wrap="none">
+            <a:spAutoFit/>
+          </a:bodyPr>
+          <a:lstStyle/>
+          <a:p>
+            <a:r>
+              <a:rPr lang="ko-KR" altLang="en-US" dirty="0">
+                <a:solidFill>
+                  <a:srgbClr val="C00000"/>
+                </a:solidFill>
+              </a:rPr>
+              <a:t>⑦</a:t>
+            </a:r>
+            <a:endParaRPr lang="ko-KR" altLang="en-US" dirty="0"/>
+          </a:p>
+        </p:txBody>
+      </p:sp>
+      <p:sp>
+        <p:nvSpPr>
+          <p:cNvPr id="12" name="직사각형 11"/>
+          <p:cNvSpPr/>
+          <p:nvPr/>
+        </p:nvSpPr>
+        <p:spPr>
+          <a:xfrm>
+            <a:off x="7991582" y="4249720"/>
+            <a:ext cx="415498" cy="369332"/>
+          </a:xfrm>
+          <a:prstGeom prst="rect">
+            <a:avLst/>
+          </a:prstGeom>
+        </p:spPr>
+        <p:txBody>
+          <a:bodyPr wrap="none">
+            <a:spAutoFit/>
+          </a:bodyPr>
+          <a:lstStyle/>
+          <a:p>
+            <a:r>
+              <a:rPr lang="ko-KR" altLang="en-US" dirty="0">
+                <a:solidFill>
+                  <a:srgbClr val="C00000"/>
+                </a:solidFill>
+              </a:rPr>
+              <a:t>⑧</a:t>
+            </a:r>
+            <a:endParaRPr lang="ko-KR" altLang="en-US" dirty="0"/>
+          </a:p>
+        </p:txBody>
+      </p:sp>
+      <p:sp>
+        <p:nvSpPr>
+          <p:cNvPr id="13" name="직사각형 12"/>
+          <p:cNvSpPr/>
+          <p:nvPr/>
+        </p:nvSpPr>
+        <p:spPr>
+          <a:xfrm>
+            <a:off x="8696388" y="4251306"/>
+            <a:ext cx="415498" cy="369332"/>
+          </a:xfrm>
+          <a:prstGeom prst="rect">
+            <a:avLst/>
+          </a:prstGeom>
+        </p:spPr>
+        <p:txBody>
+          <a:bodyPr wrap="none">
+            <a:spAutoFit/>
+          </a:bodyPr>
+          <a:lstStyle/>
+          <a:p>
+            <a:r>
+              <a:rPr lang="ko-KR" altLang="en-US" dirty="0">
+                <a:solidFill>
+                  <a:srgbClr val="C00000"/>
+                </a:solidFill>
+              </a:rPr>
+              <a:t>⑨</a:t>
+            </a:r>
+            <a:endParaRPr lang="ko-KR" altLang="en-US" dirty="0"/>
+          </a:p>
+        </p:txBody>
+      </p:sp>
+      <p:pic>
+        <p:nvPicPr>
+          <p:cNvPr id="14" name="그림 13"/>
+          <p:cNvPicPr>
+            <a:picLocks noChangeAspect="1"/>
+          </p:cNvPicPr>
+          <p:nvPr/>
+        </p:nvPicPr>
+        <p:blipFill>
+          <a:blip r:embed="rId4"/>
+          <a:stretch>
+            <a:fillRect/>
+          </a:stretch>
+        </p:blipFill>
+        <p:spPr>
+          <a:xfrm>
+            <a:off x="4747520" y="5575705"/>
+            <a:ext cx="6361443" cy="755505"/>
+          </a:xfrm>
+          <a:prstGeom prst="rect">
+            <a:avLst/>
+          </a:prstGeom>
+        </p:spPr>
+      </p:pic>
+      <p:sp>
+        <p:nvSpPr>
+          <p:cNvPr id="15" name="직사각형 14"/>
+          <p:cNvSpPr/>
+          <p:nvPr/>
+        </p:nvSpPr>
+        <p:spPr>
+          <a:xfrm>
+            <a:off x="6639951" y="5781822"/>
+            <a:ext cx="553329" cy="300110"/>
+          </a:xfrm>
+          <a:prstGeom prst="rect">
+            <a:avLst/>
+          </a:prstGeom>
+          <a:noFill/>
+          <a:ln>
+            <a:solidFill>
+              <a:srgbClr val="C00000"/>
+            </a:solidFill>
+          </a:ln>
+        </p:spPr>
+        <p:style>
+          <a:lnRef idx="2">
+            <a:schemeClr val="accent1">
+              <a:shade val="50000"/>
+            </a:schemeClr>
+          </a:lnRef>
+          <a:fillRef idx="1">
+            <a:schemeClr val="accent1"/>
+          </a:fillRef>
+          <a:effectRef idx="0">
+            <a:schemeClr val="accent1"/>
+          </a:effectRef>
+          <a:fontRef idx="minor">
+            <a:schemeClr val="lt1"/>
+          </a:fontRef>
+        </p:style>
+        <p:txBody>
+          <a:bodyPr rtlCol="0" anchor="ctr"/>
+          <a:lstStyle/>
+          <a:p>
+            <a:pPr algn="ctr"/>
+            <a:endParaRPr lang="ko-KR" altLang="en-US"/>
+          </a:p>
+        </p:txBody>
+      </p:sp>
     </p:spTree>
     <p:extLst>
       <p:ext uri="{BB962C8B-B14F-4D97-AF65-F5344CB8AC3E}">
@@ -9161,6 +9591,263 @@
     <p:extLst>
       <p:ext uri="{BB962C8B-B14F-4D97-AF65-F5344CB8AC3E}">
         <p14:creationId xmlns:p14="http://schemas.microsoft.com/office/powerpoint/2010/main" val="2826728505"/>
+      </p:ext>
+    </p:extLst>
+  </p:cSld>
+  <p:clrMapOvr>
+    <a:masterClrMapping/>
+  </p:clrMapOvr>
+</p:sld>
+</file>
+
+<file path=ppt/slides/slide40.xml><?xml version="1.0" encoding="utf-8"?>
+<p:sld xmlns:a="http://schemas.openxmlformats.org/drawingml/2006/main" xmlns:r="http://schemas.openxmlformats.org/officeDocument/2006/relationships" xmlns:p="http://schemas.openxmlformats.org/presentationml/2006/main">
+  <p:cSld>
+    <p:spTree>
+      <p:nvGrpSpPr>
+        <p:cNvPr id="1" name=""/>
+        <p:cNvGrpSpPr/>
+        <p:nvPr/>
+      </p:nvGrpSpPr>
+      <p:grpSpPr>
+        <a:xfrm>
+          <a:off x="0" y="0"/>
+          <a:ext cx="0" cy="0"/>
+          <a:chOff x="0" y="0"/>
+          <a:chExt cx="0" cy="0"/>
+        </a:xfrm>
+      </p:grpSpPr>
+      <p:pic>
+        <p:nvPicPr>
+          <p:cNvPr id="4" name="그림 3"/>
+          <p:cNvPicPr>
+            <a:picLocks noChangeAspect="1"/>
+          </p:cNvPicPr>
+          <p:nvPr/>
+        </p:nvPicPr>
+        <p:blipFill>
+          <a:blip r:embed="rId2"/>
+          <a:stretch>
+            <a:fillRect/>
+          </a:stretch>
+        </p:blipFill>
+        <p:spPr>
+          <a:xfrm>
+            <a:off x="2749117" y="389179"/>
+            <a:ext cx="7807083" cy="6079642"/>
+          </a:xfrm>
+          <a:prstGeom prst="rect">
+            <a:avLst/>
+          </a:prstGeom>
+        </p:spPr>
+      </p:pic>
+      <p:sp>
+        <p:nvSpPr>
+          <p:cNvPr id="5" name="TextBox 4"/>
+          <p:cNvSpPr txBox="1"/>
+          <p:nvPr/>
+        </p:nvSpPr>
+        <p:spPr>
+          <a:xfrm>
+            <a:off x="-64869" y="4484572"/>
+            <a:ext cx="2441694" cy="338554"/>
+          </a:xfrm>
+          <a:prstGeom prst="rect">
+            <a:avLst/>
+          </a:prstGeom>
+          <a:noFill/>
+        </p:spPr>
+        <p:txBody>
+          <a:bodyPr wrap="none" rtlCol="0">
+            <a:spAutoFit/>
+          </a:bodyPr>
+          <a:lstStyle/>
+          <a:p>
+            <a:r>
+              <a:rPr lang="ko-KR" altLang="en-US" sz="1600" dirty="0">
+                <a:solidFill>
+                  <a:srgbClr val="C00000"/>
+                </a:solidFill>
+              </a:rPr>
+              <a:t>①②②③④⑤⑥⑦⑧⑨⑩</a:t>
+            </a:r>
+            <a:endParaRPr lang="ko-KR" altLang="en-US" sz="1600" dirty="0">
+              <a:solidFill>
+                <a:srgbClr val="C00000"/>
+              </a:solidFill>
+            </a:endParaRPr>
+          </a:p>
+        </p:txBody>
+      </p:sp>
+      <p:sp>
+        <p:nvSpPr>
+          <p:cNvPr id="6" name="직사각형 5"/>
+          <p:cNvSpPr/>
+          <p:nvPr/>
+        </p:nvSpPr>
+        <p:spPr>
+          <a:xfrm>
+            <a:off x="5306787" y="548083"/>
+            <a:ext cx="415498" cy="369332"/>
+          </a:xfrm>
+          <a:prstGeom prst="rect">
+            <a:avLst/>
+          </a:prstGeom>
+        </p:spPr>
+        <p:txBody>
+          <a:bodyPr wrap="none">
+            <a:spAutoFit/>
+          </a:bodyPr>
+          <a:lstStyle/>
+          <a:p>
+            <a:r>
+              <a:rPr lang="ko-KR" altLang="en-US">
+                <a:solidFill>
+                  <a:srgbClr val="C00000"/>
+                </a:solidFill>
+              </a:rPr>
+              <a:t>①</a:t>
+            </a:r>
+            <a:endParaRPr lang="ko-KR" altLang="en-US"/>
+          </a:p>
+        </p:txBody>
+      </p:sp>
+      <p:sp>
+        <p:nvSpPr>
+          <p:cNvPr id="7" name="직사각형 6"/>
+          <p:cNvSpPr/>
+          <p:nvPr/>
+        </p:nvSpPr>
+        <p:spPr>
+          <a:xfrm>
+            <a:off x="8818182" y="717566"/>
+            <a:ext cx="415498" cy="369332"/>
+          </a:xfrm>
+          <a:prstGeom prst="rect">
+            <a:avLst/>
+          </a:prstGeom>
+        </p:spPr>
+        <p:txBody>
+          <a:bodyPr wrap="none">
+            <a:spAutoFit/>
+          </a:bodyPr>
+          <a:lstStyle/>
+          <a:p>
+            <a:r>
+              <a:rPr lang="ko-KR" altLang="en-US" dirty="0">
+                <a:solidFill>
+                  <a:srgbClr val="C00000"/>
+                </a:solidFill>
+              </a:rPr>
+              <a:t>②</a:t>
+            </a:r>
+            <a:endParaRPr lang="ko-KR" altLang="en-US" dirty="0"/>
+          </a:p>
+        </p:txBody>
+      </p:sp>
+      <p:sp>
+        <p:nvSpPr>
+          <p:cNvPr id="8" name="직사각형 7"/>
+          <p:cNvSpPr/>
+          <p:nvPr/>
+        </p:nvSpPr>
+        <p:spPr>
+          <a:xfrm>
+            <a:off x="5858693" y="917415"/>
+            <a:ext cx="415498" cy="369332"/>
+          </a:xfrm>
+          <a:prstGeom prst="rect">
+            <a:avLst/>
+          </a:prstGeom>
+        </p:spPr>
+        <p:txBody>
+          <a:bodyPr wrap="none">
+            <a:spAutoFit/>
+          </a:bodyPr>
+          <a:lstStyle/>
+          <a:p>
+            <a:r>
+              <a:rPr lang="ko-KR" altLang="en-US" dirty="0">
+                <a:solidFill>
+                  <a:srgbClr val="C00000"/>
+                </a:solidFill>
+              </a:rPr>
+              <a:t>③</a:t>
+            </a:r>
+            <a:endParaRPr lang="ko-KR" altLang="en-US" dirty="0"/>
+          </a:p>
+        </p:txBody>
+      </p:sp>
+      <p:sp>
+        <p:nvSpPr>
+          <p:cNvPr id="9" name="직사각형 8"/>
+          <p:cNvSpPr/>
+          <p:nvPr/>
+        </p:nvSpPr>
+        <p:spPr>
+          <a:xfrm>
+            <a:off x="5147352" y="5973467"/>
+            <a:ext cx="415498" cy="369332"/>
+          </a:xfrm>
+          <a:prstGeom prst="rect">
+            <a:avLst/>
+          </a:prstGeom>
+        </p:spPr>
+        <p:txBody>
+          <a:bodyPr wrap="none">
+            <a:spAutoFit/>
+          </a:bodyPr>
+          <a:lstStyle/>
+          <a:p>
+            <a:r>
+              <a:rPr lang="ko-KR" altLang="en-US" dirty="0">
+                <a:solidFill>
+                  <a:srgbClr val="C00000"/>
+                </a:solidFill>
+              </a:rPr>
+              <a:t>④</a:t>
+            </a:r>
+            <a:endParaRPr lang="ko-KR" altLang="en-US" dirty="0"/>
+          </a:p>
+        </p:txBody>
+      </p:sp>
+      <p:sp>
+        <p:nvSpPr>
+          <p:cNvPr id="10" name="직사각형 9"/>
+          <p:cNvSpPr/>
+          <p:nvPr/>
+        </p:nvSpPr>
+        <p:spPr>
+          <a:xfrm>
+            <a:off x="7088694" y="6099489"/>
+            <a:ext cx="415498" cy="369332"/>
+          </a:xfrm>
+          <a:prstGeom prst="rect">
+            <a:avLst/>
+          </a:prstGeom>
+        </p:spPr>
+        <p:txBody>
+          <a:bodyPr wrap="none">
+            <a:spAutoFit/>
+          </a:bodyPr>
+          <a:lstStyle/>
+          <a:p>
+            <a:r>
+              <a:rPr lang="ko-KR" altLang="en-US" dirty="0">
+                <a:solidFill>
+                  <a:srgbClr val="C00000"/>
+                </a:solidFill>
+              </a:rPr>
+              <a:t>⑤</a:t>
+            </a:r>
+            <a:endParaRPr lang="ko-KR" altLang="en-US" dirty="0"/>
+          </a:p>
+        </p:txBody>
+      </p:sp>
+    </p:spTree>
+    <p:extLst>
+      <p:ext uri="{BB962C8B-B14F-4D97-AF65-F5344CB8AC3E}">
+        <p14:creationId xmlns:p14="http://schemas.microsoft.com/office/powerpoint/2010/main" val="2576346615"/>
       </p:ext>
     </p:extLst>
   </p:cSld>

--- a/image2.pptx
+++ b/image2.pptx
@@ -282,7 +282,7 @@
           <a:p>
             <a:fld id="{BCB002D4-23EE-4E87-B595-31C4A3955AD9}" type="datetimeFigureOut">
               <a:rPr lang="ko-KR" altLang="en-US" smtClean="0"/>
-              <a:t>2019. 3. 16.</a:t>
+              <a:t>2019. 9. 3.</a:t>
             </a:fld>
             <a:endParaRPr lang="ko-KR" altLang="en-US"/>
           </a:p>
@@ -452,7 +452,7 @@
           <a:p>
             <a:fld id="{BCB002D4-23EE-4E87-B595-31C4A3955AD9}" type="datetimeFigureOut">
               <a:rPr lang="ko-KR" altLang="en-US" smtClean="0"/>
-              <a:t>2019. 3. 16.</a:t>
+              <a:t>2019. 9. 3.</a:t>
             </a:fld>
             <a:endParaRPr lang="ko-KR" altLang="en-US"/>
           </a:p>
@@ -632,7 +632,7 @@
           <a:p>
             <a:fld id="{BCB002D4-23EE-4E87-B595-31C4A3955AD9}" type="datetimeFigureOut">
               <a:rPr lang="ko-KR" altLang="en-US" smtClean="0"/>
-              <a:t>2019. 3. 16.</a:t>
+              <a:t>2019. 9. 3.</a:t>
             </a:fld>
             <a:endParaRPr lang="ko-KR" altLang="en-US"/>
           </a:p>
@@ -802,7 +802,7 @@
           <a:p>
             <a:fld id="{BCB002D4-23EE-4E87-B595-31C4A3955AD9}" type="datetimeFigureOut">
               <a:rPr lang="ko-KR" altLang="en-US" smtClean="0"/>
-              <a:t>2019. 3. 16.</a:t>
+              <a:t>2019. 9. 3.</a:t>
             </a:fld>
             <a:endParaRPr lang="ko-KR" altLang="en-US"/>
           </a:p>
@@ -1048,7 +1048,7 @@
           <a:p>
             <a:fld id="{BCB002D4-23EE-4E87-B595-31C4A3955AD9}" type="datetimeFigureOut">
               <a:rPr lang="ko-KR" altLang="en-US" smtClean="0"/>
-              <a:t>2019. 3. 16.</a:t>
+              <a:t>2019. 9. 3.</a:t>
             </a:fld>
             <a:endParaRPr lang="ko-KR" altLang="en-US"/>
           </a:p>
@@ -1280,7 +1280,7 @@
           <a:p>
             <a:fld id="{BCB002D4-23EE-4E87-B595-31C4A3955AD9}" type="datetimeFigureOut">
               <a:rPr lang="ko-KR" altLang="en-US" smtClean="0"/>
-              <a:t>2019. 3. 16.</a:t>
+              <a:t>2019. 9. 3.</a:t>
             </a:fld>
             <a:endParaRPr lang="ko-KR" altLang="en-US"/>
           </a:p>
@@ -1647,7 +1647,7 @@
           <a:p>
             <a:fld id="{BCB002D4-23EE-4E87-B595-31C4A3955AD9}" type="datetimeFigureOut">
               <a:rPr lang="ko-KR" altLang="en-US" smtClean="0"/>
-              <a:t>2019. 3. 16.</a:t>
+              <a:t>2019. 9. 3.</a:t>
             </a:fld>
             <a:endParaRPr lang="ko-KR" altLang="en-US"/>
           </a:p>
@@ -1765,7 +1765,7 @@
           <a:p>
             <a:fld id="{BCB002D4-23EE-4E87-B595-31C4A3955AD9}" type="datetimeFigureOut">
               <a:rPr lang="ko-KR" altLang="en-US" smtClean="0"/>
-              <a:t>2019. 3. 16.</a:t>
+              <a:t>2019. 9. 3.</a:t>
             </a:fld>
             <a:endParaRPr lang="ko-KR" altLang="en-US"/>
           </a:p>
@@ -1860,7 +1860,7 @@
           <a:p>
             <a:fld id="{BCB002D4-23EE-4E87-B595-31C4A3955AD9}" type="datetimeFigureOut">
               <a:rPr lang="ko-KR" altLang="en-US" smtClean="0"/>
-              <a:t>2019. 3. 16.</a:t>
+              <a:t>2019. 9. 3.</a:t>
             </a:fld>
             <a:endParaRPr lang="ko-KR" altLang="en-US"/>
           </a:p>
@@ -2137,7 +2137,7 @@
           <a:p>
             <a:fld id="{BCB002D4-23EE-4E87-B595-31C4A3955AD9}" type="datetimeFigureOut">
               <a:rPr lang="ko-KR" altLang="en-US" smtClean="0"/>
-              <a:t>2019. 3. 16.</a:t>
+              <a:t>2019. 9. 3.</a:t>
             </a:fld>
             <a:endParaRPr lang="ko-KR" altLang="en-US"/>
           </a:p>
@@ -2390,7 +2390,7 @@
           <a:p>
             <a:fld id="{BCB002D4-23EE-4E87-B595-31C4A3955AD9}" type="datetimeFigureOut">
               <a:rPr lang="ko-KR" altLang="en-US" smtClean="0"/>
-              <a:t>2019. 3. 16.</a:t>
+              <a:t>2019. 9. 3.</a:t>
             </a:fld>
             <a:endParaRPr lang="ko-KR" altLang="en-US"/>
           </a:p>
@@ -2603,7 +2603,7 @@
           <a:p>
             <a:fld id="{BCB002D4-23EE-4E87-B595-31C4A3955AD9}" type="datetimeFigureOut">
               <a:rPr lang="ko-KR" altLang="en-US" smtClean="0"/>
-              <a:t>2019. 3. 16.</a:t>
+              <a:t>2019. 9. 3.</a:t>
             </a:fld>
             <a:endParaRPr lang="ko-KR" altLang="en-US"/>
           </a:p>
@@ -4391,6 +4391,30 @@
           </a:p>
         </p:txBody>
       </p:sp>
+      <p:pic>
+        <p:nvPicPr>
+          <p:cNvPr id="5" name="그림 4"/>
+          <p:cNvPicPr>
+            <a:picLocks noChangeAspect="1"/>
+          </p:cNvPicPr>
+          <p:nvPr/>
+        </p:nvPicPr>
+        <p:blipFill>
+          <a:blip r:embed="rId4"/>
+          <a:stretch>
+            <a:fillRect/>
+          </a:stretch>
+        </p:blipFill>
+        <p:spPr>
+          <a:xfrm>
+            <a:off x="1031630" y="3338985"/>
+            <a:ext cx="7765366" cy="3298018"/>
+          </a:xfrm>
+          <a:prstGeom prst="rect">
+            <a:avLst/>
+          </a:prstGeom>
+        </p:spPr>
+      </p:pic>
     </p:spTree>
     <p:extLst>
       <p:ext uri="{BB962C8B-B14F-4D97-AF65-F5344CB8AC3E}">
@@ -9118,11 +9142,6 @@
               </a:rPr>
               <a:t>①②②③④⑤⑥⑦⑧⑨⑩</a:t>
             </a:r>
-            <a:endParaRPr lang="ko-KR" altLang="en-US" sz="1600" dirty="0">
-              <a:solidFill>
-                <a:srgbClr val="C00000"/>
-              </a:solidFill>
-            </a:endParaRPr>
           </a:p>
         </p:txBody>
       </p:sp>
@@ -9671,11 +9690,6 @@
               </a:rPr>
               <a:t>①②②③④⑤⑥⑦⑧⑨⑩</a:t>
             </a:r>
-            <a:endParaRPr lang="ko-KR" altLang="en-US" sz="1600" dirty="0">
-              <a:solidFill>
-                <a:srgbClr val="C00000"/>
-              </a:solidFill>
-            </a:endParaRPr>
           </a:p>
         </p:txBody>
       </p:sp>
